--- a/Presentation.pptx
+++ b/Presentation.pptx
@@ -5,20 +5,25 @@
     <p:sldMasterId id="2147483840" r:id="rId1"/>
   </p:sldMasterIdLst>
   <p:notesMasterIdLst>
-    <p:notesMasterId r:id="rId13"/>
+    <p:notesMasterId r:id="rId18"/>
   </p:notesMasterIdLst>
   <p:sldIdLst>
     <p:sldId id="256" r:id="rId2"/>
     <p:sldId id="259" r:id="rId3"/>
-    <p:sldId id="257" r:id="rId4"/>
-    <p:sldId id="258" r:id="rId5"/>
-    <p:sldId id="266" r:id="rId6"/>
-    <p:sldId id="261" r:id="rId7"/>
-    <p:sldId id="262" r:id="rId8"/>
-    <p:sldId id="263" r:id="rId9"/>
-    <p:sldId id="264" r:id="rId10"/>
-    <p:sldId id="265" r:id="rId11"/>
-    <p:sldId id="260" r:id="rId12"/>
+    <p:sldId id="270" r:id="rId4"/>
+    <p:sldId id="271" r:id="rId5"/>
+    <p:sldId id="267" r:id="rId6"/>
+    <p:sldId id="272" r:id="rId7"/>
+    <p:sldId id="257" r:id="rId8"/>
+    <p:sldId id="261" r:id="rId9"/>
+    <p:sldId id="262" r:id="rId10"/>
+    <p:sldId id="263" r:id="rId11"/>
+    <p:sldId id="264" r:id="rId12"/>
+    <p:sldId id="265" r:id="rId13"/>
+    <p:sldId id="260" r:id="rId14"/>
+    <p:sldId id="258" r:id="rId15"/>
+    <p:sldId id="268" r:id="rId16"/>
+    <p:sldId id="273" r:id="rId17"/>
   </p:sldIdLst>
   <p:sldSz cx="12192000" cy="6858000"/>
   <p:notesSz cx="6858000" cy="9144000"/>
@@ -125,2575 +130,6 @@
 </p:presentation>
 </file>
 
-<file path=ppt/charts/chart1.xml><?xml version="1.0" encoding="utf-8"?>
-<c:chartSpace xmlns:c="http://schemas.openxmlformats.org/drawingml/2006/chart" xmlns:a="http://schemas.openxmlformats.org/drawingml/2006/main" xmlns:r="http://schemas.openxmlformats.org/officeDocument/2006/relationships">
-  <c:date1904 val="0"/>
-  <c:lang val="en-US"/>
-  <c:roundedCorners val="0"/>
-  <mc:AlternateContent xmlns:mc="http://schemas.openxmlformats.org/markup-compatibility/2006">
-    <mc:Choice xmlns:c14="http://schemas.microsoft.com/office/drawing/2007/8/2/chart" Requires="c14">
-      <c14:style val="102"/>
-    </mc:Choice>
-    <mc:Fallback>
-      <c:style val="2"/>
-    </mc:Fallback>
-  </mc:AlternateContent>
-  <c:chart>
-    <c:title>
-      <c:tx>
-        <c:rich>
-          <a:bodyPr rot="0" spcFirstLastPara="1" vertOverflow="ellipsis" vert="horz" wrap="square" anchor="ctr" anchorCtr="1"/>
-          <a:lstStyle/>
-          <a:p>
-            <a:pPr>
-              <a:defRPr sz="1400" b="0" i="0" u="none" strike="noStrike" kern="1200" spc="0" baseline="0">
-                <a:solidFill>
-                  <a:schemeClr val="tx1">
-                    <a:lumMod val="65000"/>
-                    <a:lumOff val="35000"/>
-                  </a:schemeClr>
-                </a:solidFill>
-                <a:latin typeface="+mn-lt"/>
-                <a:ea typeface="+mn-ea"/>
-                <a:cs typeface="+mn-cs"/>
-              </a:defRPr>
-            </a:pPr>
-            <a:r>
-              <a:rPr lang="en-US" dirty="0" smtClean="0"/>
-              <a:t>LAD.06</a:t>
-            </a:r>
-            <a:endParaRPr lang="en-US" dirty="0"/>
-          </a:p>
-        </c:rich>
-      </c:tx>
-      <c:overlay val="0"/>
-      <c:spPr>
-        <a:noFill/>
-        <a:ln>
-          <a:noFill/>
-        </a:ln>
-        <a:effectLst/>
-      </c:spPr>
-      <c:txPr>
-        <a:bodyPr rot="0" spcFirstLastPara="1" vertOverflow="ellipsis" vert="horz" wrap="square" anchor="ctr" anchorCtr="1"/>
-        <a:lstStyle/>
-        <a:p>
-          <a:pPr>
-            <a:defRPr sz="1400" b="0" i="0" u="none" strike="noStrike" kern="1200" spc="0" baseline="0">
-              <a:solidFill>
-                <a:schemeClr val="tx1">
-                  <a:lumMod val="65000"/>
-                  <a:lumOff val="35000"/>
-                </a:schemeClr>
-              </a:solidFill>
-              <a:latin typeface="+mn-lt"/>
-              <a:ea typeface="+mn-ea"/>
-              <a:cs typeface="+mn-cs"/>
-            </a:defRPr>
-          </a:pPr>
-          <a:endParaRPr lang="en-US"/>
-        </a:p>
-      </c:txPr>
-    </c:title>
-    <c:autoTitleDeleted val="0"/>
-    <c:plotArea>
-      <c:layout/>
-      <c:lineChart>
-        <c:grouping val="standard"/>
-        <c:varyColors val="0"/>
-        <c:ser>
-          <c:idx val="0"/>
-          <c:order val="0"/>
-          <c:tx>
-            <c:strRef>
-              <c:f>LAD.06!$B$1</c:f>
-              <c:strCache>
-                <c:ptCount val="1"/>
-                <c:pt idx="0">
-                  <c:v>Sales</c:v>
-                </c:pt>
-              </c:strCache>
-            </c:strRef>
-          </c:tx>
-          <c:spPr>
-            <a:ln w="28575" cap="rnd">
-              <a:solidFill>
-                <a:schemeClr val="accent1"/>
-              </a:solidFill>
-              <a:round/>
-            </a:ln>
-            <a:effectLst/>
-          </c:spPr>
-          <c:marker>
-            <c:symbol val="none"/>
-          </c:marker>
-          <c:cat>
-            <c:numRef>
-              <c:f>LAD.06!$A$2:$A$293</c:f>
-              <c:numCache>
-                <c:formatCode>m/d/yy</c:formatCode>
-                <c:ptCount val="292"/>
-                <c:pt idx="0">
-                  <c:v>40944.0</c:v>
-                </c:pt>
-                <c:pt idx="1">
-                  <c:v>40951.0</c:v>
-                </c:pt>
-                <c:pt idx="2">
-                  <c:v>40958.0</c:v>
-                </c:pt>
-                <c:pt idx="3">
-                  <c:v>40965.0</c:v>
-                </c:pt>
-                <c:pt idx="4">
-                  <c:v>40972.0</c:v>
-                </c:pt>
-                <c:pt idx="5">
-                  <c:v>40979.0</c:v>
-                </c:pt>
-                <c:pt idx="6">
-                  <c:v>40986.0</c:v>
-                </c:pt>
-                <c:pt idx="7">
-                  <c:v>40993.0</c:v>
-                </c:pt>
-                <c:pt idx="8">
-                  <c:v>41000.0</c:v>
-                </c:pt>
-                <c:pt idx="9">
-                  <c:v>41007.0</c:v>
-                </c:pt>
-                <c:pt idx="10">
-                  <c:v>41014.0</c:v>
-                </c:pt>
-                <c:pt idx="11">
-                  <c:v>41021.0</c:v>
-                </c:pt>
-                <c:pt idx="12">
-                  <c:v>41028.0</c:v>
-                </c:pt>
-                <c:pt idx="13">
-                  <c:v>41035.0</c:v>
-                </c:pt>
-                <c:pt idx="14">
-                  <c:v>41042.0</c:v>
-                </c:pt>
-                <c:pt idx="15">
-                  <c:v>41049.0</c:v>
-                </c:pt>
-                <c:pt idx="16">
-                  <c:v>41056.0</c:v>
-                </c:pt>
-                <c:pt idx="17">
-                  <c:v>41063.0</c:v>
-                </c:pt>
-                <c:pt idx="18">
-                  <c:v>41070.0</c:v>
-                </c:pt>
-                <c:pt idx="19">
-                  <c:v>41077.0</c:v>
-                </c:pt>
-                <c:pt idx="20">
-                  <c:v>41084.0</c:v>
-                </c:pt>
-                <c:pt idx="21">
-                  <c:v>41091.0</c:v>
-                </c:pt>
-                <c:pt idx="22">
-                  <c:v>41098.0</c:v>
-                </c:pt>
-                <c:pt idx="23">
-                  <c:v>41105.0</c:v>
-                </c:pt>
-                <c:pt idx="24">
-                  <c:v>41112.0</c:v>
-                </c:pt>
-                <c:pt idx="25">
-                  <c:v>41119.0</c:v>
-                </c:pt>
-                <c:pt idx="26">
-                  <c:v>41126.0</c:v>
-                </c:pt>
-                <c:pt idx="27">
-                  <c:v>41133.0</c:v>
-                </c:pt>
-                <c:pt idx="28">
-                  <c:v>41140.0</c:v>
-                </c:pt>
-                <c:pt idx="29">
-                  <c:v>41147.0</c:v>
-                </c:pt>
-                <c:pt idx="30">
-                  <c:v>41154.0</c:v>
-                </c:pt>
-                <c:pt idx="31">
-                  <c:v>41161.0</c:v>
-                </c:pt>
-                <c:pt idx="32">
-                  <c:v>41168.0</c:v>
-                </c:pt>
-                <c:pt idx="33">
-                  <c:v>41175.0</c:v>
-                </c:pt>
-                <c:pt idx="34">
-                  <c:v>41182.0</c:v>
-                </c:pt>
-                <c:pt idx="35">
-                  <c:v>41189.0</c:v>
-                </c:pt>
-                <c:pt idx="36">
-                  <c:v>41196.0</c:v>
-                </c:pt>
-                <c:pt idx="37">
-                  <c:v>41203.0</c:v>
-                </c:pt>
-                <c:pt idx="38">
-                  <c:v>41210.0</c:v>
-                </c:pt>
-                <c:pt idx="39">
-                  <c:v>41217.0</c:v>
-                </c:pt>
-                <c:pt idx="40">
-                  <c:v>41224.0</c:v>
-                </c:pt>
-                <c:pt idx="41">
-                  <c:v>41231.0</c:v>
-                </c:pt>
-                <c:pt idx="42">
-                  <c:v>41238.0</c:v>
-                </c:pt>
-                <c:pt idx="43">
-                  <c:v>41245.0</c:v>
-                </c:pt>
-                <c:pt idx="44">
-                  <c:v>41252.0</c:v>
-                </c:pt>
-                <c:pt idx="45">
-                  <c:v>41259.0</c:v>
-                </c:pt>
-                <c:pt idx="46">
-                  <c:v>41266.0</c:v>
-                </c:pt>
-                <c:pt idx="47">
-                  <c:v>41273.0</c:v>
-                </c:pt>
-                <c:pt idx="48">
-                  <c:v>41280.0</c:v>
-                </c:pt>
-                <c:pt idx="49">
-                  <c:v>41287.0</c:v>
-                </c:pt>
-                <c:pt idx="50">
-                  <c:v>41294.0</c:v>
-                </c:pt>
-                <c:pt idx="51">
-                  <c:v>41301.0</c:v>
-                </c:pt>
-                <c:pt idx="52">
-                  <c:v>41308.0</c:v>
-                </c:pt>
-                <c:pt idx="53">
-                  <c:v>41315.0</c:v>
-                </c:pt>
-                <c:pt idx="54">
-                  <c:v>41322.0</c:v>
-                </c:pt>
-                <c:pt idx="55">
-                  <c:v>41329.0</c:v>
-                </c:pt>
-                <c:pt idx="56">
-                  <c:v>41336.0</c:v>
-                </c:pt>
-                <c:pt idx="57">
-                  <c:v>41343.0</c:v>
-                </c:pt>
-                <c:pt idx="58">
-                  <c:v>41350.0</c:v>
-                </c:pt>
-                <c:pt idx="59">
-                  <c:v>41357.0</c:v>
-                </c:pt>
-                <c:pt idx="60">
-                  <c:v>41364.0</c:v>
-                </c:pt>
-                <c:pt idx="61">
-                  <c:v>41371.0</c:v>
-                </c:pt>
-                <c:pt idx="62">
-                  <c:v>41378.0</c:v>
-                </c:pt>
-                <c:pt idx="63">
-                  <c:v>41385.0</c:v>
-                </c:pt>
-                <c:pt idx="64">
-                  <c:v>41392.0</c:v>
-                </c:pt>
-                <c:pt idx="65">
-                  <c:v>41399.0</c:v>
-                </c:pt>
-                <c:pt idx="66">
-                  <c:v>41406.0</c:v>
-                </c:pt>
-                <c:pt idx="67">
-                  <c:v>41413.0</c:v>
-                </c:pt>
-                <c:pt idx="68">
-                  <c:v>41420.0</c:v>
-                </c:pt>
-                <c:pt idx="69">
-                  <c:v>41427.0</c:v>
-                </c:pt>
-                <c:pt idx="70">
-                  <c:v>41434.0</c:v>
-                </c:pt>
-                <c:pt idx="71">
-                  <c:v>41441.0</c:v>
-                </c:pt>
-                <c:pt idx="72">
-                  <c:v>41448.0</c:v>
-                </c:pt>
-                <c:pt idx="73">
-                  <c:v>41455.0</c:v>
-                </c:pt>
-                <c:pt idx="74">
-                  <c:v>41462.0</c:v>
-                </c:pt>
-                <c:pt idx="75">
-                  <c:v>41469.0</c:v>
-                </c:pt>
-                <c:pt idx="76">
-                  <c:v>41476.0</c:v>
-                </c:pt>
-                <c:pt idx="77">
-                  <c:v>41483.0</c:v>
-                </c:pt>
-                <c:pt idx="78">
-                  <c:v>41490.0</c:v>
-                </c:pt>
-                <c:pt idx="79">
-                  <c:v>41497.0</c:v>
-                </c:pt>
-                <c:pt idx="80">
-                  <c:v>41504.0</c:v>
-                </c:pt>
-                <c:pt idx="81">
-                  <c:v>41511.0</c:v>
-                </c:pt>
-                <c:pt idx="82">
-                  <c:v>41518.0</c:v>
-                </c:pt>
-                <c:pt idx="83">
-                  <c:v>41525.0</c:v>
-                </c:pt>
-                <c:pt idx="84">
-                  <c:v>41532.0</c:v>
-                </c:pt>
-                <c:pt idx="85">
-                  <c:v>41539.0</c:v>
-                </c:pt>
-                <c:pt idx="86">
-                  <c:v>41546.0</c:v>
-                </c:pt>
-                <c:pt idx="87">
-                  <c:v>41553.0</c:v>
-                </c:pt>
-                <c:pt idx="88">
-                  <c:v>41560.0</c:v>
-                </c:pt>
-                <c:pt idx="89">
-                  <c:v>41567.0</c:v>
-                </c:pt>
-                <c:pt idx="90">
-                  <c:v>41574.0</c:v>
-                </c:pt>
-                <c:pt idx="91">
-                  <c:v>41581.0</c:v>
-                </c:pt>
-                <c:pt idx="92">
-                  <c:v>41588.0</c:v>
-                </c:pt>
-                <c:pt idx="93">
-                  <c:v>41595.0</c:v>
-                </c:pt>
-                <c:pt idx="94">
-                  <c:v>41602.0</c:v>
-                </c:pt>
-                <c:pt idx="95">
-                  <c:v>41609.0</c:v>
-                </c:pt>
-                <c:pt idx="96">
-                  <c:v>41616.0</c:v>
-                </c:pt>
-                <c:pt idx="97">
-                  <c:v>41623.0</c:v>
-                </c:pt>
-                <c:pt idx="98">
-                  <c:v>41630.0</c:v>
-                </c:pt>
-                <c:pt idx="99">
-                  <c:v>41637.0</c:v>
-                </c:pt>
-                <c:pt idx="100">
-                  <c:v>41644.0</c:v>
-                </c:pt>
-                <c:pt idx="101">
-                  <c:v>41651.0</c:v>
-                </c:pt>
-                <c:pt idx="102">
-                  <c:v>41658.0</c:v>
-                </c:pt>
-                <c:pt idx="103">
-                  <c:v>41665.0</c:v>
-                </c:pt>
-                <c:pt idx="104">
-                  <c:v>41672.0</c:v>
-                </c:pt>
-                <c:pt idx="105">
-                  <c:v>41679.0</c:v>
-                </c:pt>
-                <c:pt idx="106">
-                  <c:v>41686.0</c:v>
-                </c:pt>
-                <c:pt idx="107">
-                  <c:v>41693.0</c:v>
-                </c:pt>
-                <c:pt idx="108">
-                  <c:v>41700.0</c:v>
-                </c:pt>
-                <c:pt idx="109">
-                  <c:v>41707.0</c:v>
-                </c:pt>
-                <c:pt idx="110">
-                  <c:v>41714.0</c:v>
-                </c:pt>
-                <c:pt idx="111">
-                  <c:v>41721.0</c:v>
-                </c:pt>
-                <c:pt idx="112">
-                  <c:v>41728.0</c:v>
-                </c:pt>
-                <c:pt idx="113">
-                  <c:v>41735.0</c:v>
-                </c:pt>
-                <c:pt idx="114">
-                  <c:v>41742.0</c:v>
-                </c:pt>
-                <c:pt idx="115">
-                  <c:v>41749.0</c:v>
-                </c:pt>
-                <c:pt idx="116">
-                  <c:v>41756.0</c:v>
-                </c:pt>
-                <c:pt idx="117">
-                  <c:v>41763.0</c:v>
-                </c:pt>
-                <c:pt idx="118">
-                  <c:v>41770.0</c:v>
-                </c:pt>
-                <c:pt idx="119">
-                  <c:v>41777.0</c:v>
-                </c:pt>
-                <c:pt idx="120">
-                  <c:v>41784.0</c:v>
-                </c:pt>
-                <c:pt idx="121">
-                  <c:v>41791.0</c:v>
-                </c:pt>
-                <c:pt idx="122">
-                  <c:v>41798.0</c:v>
-                </c:pt>
-                <c:pt idx="123">
-                  <c:v>41805.0</c:v>
-                </c:pt>
-                <c:pt idx="124">
-                  <c:v>41812.0</c:v>
-                </c:pt>
-                <c:pt idx="125">
-                  <c:v>41819.0</c:v>
-                </c:pt>
-                <c:pt idx="126">
-                  <c:v>41826.0</c:v>
-                </c:pt>
-                <c:pt idx="127">
-                  <c:v>41833.0</c:v>
-                </c:pt>
-                <c:pt idx="128">
-                  <c:v>41840.0</c:v>
-                </c:pt>
-                <c:pt idx="129">
-                  <c:v>41847.0</c:v>
-                </c:pt>
-                <c:pt idx="130">
-                  <c:v>41854.0</c:v>
-                </c:pt>
-                <c:pt idx="131">
-                  <c:v>41861.0</c:v>
-                </c:pt>
-                <c:pt idx="132">
-                  <c:v>41868.0</c:v>
-                </c:pt>
-                <c:pt idx="133">
-                  <c:v>41875.0</c:v>
-                </c:pt>
-                <c:pt idx="134">
-                  <c:v>41882.0</c:v>
-                </c:pt>
-                <c:pt idx="135">
-                  <c:v>41889.0</c:v>
-                </c:pt>
-                <c:pt idx="136">
-                  <c:v>41896.0</c:v>
-                </c:pt>
-                <c:pt idx="137">
-                  <c:v>41903.0</c:v>
-                </c:pt>
-                <c:pt idx="138">
-                  <c:v>41910.0</c:v>
-                </c:pt>
-                <c:pt idx="139">
-                  <c:v>41917.0</c:v>
-                </c:pt>
-                <c:pt idx="140">
-                  <c:v>41924.0</c:v>
-                </c:pt>
-                <c:pt idx="141">
-                  <c:v>41931.0</c:v>
-                </c:pt>
-                <c:pt idx="142">
-                  <c:v>41938.0</c:v>
-                </c:pt>
-                <c:pt idx="143">
-                  <c:v>41945.0</c:v>
-                </c:pt>
-                <c:pt idx="144">
-                  <c:v>41952.0</c:v>
-                </c:pt>
-                <c:pt idx="145">
-                  <c:v>41959.0</c:v>
-                </c:pt>
-                <c:pt idx="146">
-                  <c:v>41966.0</c:v>
-                </c:pt>
-                <c:pt idx="147">
-                  <c:v>41973.0</c:v>
-                </c:pt>
-                <c:pt idx="148">
-                  <c:v>41980.0</c:v>
-                </c:pt>
-                <c:pt idx="149">
-                  <c:v>41987.0</c:v>
-                </c:pt>
-                <c:pt idx="150">
-                  <c:v>41994.0</c:v>
-                </c:pt>
-                <c:pt idx="151">
-                  <c:v>42001.0</c:v>
-                </c:pt>
-                <c:pt idx="152">
-                  <c:v>42008.0</c:v>
-                </c:pt>
-                <c:pt idx="153">
-                  <c:v>42015.0</c:v>
-                </c:pt>
-                <c:pt idx="154">
-                  <c:v>42022.0</c:v>
-                </c:pt>
-                <c:pt idx="155">
-                  <c:v>42029.0</c:v>
-                </c:pt>
-                <c:pt idx="156">
-                  <c:v>42036.0</c:v>
-                </c:pt>
-                <c:pt idx="157">
-                  <c:v>42043.0</c:v>
-                </c:pt>
-                <c:pt idx="158">
-                  <c:v>42050.0</c:v>
-                </c:pt>
-                <c:pt idx="159">
-                  <c:v>42057.0</c:v>
-                </c:pt>
-                <c:pt idx="160">
-                  <c:v>42064.0</c:v>
-                </c:pt>
-                <c:pt idx="161">
-                  <c:v>42071.0</c:v>
-                </c:pt>
-                <c:pt idx="162">
-                  <c:v>42078.0</c:v>
-                </c:pt>
-                <c:pt idx="163">
-                  <c:v>42085.0</c:v>
-                </c:pt>
-                <c:pt idx="164">
-                  <c:v>42092.0</c:v>
-                </c:pt>
-                <c:pt idx="165">
-                  <c:v>42099.0</c:v>
-                </c:pt>
-                <c:pt idx="166">
-                  <c:v>42106.0</c:v>
-                </c:pt>
-                <c:pt idx="167">
-                  <c:v>42113.0</c:v>
-                </c:pt>
-                <c:pt idx="168">
-                  <c:v>42120.0</c:v>
-                </c:pt>
-                <c:pt idx="169">
-                  <c:v>42127.0</c:v>
-                </c:pt>
-                <c:pt idx="170">
-                  <c:v>42134.0</c:v>
-                </c:pt>
-                <c:pt idx="171">
-                  <c:v>42141.0</c:v>
-                </c:pt>
-                <c:pt idx="172">
-                  <c:v>42148.0</c:v>
-                </c:pt>
-                <c:pt idx="173">
-                  <c:v>42155.0</c:v>
-                </c:pt>
-                <c:pt idx="174">
-                  <c:v>42162.0</c:v>
-                </c:pt>
-                <c:pt idx="175">
-                  <c:v>42169.0</c:v>
-                </c:pt>
-                <c:pt idx="176">
-                  <c:v>42176.0</c:v>
-                </c:pt>
-                <c:pt idx="177">
-                  <c:v>42183.0</c:v>
-                </c:pt>
-                <c:pt idx="178">
-                  <c:v>42190.0</c:v>
-                </c:pt>
-                <c:pt idx="179">
-                  <c:v>42197.0</c:v>
-                </c:pt>
-                <c:pt idx="180">
-                  <c:v>42204.0</c:v>
-                </c:pt>
-                <c:pt idx="181">
-                  <c:v>42211.0</c:v>
-                </c:pt>
-                <c:pt idx="182">
-                  <c:v>42218.0</c:v>
-                </c:pt>
-                <c:pt idx="183">
-                  <c:v>42225.0</c:v>
-                </c:pt>
-                <c:pt idx="184">
-                  <c:v>42232.0</c:v>
-                </c:pt>
-                <c:pt idx="185">
-                  <c:v>42239.0</c:v>
-                </c:pt>
-                <c:pt idx="186">
-                  <c:v>42246.0</c:v>
-                </c:pt>
-                <c:pt idx="187">
-                  <c:v>42253.0</c:v>
-                </c:pt>
-                <c:pt idx="188">
-                  <c:v>42260.0</c:v>
-                </c:pt>
-                <c:pt idx="189">
-                  <c:v>42267.0</c:v>
-                </c:pt>
-                <c:pt idx="190">
-                  <c:v>42274.0</c:v>
-                </c:pt>
-                <c:pt idx="191">
-                  <c:v>42281.0</c:v>
-                </c:pt>
-                <c:pt idx="192">
-                  <c:v>42288.0</c:v>
-                </c:pt>
-                <c:pt idx="193">
-                  <c:v>42295.0</c:v>
-                </c:pt>
-                <c:pt idx="194">
-                  <c:v>42302.0</c:v>
-                </c:pt>
-                <c:pt idx="195">
-                  <c:v>42309.0</c:v>
-                </c:pt>
-                <c:pt idx="196">
-                  <c:v>42316.0</c:v>
-                </c:pt>
-                <c:pt idx="197">
-                  <c:v>42323.0</c:v>
-                </c:pt>
-                <c:pt idx="198">
-                  <c:v>42330.0</c:v>
-                </c:pt>
-                <c:pt idx="199">
-                  <c:v>42337.0</c:v>
-                </c:pt>
-                <c:pt idx="200">
-                  <c:v>42344.0</c:v>
-                </c:pt>
-                <c:pt idx="201">
-                  <c:v>42351.0</c:v>
-                </c:pt>
-                <c:pt idx="202">
-                  <c:v>42358.0</c:v>
-                </c:pt>
-                <c:pt idx="203">
-                  <c:v>42365.0</c:v>
-                </c:pt>
-                <c:pt idx="204">
-                  <c:v>42372.0</c:v>
-                </c:pt>
-                <c:pt idx="205">
-                  <c:v>42379.0</c:v>
-                </c:pt>
-                <c:pt idx="206">
-                  <c:v>42386.0</c:v>
-                </c:pt>
-                <c:pt idx="207">
-                  <c:v>42393.0</c:v>
-                </c:pt>
-                <c:pt idx="208">
-                  <c:v>42400.0</c:v>
-                </c:pt>
-                <c:pt idx="209">
-                  <c:v>42407.0</c:v>
-                </c:pt>
-                <c:pt idx="210">
-                  <c:v>42414.0</c:v>
-                </c:pt>
-                <c:pt idx="211">
-                  <c:v>42421.0</c:v>
-                </c:pt>
-                <c:pt idx="212">
-                  <c:v>42428.0</c:v>
-                </c:pt>
-                <c:pt idx="213">
-                  <c:v>42435.0</c:v>
-                </c:pt>
-                <c:pt idx="214">
-                  <c:v>42442.0</c:v>
-                </c:pt>
-                <c:pt idx="215">
-                  <c:v>42449.0</c:v>
-                </c:pt>
-                <c:pt idx="216">
-                  <c:v>42456.0</c:v>
-                </c:pt>
-                <c:pt idx="217">
-                  <c:v>42463.0</c:v>
-                </c:pt>
-                <c:pt idx="218">
-                  <c:v>42470.0</c:v>
-                </c:pt>
-                <c:pt idx="219">
-                  <c:v>42477.0</c:v>
-                </c:pt>
-                <c:pt idx="220">
-                  <c:v>42484.0</c:v>
-                </c:pt>
-                <c:pt idx="221">
-                  <c:v>42491.0</c:v>
-                </c:pt>
-                <c:pt idx="222">
-                  <c:v>42498.0</c:v>
-                </c:pt>
-                <c:pt idx="223">
-                  <c:v>42505.0</c:v>
-                </c:pt>
-                <c:pt idx="224">
-                  <c:v>42512.0</c:v>
-                </c:pt>
-                <c:pt idx="225">
-                  <c:v>42519.0</c:v>
-                </c:pt>
-                <c:pt idx="226">
-                  <c:v>42526.0</c:v>
-                </c:pt>
-                <c:pt idx="227">
-                  <c:v>42533.0</c:v>
-                </c:pt>
-                <c:pt idx="228">
-                  <c:v>42540.0</c:v>
-                </c:pt>
-                <c:pt idx="229">
-                  <c:v>42547.0</c:v>
-                </c:pt>
-                <c:pt idx="230">
-                  <c:v>42554.0</c:v>
-                </c:pt>
-                <c:pt idx="231">
-                  <c:v>42561.0</c:v>
-                </c:pt>
-                <c:pt idx="232">
-                  <c:v>42568.0</c:v>
-                </c:pt>
-                <c:pt idx="233">
-                  <c:v>42575.0</c:v>
-                </c:pt>
-                <c:pt idx="234">
-                  <c:v>42582.0</c:v>
-                </c:pt>
-                <c:pt idx="235">
-                  <c:v>42589.0</c:v>
-                </c:pt>
-                <c:pt idx="236">
-                  <c:v>42596.0</c:v>
-                </c:pt>
-                <c:pt idx="237">
-                  <c:v>42603.0</c:v>
-                </c:pt>
-                <c:pt idx="238">
-                  <c:v>42610.0</c:v>
-                </c:pt>
-                <c:pt idx="239">
-                  <c:v>42617.0</c:v>
-                </c:pt>
-                <c:pt idx="240">
-                  <c:v>42624.0</c:v>
-                </c:pt>
-                <c:pt idx="241">
-                  <c:v>42631.0</c:v>
-                </c:pt>
-                <c:pt idx="242">
-                  <c:v>42638.0</c:v>
-                </c:pt>
-                <c:pt idx="243">
-                  <c:v>42645.0</c:v>
-                </c:pt>
-                <c:pt idx="244">
-                  <c:v>42652.0</c:v>
-                </c:pt>
-                <c:pt idx="245">
-                  <c:v>42659.0</c:v>
-                </c:pt>
-                <c:pt idx="246">
-                  <c:v>42666.0</c:v>
-                </c:pt>
-                <c:pt idx="247">
-                  <c:v>42673.0</c:v>
-                </c:pt>
-                <c:pt idx="248">
-                  <c:v>42680.0</c:v>
-                </c:pt>
-                <c:pt idx="249">
-                  <c:v>42687.0</c:v>
-                </c:pt>
-                <c:pt idx="250">
-                  <c:v>42694.0</c:v>
-                </c:pt>
-                <c:pt idx="251">
-                  <c:v>42701.0</c:v>
-                </c:pt>
-                <c:pt idx="252">
-                  <c:v>42708.0</c:v>
-                </c:pt>
-                <c:pt idx="253">
-                  <c:v>42715.0</c:v>
-                </c:pt>
-                <c:pt idx="254">
-                  <c:v>42722.0</c:v>
-                </c:pt>
-                <c:pt idx="255">
-                  <c:v>42729.0</c:v>
-                </c:pt>
-                <c:pt idx="256">
-                  <c:v>42736.0</c:v>
-                </c:pt>
-                <c:pt idx="257">
-                  <c:v>42743.0</c:v>
-                </c:pt>
-                <c:pt idx="258">
-                  <c:v>42750.0</c:v>
-                </c:pt>
-                <c:pt idx="259">
-                  <c:v>42757.0</c:v>
-                </c:pt>
-                <c:pt idx="260">
-                  <c:v>42764.0</c:v>
-                </c:pt>
-                <c:pt idx="261">
-                  <c:v>42771.0</c:v>
-                </c:pt>
-                <c:pt idx="262">
-                  <c:v>42778.0</c:v>
-                </c:pt>
-                <c:pt idx="263">
-                  <c:v>42785.0</c:v>
-                </c:pt>
-                <c:pt idx="264">
-                  <c:v>42792.0</c:v>
-                </c:pt>
-                <c:pt idx="265">
-                  <c:v>42799.0</c:v>
-                </c:pt>
-                <c:pt idx="266">
-                  <c:v>42806.0</c:v>
-                </c:pt>
-                <c:pt idx="267">
-                  <c:v>42813.0</c:v>
-                </c:pt>
-                <c:pt idx="268">
-                  <c:v>42820.0</c:v>
-                </c:pt>
-                <c:pt idx="269">
-                  <c:v>42827.0</c:v>
-                </c:pt>
-                <c:pt idx="270">
-                  <c:v>42834.0</c:v>
-                </c:pt>
-                <c:pt idx="271">
-                  <c:v>42841.0</c:v>
-                </c:pt>
-                <c:pt idx="272">
-                  <c:v>42848.0</c:v>
-                </c:pt>
-                <c:pt idx="273">
-                  <c:v>42855.0</c:v>
-                </c:pt>
-                <c:pt idx="274">
-                  <c:v>42862.0</c:v>
-                </c:pt>
-                <c:pt idx="275">
-                  <c:v>42869.0</c:v>
-                </c:pt>
-                <c:pt idx="276">
-                  <c:v>42876.0</c:v>
-                </c:pt>
-                <c:pt idx="277">
-                  <c:v>42883.0</c:v>
-                </c:pt>
-                <c:pt idx="278">
-                  <c:v>42890.0</c:v>
-                </c:pt>
-                <c:pt idx="279">
-                  <c:v>42897.0</c:v>
-                </c:pt>
-                <c:pt idx="280">
-                  <c:v>42904.0</c:v>
-                </c:pt>
-                <c:pt idx="281">
-                  <c:v>42911.0</c:v>
-                </c:pt>
-                <c:pt idx="282">
-                  <c:v>42918.0</c:v>
-                </c:pt>
-                <c:pt idx="283">
-                  <c:v>42925.0</c:v>
-                </c:pt>
-                <c:pt idx="284">
-                  <c:v>42932.0</c:v>
-                </c:pt>
-                <c:pt idx="285">
-                  <c:v>42939.0</c:v>
-                </c:pt>
-                <c:pt idx="286">
-                  <c:v>42946.0</c:v>
-                </c:pt>
-                <c:pt idx="287">
-                  <c:v>42953.0</c:v>
-                </c:pt>
-                <c:pt idx="288">
-                  <c:v>42960.0</c:v>
-                </c:pt>
-                <c:pt idx="289">
-                  <c:v>42967.0</c:v>
-                </c:pt>
-                <c:pt idx="290">
-                  <c:v>42974.0</c:v>
-                </c:pt>
-                <c:pt idx="291">
-                  <c:v>42981.0</c:v>
-                </c:pt>
-              </c:numCache>
-            </c:numRef>
-          </c:cat>
-          <c:val>
-            <c:numRef>
-              <c:f>LAD.06!$B$2:$B$293</c:f>
-              <c:numCache>
-                <c:formatCode>General</c:formatCode>
-                <c:ptCount val="292"/>
-                <c:pt idx="0">
-                  <c:v>6.0</c:v>
-                </c:pt>
-                <c:pt idx="1">
-                  <c:v>1.0</c:v>
-                </c:pt>
-                <c:pt idx="2">
-                  <c:v>38.0</c:v>
-                </c:pt>
-                <c:pt idx="3">
-                  <c:v>54.0</c:v>
-                </c:pt>
-                <c:pt idx="4">
-                  <c:v>57.0</c:v>
-                </c:pt>
-                <c:pt idx="5">
-                  <c:v>44.0</c:v>
-                </c:pt>
-                <c:pt idx="6">
-                  <c:v>41.0</c:v>
-                </c:pt>
-                <c:pt idx="7">
-                  <c:v>49.0</c:v>
-                </c:pt>
-                <c:pt idx="8">
-                  <c:v>46.0</c:v>
-                </c:pt>
-                <c:pt idx="9">
-                  <c:v>69.0</c:v>
-                </c:pt>
-                <c:pt idx="10">
-                  <c:v>53.0</c:v>
-                </c:pt>
-                <c:pt idx="11">
-                  <c:v>29.0</c:v>
-                </c:pt>
-                <c:pt idx="12">
-                  <c:v>17.0</c:v>
-                </c:pt>
-                <c:pt idx="13">
-                  <c:v>15.0</c:v>
-                </c:pt>
-                <c:pt idx="14">
-                  <c:v>8.0</c:v>
-                </c:pt>
-                <c:pt idx="15">
-                  <c:v>22.0</c:v>
-                </c:pt>
-                <c:pt idx="16">
-                  <c:v>22.0</c:v>
-                </c:pt>
-                <c:pt idx="17">
-                  <c:v>26.0</c:v>
-                </c:pt>
-                <c:pt idx="18">
-                  <c:v>19.0</c:v>
-                </c:pt>
-                <c:pt idx="19">
-                  <c:v>28.0</c:v>
-                </c:pt>
-                <c:pt idx="20">
-                  <c:v>38.0</c:v>
-                </c:pt>
-                <c:pt idx="21">
-                  <c:v>18.0</c:v>
-                </c:pt>
-                <c:pt idx="22">
-                  <c:v>6.0</c:v>
-                </c:pt>
-                <c:pt idx="23">
-                  <c:v>17.0</c:v>
-                </c:pt>
-                <c:pt idx="24">
-                  <c:v>16.0</c:v>
-                </c:pt>
-                <c:pt idx="25">
-                  <c:v>13.0</c:v>
-                </c:pt>
-                <c:pt idx="26">
-                  <c:v>14.0</c:v>
-                </c:pt>
-                <c:pt idx="27">
-                  <c:v>10.0</c:v>
-                </c:pt>
-                <c:pt idx="28">
-                  <c:v>22.0</c:v>
-                </c:pt>
-                <c:pt idx="29">
-                  <c:v>11.0</c:v>
-                </c:pt>
-                <c:pt idx="30">
-                  <c:v>23.0</c:v>
-                </c:pt>
-                <c:pt idx="31">
-                  <c:v>15.0</c:v>
-                </c:pt>
-                <c:pt idx="32">
-                  <c:v>25.0</c:v>
-                </c:pt>
-                <c:pt idx="33">
-                  <c:v>34.0</c:v>
-                </c:pt>
-                <c:pt idx="34">
-                  <c:v>31.0</c:v>
-                </c:pt>
-                <c:pt idx="35">
-                  <c:v>25.0</c:v>
-                </c:pt>
-                <c:pt idx="36">
-                  <c:v>27.0</c:v>
-                </c:pt>
-                <c:pt idx="37">
-                  <c:v>29.0</c:v>
-                </c:pt>
-                <c:pt idx="38">
-                  <c:v>24.0</c:v>
-                </c:pt>
-                <c:pt idx="39">
-                  <c:v>56.0</c:v>
-                </c:pt>
-                <c:pt idx="40">
-                  <c:v>26.0</c:v>
-                </c:pt>
-                <c:pt idx="41">
-                  <c:v>71.0</c:v>
-                </c:pt>
-                <c:pt idx="42">
-                  <c:v>98.0</c:v>
-                </c:pt>
-                <c:pt idx="43">
-                  <c:v>83.0</c:v>
-                </c:pt>
-                <c:pt idx="44">
-                  <c:v>112.0</c:v>
-                </c:pt>
-                <c:pt idx="45">
-                  <c:v>69.0</c:v>
-                </c:pt>
-                <c:pt idx="46">
-                  <c:v>64.0</c:v>
-                </c:pt>
-                <c:pt idx="47">
-                  <c:v>28.0</c:v>
-                </c:pt>
-                <c:pt idx="48">
-                  <c:v>46.0</c:v>
-                </c:pt>
-                <c:pt idx="49">
-                  <c:v>86.0</c:v>
-                </c:pt>
-                <c:pt idx="50">
-                  <c:v>37.0</c:v>
-                </c:pt>
-                <c:pt idx="51">
-                  <c:v>38.0</c:v>
-                </c:pt>
-                <c:pt idx="52">
-                  <c:v>9.0</c:v>
-                </c:pt>
-                <c:pt idx="53">
-                  <c:v>93.0</c:v>
-                </c:pt>
-                <c:pt idx="54">
-                  <c:v>94.0</c:v>
-                </c:pt>
-                <c:pt idx="55">
-                  <c:v>79.0</c:v>
-                </c:pt>
-                <c:pt idx="56">
-                  <c:v>57.0</c:v>
-                </c:pt>
-                <c:pt idx="57">
-                  <c:v>55.0</c:v>
-                </c:pt>
-                <c:pt idx="58">
-                  <c:v>48.0</c:v>
-                </c:pt>
-                <c:pt idx="59">
-                  <c:v>31.0</c:v>
-                </c:pt>
-                <c:pt idx="60">
-                  <c:v>36.0</c:v>
-                </c:pt>
-                <c:pt idx="61">
-                  <c:v>44.0</c:v>
-                </c:pt>
-                <c:pt idx="62">
-                  <c:v>42.0</c:v>
-                </c:pt>
-                <c:pt idx="63">
-                  <c:v>50.0</c:v>
-                </c:pt>
-                <c:pt idx="64">
-                  <c:v>30.0</c:v>
-                </c:pt>
-                <c:pt idx="65">
-                  <c:v>65.0</c:v>
-                </c:pt>
-                <c:pt idx="66">
-                  <c:v>48.0</c:v>
-                </c:pt>
-                <c:pt idx="67">
-                  <c:v>45.0</c:v>
-                </c:pt>
-                <c:pt idx="68">
-                  <c:v>33.0</c:v>
-                </c:pt>
-                <c:pt idx="69">
-                  <c:v>9.0</c:v>
-                </c:pt>
-                <c:pt idx="70">
-                  <c:v>2.0</c:v>
-                </c:pt>
-                <c:pt idx="71">
-                  <c:v>0.0</c:v>
-                </c:pt>
-                <c:pt idx="72">
-                  <c:v>3.0</c:v>
-                </c:pt>
-                <c:pt idx="73">
-                  <c:v>1.0</c:v>
-                </c:pt>
-                <c:pt idx="74">
-                  <c:v>5.0</c:v>
-                </c:pt>
-                <c:pt idx="75">
-                  <c:v>22.0</c:v>
-                </c:pt>
-                <c:pt idx="76">
-                  <c:v>31.0</c:v>
-                </c:pt>
-                <c:pt idx="77">
-                  <c:v>30.0</c:v>
-                </c:pt>
-                <c:pt idx="78">
-                  <c:v>21.0</c:v>
-                </c:pt>
-                <c:pt idx="79">
-                  <c:v>22.0</c:v>
-                </c:pt>
-                <c:pt idx="80">
-                  <c:v>34.0</c:v>
-                </c:pt>
-                <c:pt idx="81">
-                  <c:v>31.0</c:v>
-                </c:pt>
-                <c:pt idx="82">
-                  <c:v>31.0</c:v>
-                </c:pt>
-                <c:pt idx="83">
-                  <c:v>8.0</c:v>
-                </c:pt>
-                <c:pt idx="84">
-                  <c:v>0.0</c:v>
-                </c:pt>
-                <c:pt idx="85">
-                  <c:v>32.0</c:v>
-                </c:pt>
-                <c:pt idx="86">
-                  <c:v>16.0</c:v>
-                </c:pt>
-                <c:pt idx="87">
-                  <c:v>23.0</c:v>
-                </c:pt>
-                <c:pt idx="88">
-                  <c:v>25.0</c:v>
-                </c:pt>
-                <c:pt idx="89">
-                  <c:v>38.0</c:v>
-                </c:pt>
-                <c:pt idx="90">
-                  <c:v>27.0</c:v>
-                </c:pt>
-                <c:pt idx="91">
-                  <c:v>20.0</c:v>
-                </c:pt>
-                <c:pt idx="92">
-                  <c:v>26.0</c:v>
-                </c:pt>
-                <c:pt idx="93">
-                  <c:v>98.0</c:v>
-                </c:pt>
-                <c:pt idx="94">
-                  <c:v>123.0</c:v>
-                </c:pt>
-                <c:pt idx="95">
-                  <c:v>81.0</c:v>
-                </c:pt>
-                <c:pt idx="96">
-                  <c:v>117.0</c:v>
-                </c:pt>
-                <c:pt idx="97">
-                  <c:v>65.0</c:v>
-                </c:pt>
-                <c:pt idx="98">
-                  <c:v>78.0</c:v>
-                </c:pt>
-                <c:pt idx="99">
-                  <c:v>17.0</c:v>
-                </c:pt>
-                <c:pt idx="100">
-                  <c:v>42.0</c:v>
-                </c:pt>
-                <c:pt idx="101">
-                  <c:v>104.0</c:v>
-                </c:pt>
-                <c:pt idx="102">
-                  <c:v>75.0</c:v>
-                </c:pt>
-                <c:pt idx="103">
-                  <c:v>41.0</c:v>
-                </c:pt>
-                <c:pt idx="104">
-                  <c:v>17.0</c:v>
-                </c:pt>
-                <c:pt idx="105">
-                  <c:v>22.0</c:v>
-                </c:pt>
-                <c:pt idx="106">
-                  <c:v>27.0</c:v>
-                </c:pt>
-                <c:pt idx="107">
-                  <c:v>61.0</c:v>
-                </c:pt>
-                <c:pt idx="108">
-                  <c:v>68.0</c:v>
-                </c:pt>
-                <c:pt idx="109">
-                  <c:v>73.0</c:v>
-                </c:pt>
-                <c:pt idx="110">
-                  <c:v>42.0</c:v>
-                </c:pt>
-                <c:pt idx="111">
-                  <c:v>41.0</c:v>
-                </c:pt>
-                <c:pt idx="112">
-                  <c:v>59.0</c:v>
-                </c:pt>
-                <c:pt idx="113">
-                  <c:v>74.0</c:v>
-                </c:pt>
-                <c:pt idx="114">
-                  <c:v>54.0</c:v>
-                </c:pt>
-                <c:pt idx="115">
-                  <c:v>33.0</c:v>
-                </c:pt>
-                <c:pt idx="116">
-                  <c:v>76.0</c:v>
-                </c:pt>
-                <c:pt idx="117">
-                  <c:v>64.0</c:v>
-                </c:pt>
-                <c:pt idx="118">
-                  <c:v>90.0</c:v>
-                </c:pt>
-                <c:pt idx="119">
-                  <c:v>59.0</c:v>
-                </c:pt>
-                <c:pt idx="120">
-                  <c:v>55.0</c:v>
-                </c:pt>
-                <c:pt idx="121">
-                  <c:v>36.0</c:v>
-                </c:pt>
-                <c:pt idx="122">
-                  <c:v>57.0</c:v>
-                </c:pt>
-                <c:pt idx="123">
-                  <c:v>19.0</c:v>
-                </c:pt>
-                <c:pt idx="124">
-                  <c:v>42.0</c:v>
-                </c:pt>
-                <c:pt idx="125">
-                  <c:v>51.0</c:v>
-                </c:pt>
-                <c:pt idx="126">
-                  <c:v>43.0</c:v>
-                </c:pt>
-                <c:pt idx="127">
-                  <c:v>26.0</c:v>
-                </c:pt>
-                <c:pt idx="128">
-                  <c:v>10.0</c:v>
-                </c:pt>
-                <c:pt idx="129">
-                  <c:v>18.0</c:v>
-                </c:pt>
-                <c:pt idx="130">
-                  <c:v>18.0</c:v>
-                </c:pt>
-                <c:pt idx="131">
-                  <c:v>25.0</c:v>
-                </c:pt>
-                <c:pt idx="132">
-                  <c:v>46.0</c:v>
-                </c:pt>
-                <c:pt idx="133">
-                  <c:v>25.0</c:v>
-                </c:pt>
-                <c:pt idx="134">
-                  <c:v>10.0</c:v>
-                </c:pt>
-                <c:pt idx="135">
-                  <c:v>18.0</c:v>
-                </c:pt>
-                <c:pt idx="136">
-                  <c:v>66.0</c:v>
-                </c:pt>
-                <c:pt idx="137">
-                  <c:v>12.0</c:v>
-                </c:pt>
-                <c:pt idx="138">
-                  <c:v>27.0</c:v>
-                </c:pt>
-                <c:pt idx="139">
-                  <c:v>36.0</c:v>
-                </c:pt>
-                <c:pt idx="140">
-                  <c:v>123.0</c:v>
-                </c:pt>
-                <c:pt idx="141">
-                  <c:v>105.0</c:v>
-                </c:pt>
-                <c:pt idx="142">
-                  <c:v>107.0</c:v>
-                </c:pt>
-                <c:pt idx="143">
-                  <c:v>45.0</c:v>
-                </c:pt>
-                <c:pt idx="144">
-                  <c:v>64.0</c:v>
-                </c:pt>
-                <c:pt idx="145">
-                  <c:v>77.0</c:v>
-                </c:pt>
-                <c:pt idx="146">
-                  <c:v>86.0</c:v>
-                </c:pt>
-                <c:pt idx="147">
-                  <c:v>76.0</c:v>
-                </c:pt>
-                <c:pt idx="148">
-                  <c:v>27.0</c:v>
-                </c:pt>
-                <c:pt idx="149">
-                  <c:v>46.0</c:v>
-                </c:pt>
-                <c:pt idx="150">
-                  <c:v>61.0</c:v>
-                </c:pt>
-                <c:pt idx="151">
-                  <c:v>34.0</c:v>
-                </c:pt>
-                <c:pt idx="152">
-                  <c:v>111.0</c:v>
-                </c:pt>
-                <c:pt idx="153">
-                  <c:v>50.0</c:v>
-                </c:pt>
-                <c:pt idx="154">
-                  <c:v>102.0</c:v>
-                </c:pt>
-                <c:pt idx="155">
-                  <c:v>95.0</c:v>
-                </c:pt>
-                <c:pt idx="156">
-                  <c:v>68.0</c:v>
-                </c:pt>
-                <c:pt idx="157">
-                  <c:v>90.0</c:v>
-                </c:pt>
-                <c:pt idx="158">
-                  <c:v>68.0</c:v>
-                </c:pt>
-                <c:pt idx="159">
-                  <c:v>70.0</c:v>
-                </c:pt>
-                <c:pt idx="160">
-                  <c:v>72.0</c:v>
-                </c:pt>
-                <c:pt idx="161">
-                  <c:v>85.0</c:v>
-                </c:pt>
-                <c:pt idx="162">
-                  <c:v>97.0</c:v>
-                </c:pt>
-                <c:pt idx="163">
-                  <c:v>50.0</c:v>
-                </c:pt>
-                <c:pt idx="164">
-                  <c:v>107.0</c:v>
-                </c:pt>
-                <c:pt idx="165">
-                  <c:v>70.0</c:v>
-                </c:pt>
-                <c:pt idx="166">
-                  <c:v>103.0</c:v>
-                </c:pt>
-                <c:pt idx="167">
-                  <c:v>56.0</c:v>
-                </c:pt>
-                <c:pt idx="168">
-                  <c:v>34.0</c:v>
-                </c:pt>
-                <c:pt idx="169">
-                  <c:v>43.0</c:v>
-                </c:pt>
-                <c:pt idx="170">
-                  <c:v>65.0</c:v>
-                </c:pt>
-                <c:pt idx="171">
-                  <c:v>26.0</c:v>
-                </c:pt>
-                <c:pt idx="172">
-                  <c:v>31.0</c:v>
-                </c:pt>
-                <c:pt idx="173">
-                  <c:v>40.0</c:v>
-                </c:pt>
-                <c:pt idx="174">
-                  <c:v>72.0</c:v>
-                </c:pt>
-                <c:pt idx="175">
-                  <c:v>42.0</c:v>
-                </c:pt>
-                <c:pt idx="176">
-                  <c:v>60.0</c:v>
-                </c:pt>
-                <c:pt idx="177">
-                  <c:v>24.0</c:v>
-                </c:pt>
-                <c:pt idx="178">
-                  <c:v>27.0</c:v>
-                </c:pt>
-                <c:pt idx="179">
-                  <c:v>22.0</c:v>
-                </c:pt>
-                <c:pt idx="180">
-                  <c:v>37.0</c:v>
-                </c:pt>
-                <c:pt idx="181">
-                  <c:v>74.0</c:v>
-                </c:pt>
-                <c:pt idx="182">
-                  <c:v>59.0</c:v>
-                </c:pt>
-                <c:pt idx="183">
-                  <c:v>54.0</c:v>
-                </c:pt>
-                <c:pt idx="184">
-                  <c:v>51.0</c:v>
-                </c:pt>
-                <c:pt idx="185">
-                  <c:v>50.0</c:v>
-                </c:pt>
-                <c:pt idx="186">
-                  <c:v>56.0</c:v>
-                </c:pt>
-                <c:pt idx="187">
-                  <c:v>78.0</c:v>
-                </c:pt>
-                <c:pt idx="188">
-                  <c:v>78.0</c:v>
-                </c:pt>
-                <c:pt idx="189">
-                  <c:v>64.0</c:v>
-                </c:pt>
-                <c:pt idx="190">
-                  <c:v>4.0</c:v>
-                </c:pt>
-                <c:pt idx="191">
-                  <c:v>5.0</c:v>
-                </c:pt>
-                <c:pt idx="192">
-                  <c:v>23.0</c:v>
-                </c:pt>
-                <c:pt idx="193">
-                  <c:v>55.0</c:v>
-                </c:pt>
-                <c:pt idx="194">
-                  <c:v>24.0</c:v>
-                </c:pt>
-                <c:pt idx="195">
-                  <c:v>45.0</c:v>
-                </c:pt>
-                <c:pt idx="196">
-                  <c:v>38.0</c:v>
-                </c:pt>
-                <c:pt idx="197">
-                  <c:v>82.0</c:v>
-                </c:pt>
-                <c:pt idx="198">
-                  <c:v>114.0</c:v>
-                </c:pt>
-                <c:pt idx="199">
-                  <c:v>99.0</c:v>
-                </c:pt>
-                <c:pt idx="200">
-                  <c:v>161.0</c:v>
-                </c:pt>
-                <c:pt idx="201">
-                  <c:v>110.0</c:v>
-                </c:pt>
-                <c:pt idx="202">
-                  <c:v>60.0</c:v>
-                </c:pt>
-                <c:pt idx="203">
-                  <c:v>32.0</c:v>
-                </c:pt>
-                <c:pt idx="204">
-                  <c:v>14.0</c:v>
-                </c:pt>
-                <c:pt idx="205">
-                  <c:v>62.0</c:v>
-                </c:pt>
-                <c:pt idx="206">
-                  <c:v>66.0</c:v>
-                </c:pt>
-                <c:pt idx="207">
-                  <c:v>74.0</c:v>
-                </c:pt>
-                <c:pt idx="208">
-                  <c:v>60.0</c:v>
-                </c:pt>
-                <c:pt idx="209">
-                  <c:v>91.0</c:v>
-                </c:pt>
-                <c:pt idx="210">
-                  <c:v>64.0</c:v>
-                </c:pt>
-                <c:pt idx="211">
-                  <c:v>94.0</c:v>
-                </c:pt>
-                <c:pt idx="212">
-                  <c:v>88.0</c:v>
-                </c:pt>
-                <c:pt idx="213">
-                  <c:v>87.0</c:v>
-                </c:pt>
-                <c:pt idx="214">
-                  <c:v>71.0</c:v>
-                </c:pt>
-                <c:pt idx="215">
-                  <c:v>63.0</c:v>
-                </c:pt>
-                <c:pt idx="216">
-                  <c:v>73.0</c:v>
-                </c:pt>
-                <c:pt idx="217">
-                  <c:v>27.0</c:v>
-                </c:pt>
-                <c:pt idx="218">
-                  <c:v>20.0</c:v>
-                </c:pt>
-                <c:pt idx="219">
-                  <c:v>29.0</c:v>
-                </c:pt>
-                <c:pt idx="220">
-                  <c:v>13.0</c:v>
-                </c:pt>
-                <c:pt idx="221">
-                  <c:v>9.0</c:v>
-                </c:pt>
-                <c:pt idx="222">
-                  <c:v>0.0</c:v>
-                </c:pt>
-                <c:pt idx="223">
-                  <c:v>19.0</c:v>
-                </c:pt>
-                <c:pt idx="224">
-                  <c:v>3.0</c:v>
-                </c:pt>
-                <c:pt idx="225">
-                  <c:v>25.0</c:v>
-                </c:pt>
-                <c:pt idx="226">
-                  <c:v>31.0</c:v>
-                </c:pt>
-                <c:pt idx="227">
-                  <c:v>24.0</c:v>
-                </c:pt>
-                <c:pt idx="228">
-                  <c:v>4.0</c:v>
-                </c:pt>
-                <c:pt idx="229">
-                  <c:v>1.0</c:v>
-                </c:pt>
-                <c:pt idx="230">
-                  <c:v>3.0</c:v>
-                </c:pt>
-                <c:pt idx="231">
-                  <c:v>42.0</c:v>
-                </c:pt>
-                <c:pt idx="232">
-                  <c:v>59.0</c:v>
-                </c:pt>
-                <c:pt idx="233">
-                  <c:v>51.0</c:v>
-                </c:pt>
-                <c:pt idx="234">
-                  <c:v>43.0</c:v>
-                </c:pt>
-                <c:pt idx="235">
-                  <c:v>16.0</c:v>
-                </c:pt>
-                <c:pt idx="236">
-                  <c:v>21.0</c:v>
-                </c:pt>
-                <c:pt idx="237">
-                  <c:v>20.0</c:v>
-                </c:pt>
-                <c:pt idx="238">
-                  <c:v>34.0</c:v>
-                </c:pt>
-                <c:pt idx="239">
-                  <c:v>24.0</c:v>
-                </c:pt>
-                <c:pt idx="240">
-                  <c:v>96.0</c:v>
-                </c:pt>
-                <c:pt idx="241">
-                  <c:v>1.0</c:v>
-                </c:pt>
-                <c:pt idx="242">
-                  <c:v>0.0</c:v>
-                </c:pt>
-                <c:pt idx="243">
-                  <c:v>0.0</c:v>
-                </c:pt>
-                <c:pt idx="244">
-                  <c:v>0.0</c:v>
-                </c:pt>
-                <c:pt idx="245">
-                  <c:v>0.0</c:v>
-                </c:pt>
-                <c:pt idx="246">
-                  <c:v>63.0</c:v>
-                </c:pt>
-                <c:pt idx="247">
-                  <c:v>97.0</c:v>
-                </c:pt>
-                <c:pt idx="248">
-                  <c:v>159.0</c:v>
-                </c:pt>
-                <c:pt idx="249">
-                  <c:v>49.0</c:v>
-                </c:pt>
-                <c:pt idx="250">
-                  <c:v>27.0</c:v>
-                </c:pt>
-                <c:pt idx="251">
-                  <c:v>35.0</c:v>
-                </c:pt>
-                <c:pt idx="252">
-                  <c:v>44.0</c:v>
-                </c:pt>
-                <c:pt idx="253">
-                  <c:v>91.0</c:v>
-                </c:pt>
-                <c:pt idx="254">
-                  <c:v>74.0</c:v>
-                </c:pt>
-                <c:pt idx="255">
-                  <c:v>14.0</c:v>
-                </c:pt>
-                <c:pt idx="256">
-                  <c:v>1.0</c:v>
-                </c:pt>
-                <c:pt idx="257">
-                  <c:v>36.0</c:v>
-                </c:pt>
-                <c:pt idx="258">
-                  <c:v>105.0</c:v>
-                </c:pt>
-                <c:pt idx="259">
-                  <c:v>135.0</c:v>
-                </c:pt>
-                <c:pt idx="260">
-                  <c:v>61.0</c:v>
-                </c:pt>
-                <c:pt idx="261">
-                  <c:v>70.0</c:v>
-                </c:pt>
-                <c:pt idx="262">
-                  <c:v>50.0</c:v>
-                </c:pt>
-                <c:pt idx="263">
-                  <c:v>62.0</c:v>
-                </c:pt>
-                <c:pt idx="264">
-                  <c:v>41.0</c:v>
-                </c:pt>
-                <c:pt idx="265">
-                  <c:v>47.0</c:v>
-                </c:pt>
-                <c:pt idx="266">
-                  <c:v>25.0</c:v>
-                </c:pt>
-                <c:pt idx="267">
-                  <c:v>25.0</c:v>
-                </c:pt>
-                <c:pt idx="268">
-                  <c:v>38.0</c:v>
-                </c:pt>
-                <c:pt idx="269">
-                  <c:v>22.0</c:v>
-                </c:pt>
-                <c:pt idx="270">
-                  <c:v>10.0</c:v>
-                </c:pt>
-                <c:pt idx="271">
-                  <c:v>10.0</c:v>
-                </c:pt>
-                <c:pt idx="272">
-                  <c:v>6.0</c:v>
-                </c:pt>
-                <c:pt idx="273">
-                  <c:v>9.0</c:v>
-                </c:pt>
-                <c:pt idx="274">
-                  <c:v>6.0</c:v>
-                </c:pt>
-                <c:pt idx="275">
-                  <c:v>11.0</c:v>
-                </c:pt>
-                <c:pt idx="276">
-                  <c:v>5.0</c:v>
-                </c:pt>
-                <c:pt idx="277">
-                  <c:v>7.0</c:v>
-                </c:pt>
-                <c:pt idx="278">
-                  <c:v>8.0</c:v>
-                </c:pt>
-                <c:pt idx="279">
-                  <c:v>42.0</c:v>
-                </c:pt>
-                <c:pt idx="280">
-                  <c:v>59.0</c:v>
-                </c:pt>
-                <c:pt idx="281">
-                  <c:v>17.0</c:v>
-                </c:pt>
-                <c:pt idx="282">
-                  <c:v>58.0</c:v>
-                </c:pt>
-                <c:pt idx="283">
-                  <c:v>44.0</c:v>
-                </c:pt>
-                <c:pt idx="284">
-                  <c:v>115.0</c:v>
-                </c:pt>
-                <c:pt idx="285">
-                  <c:v>45.0</c:v>
-                </c:pt>
-                <c:pt idx="286">
-                  <c:v>68.0</c:v>
-                </c:pt>
-                <c:pt idx="287">
-                  <c:v>41.0</c:v>
-                </c:pt>
-                <c:pt idx="288">
-                  <c:v>42.0</c:v>
-                </c:pt>
-                <c:pt idx="289">
-                  <c:v>40.0</c:v>
-                </c:pt>
-                <c:pt idx="290">
-                  <c:v>47.0</c:v>
-                </c:pt>
-                <c:pt idx="291">
-                  <c:v>8.0</c:v>
-                </c:pt>
-              </c:numCache>
-            </c:numRef>
-          </c:val>
-          <c:smooth val="0"/>
-        </c:ser>
-        <c:dLbls>
-          <c:showLegendKey val="0"/>
-          <c:showVal val="0"/>
-          <c:showCatName val="0"/>
-          <c:showSerName val="0"/>
-          <c:showPercent val="0"/>
-          <c:showBubbleSize val="0"/>
-        </c:dLbls>
-        <c:smooth val="0"/>
-        <c:axId val="-1807721520"/>
-        <c:axId val="-2007568432"/>
-      </c:lineChart>
-      <c:dateAx>
-        <c:axId val="-1807721520"/>
-        <c:scaling>
-          <c:orientation val="minMax"/>
-        </c:scaling>
-        <c:delete val="0"/>
-        <c:axPos val="b"/>
-        <c:numFmt formatCode="m/d/yy" sourceLinked="1"/>
-        <c:majorTickMark val="out"/>
-        <c:minorTickMark val="none"/>
-        <c:tickLblPos val="nextTo"/>
-        <c:spPr>
-          <a:noFill/>
-          <a:ln w="9525" cap="flat" cmpd="sng" algn="ctr">
-            <a:solidFill>
-              <a:schemeClr val="tx1">
-                <a:lumMod val="15000"/>
-                <a:lumOff val="85000"/>
-              </a:schemeClr>
-            </a:solidFill>
-            <a:round/>
-          </a:ln>
-          <a:effectLst/>
-        </c:spPr>
-        <c:txPr>
-          <a:bodyPr rot="-60000000" spcFirstLastPara="1" vertOverflow="ellipsis" vert="horz" wrap="square" anchor="ctr" anchorCtr="1"/>
-          <a:lstStyle/>
-          <a:p>
-            <a:pPr>
-              <a:defRPr sz="900" b="0" i="0" u="none" strike="noStrike" kern="1200" baseline="0">
-                <a:solidFill>
-                  <a:schemeClr val="tx1">
-                    <a:lumMod val="65000"/>
-                    <a:lumOff val="35000"/>
-                  </a:schemeClr>
-                </a:solidFill>
-                <a:latin typeface="+mn-lt"/>
-                <a:ea typeface="+mn-ea"/>
-                <a:cs typeface="+mn-cs"/>
-              </a:defRPr>
-            </a:pPr>
-            <a:endParaRPr lang="en-US"/>
-          </a:p>
-        </c:txPr>
-        <c:crossAx val="-2007568432"/>
-        <c:crosses val="autoZero"/>
-        <c:auto val="1"/>
-        <c:lblOffset val="100"/>
-        <c:baseTimeUnit val="days"/>
-      </c:dateAx>
-      <c:valAx>
-        <c:axId val="-2007568432"/>
-        <c:scaling>
-          <c:orientation val="minMax"/>
-        </c:scaling>
-        <c:delete val="0"/>
-        <c:axPos val="l"/>
-        <c:numFmt formatCode="General" sourceLinked="0"/>
-        <c:majorTickMark val="none"/>
-        <c:minorTickMark val="none"/>
-        <c:tickLblPos val="nextTo"/>
-        <c:spPr>
-          <a:noFill/>
-          <a:ln>
-            <a:noFill/>
-          </a:ln>
-          <a:effectLst/>
-        </c:spPr>
-        <c:txPr>
-          <a:bodyPr rot="-60000000" spcFirstLastPara="1" vertOverflow="ellipsis" vert="horz" wrap="square" anchor="ctr" anchorCtr="1"/>
-          <a:lstStyle/>
-          <a:p>
-            <a:pPr>
-              <a:defRPr sz="900" b="0" i="0" u="none" strike="noStrike" kern="1200" baseline="0">
-                <a:solidFill>
-                  <a:schemeClr val="tx1">
-                    <a:lumMod val="65000"/>
-                    <a:lumOff val="35000"/>
-                  </a:schemeClr>
-                </a:solidFill>
-                <a:latin typeface="+mn-lt"/>
-                <a:ea typeface="+mn-ea"/>
-                <a:cs typeface="+mn-cs"/>
-              </a:defRPr>
-            </a:pPr>
-            <a:endParaRPr lang="en-US"/>
-          </a:p>
-        </c:txPr>
-        <c:crossAx val="-1807721520"/>
-        <c:crosses val="autoZero"/>
-        <c:crossBetween val="between"/>
-      </c:valAx>
-      <c:spPr>
-        <a:noFill/>
-        <a:ln w="25400">
-          <a:noFill/>
-        </a:ln>
-        <a:effectLst/>
-      </c:spPr>
-    </c:plotArea>
-    <c:plotVisOnly val="1"/>
-    <c:dispBlanksAs val="gap"/>
-    <c:showDLblsOverMax val="0"/>
-  </c:chart>
-  <c:spPr>
-    <a:noFill/>
-    <a:ln>
-      <a:noFill/>
-    </a:ln>
-    <a:effectLst/>
-  </c:spPr>
-  <c:txPr>
-    <a:bodyPr/>
-    <a:lstStyle/>
-    <a:p>
-      <a:pPr>
-        <a:defRPr/>
-      </a:pPr>
-      <a:endParaRPr lang="en-US"/>
-    </a:p>
-  </c:txPr>
-  <c:externalData r:id="rId3">
-    <c:autoUpdate val="0"/>
-  </c:externalData>
-</c:chartSpace>
-</file>
-
-<file path=ppt/charts/colors1.xml><?xml version="1.0" encoding="utf-8"?>
-<cs:colorStyle xmlns:cs="http://schemas.microsoft.com/office/drawing/2012/chartStyle" xmlns:a="http://schemas.openxmlformats.org/drawingml/2006/main" meth="cycle" id="10">
-  <a:schemeClr val="accent1"/>
-  <a:schemeClr val="accent2"/>
-  <a:schemeClr val="accent3"/>
-  <a:schemeClr val="accent4"/>
-  <a:schemeClr val="accent5"/>
-  <a:schemeClr val="accent6"/>
-  <cs:variation/>
-  <cs:variation>
-    <a:lumMod val="60000"/>
-  </cs:variation>
-  <cs:variation>
-    <a:lumMod val="80000"/>
-    <a:lumOff val="20000"/>
-  </cs:variation>
-  <cs:variation>
-    <a:lumMod val="80000"/>
-  </cs:variation>
-  <cs:variation>
-    <a:lumMod val="60000"/>
-    <a:lumOff val="40000"/>
-  </cs:variation>
-  <cs:variation>
-    <a:lumMod val="50000"/>
-  </cs:variation>
-  <cs:variation>
-    <a:lumMod val="70000"/>
-    <a:lumOff val="30000"/>
-  </cs:variation>
-  <cs:variation>
-    <a:lumMod val="70000"/>
-  </cs:variation>
-  <cs:variation>
-    <a:lumMod val="50000"/>
-    <a:lumOff val="50000"/>
-  </cs:variation>
-</cs:colorStyle>
-</file>
-
-<file path=ppt/charts/style1.xml><?xml version="1.0" encoding="utf-8"?>
-<cs:chartStyle xmlns:cs="http://schemas.microsoft.com/office/drawing/2012/chartStyle" xmlns:a="http://schemas.openxmlformats.org/drawingml/2006/main" id="227">
-  <cs:axisTitle>
-    <cs:lnRef idx="0"/>
-    <cs:fillRef idx="0"/>
-    <cs:effectRef idx="0"/>
-    <cs:fontRef idx="minor">
-      <a:schemeClr val="tx1">
-        <a:lumMod val="65000"/>
-        <a:lumOff val="35000"/>
-      </a:schemeClr>
-    </cs:fontRef>
-    <cs:defRPr sz="1000" kern="1200"/>
-  </cs:axisTitle>
-  <cs:categoryAxis>
-    <cs:lnRef idx="0"/>
-    <cs:fillRef idx="0"/>
-    <cs:effectRef idx="0"/>
-    <cs:fontRef idx="minor">
-      <a:schemeClr val="tx1">
-        <a:lumMod val="65000"/>
-        <a:lumOff val="35000"/>
-      </a:schemeClr>
-    </cs:fontRef>
-    <cs:spPr>
-      <a:ln w="9525" cap="flat" cmpd="sng" algn="ctr">
-        <a:solidFill>
-          <a:schemeClr val="tx1">
-            <a:lumMod val="15000"/>
-            <a:lumOff val="85000"/>
-          </a:schemeClr>
-        </a:solidFill>
-        <a:round/>
-      </a:ln>
-    </cs:spPr>
-    <cs:defRPr sz="900" kern="1200"/>
-  </cs:categoryAxis>
-  <cs:chartArea mods="allowNoFillOverride allowNoLineOverride">
-    <cs:lnRef idx="0"/>
-    <cs:fillRef idx="0"/>
-    <cs:effectRef idx="0"/>
-    <cs:fontRef idx="minor">
-      <a:schemeClr val="tx1"/>
-    </cs:fontRef>
-    <cs:spPr>
-      <a:solidFill>
-        <a:schemeClr val="bg1"/>
-      </a:solidFill>
-      <a:ln w="9525" cap="flat" cmpd="sng" algn="ctr">
-        <a:solidFill>
-          <a:schemeClr val="tx1">
-            <a:lumMod val="15000"/>
-            <a:lumOff val="85000"/>
-          </a:schemeClr>
-        </a:solidFill>
-        <a:round/>
-      </a:ln>
-    </cs:spPr>
-    <cs:defRPr sz="1000" kern="1200"/>
-  </cs:chartArea>
-  <cs:dataLabel>
-    <cs:lnRef idx="0"/>
-    <cs:fillRef idx="0"/>
-    <cs:effectRef idx="0"/>
-    <cs:fontRef idx="minor">
-      <a:schemeClr val="tx1">
-        <a:lumMod val="75000"/>
-        <a:lumOff val="25000"/>
-      </a:schemeClr>
-    </cs:fontRef>
-    <cs:defRPr sz="900" kern="1200"/>
-  </cs:dataLabel>
-  <cs:dataLabelCallout>
-    <cs:lnRef idx="0"/>
-    <cs:fillRef idx="0"/>
-    <cs:effectRef idx="0"/>
-    <cs:fontRef idx="minor">
-      <a:schemeClr val="dk1">
-        <a:lumMod val="65000"/>
-        <a:lumOff val="35000"/>
-      </a:schemeClr>
-    </cs:fontRef>
-    <cs:spPr>
-      <a:solidFill>
-        <a:schemeClr val="lt1"/>
-      </a:solidFill>
-      <a:ln>
-        <a:solidFill>
-          <a:schemeClr val="dk1">
-            <a:lumMod val="25000"/>
-            <a:lumOff val="75000"/>
-          </a:schemeClr>
-        </a:solidFill>
-      </a:ln>
-    </cs:spPr>
-    <cs:defRPr sz="900" kern="1200"/>
-    <cs:bodyPr rot="0" spcFirstLastPara="1" vertOverflow="clip" horzOverflow="clip" vert="horz" wrap="square" lIns="36576" tIns="18288" rIns="36576" bIns="18288" anchor="ctr" anchorCtr="1">
-      <a:spAutoFit/>
-    </cs:bodyPr>
-  </cs:dataLabelCallout>
-  <cs:dataPoint>
-    <cs:lnRef idx="0"/>
-    <cs:fillRef idx="1">
-      <cs:styleClr val="auto"/>
-    </cs:fillRef>
-    <cs:effectRef idx="0"/>
-    <cs:fontRef idx="minor">
-      <a:schemeClr val="tx1"/>
-    </cs:fontRef>
-    <cs:spPr>
-      <a:solidFill>
-        <a:schemeClr val="phClr"/>
-      </a:solidFill>
-    </cs:spPr>
-  </cs:dataPoint>
-  <cs:dataPoint3D>
-    <cs:lnRef idx="0"/>
-    <cs:fillRef idx="1">
-      <cs:styleClr val="auto"/>
-    </cs:fillRef>
-    <cs:effectRef idx="0"/>
-    <cs:fontRef idx="minor">
-      <a:schemeClr val="tx1"/>
-    </cs:fontRef>
-    <cs:spPr>
-      <a:solidFill>
-        <a:schemeClr val="phClr"/>
-      </a:solidFill>
-    </cs:spPr>
-  </cs:dataPoint3D>
-  <cs:dataPointLine>
-    <cs:lnRef idx="0">
-      <cs:styleClr val="auto"/>
-    </cs:lnRef>
-    <cs:fillRef idx="1"/>
-    <cs:effectRef idx="0"/>
-    <cs:fontRef idx="minor">
-      <a:schemeClr val="tx1"/>
-    </cs:fontRef>
-    <cs:spPr>
-      <a:ln w="28575" cap="rnd">
-        <a:solidFill>
-          <a:schemeClr val="phClr"/>
-        </a:solidFill>
-        <a:round/>
-      </a:ln>
-    </cs:spPr>
-  </cs:dataPointLine>
-  <cs:dataPointMarker>
-    <cs:lnRef idx="0">
-      <cs:styleClr val="auto"/>
-    </cs:lnRef>
-    <cs:fillRef idx="1">
-      <cs:styleClr val="auto"/>
-    </cs:fillRef>
-    <cs:effectRef idx="0"/>
-    <cs:fontRef idx="minor">
-      <a:schemeClr val="tx1"/>
-    </cs:fontRef>
-    <cs:spPr>
-      <a:solidFill>
-        <a:schemeClr val="phClr"/>
-      </a:solidFill>
-      <a:ln w="9525">
-        <a:solidFill>
-          <a:schemeClr val="phClr"/>
-        </a:solidFill>
-      </a:ln>
-    </cs:spPr>
-  </cs:dataPointMarker>
-  <cs:dataPointMarkerLayout symbol="circle" size="5"/>
-  <cs:dataPointWireframe>
-    <cs:lnRef idx="0">
-      <cs:styleClr val="auto"/>
-    </cs:lnRef>
-    <cs:fillRef idx="1"/>
-    <cs:effectRef idx="0"/>
-    <cs:fontRef idx="minor">
-      <a:schemeClr val="tx1"/>
-    </cs:fontRef>
-    <cs:spPr>
-      <a:ln w="9525" cap="rnd">
-        <a:solidFill>
-          <a:schemeClr val="phClr"/>
-        </a:solidFill>
-        <a:round/>
-      </a:ln>
-    </cs:spPr>
-  </cs:dataPointWireframe>
-  <cs:dataTable>
-    <cs:lnRef idx="0"/>
-    <cs:fillRef idx="0"/>
-    <cs:effectRef idx="0"/>
-    <cs:fontRef idx="minor">
-      <a:schemeClr val="tx1">
-        <a:lumMod val="65000"/>
-        <a:lumOff val="35000"/>
-      </a:schemeClr>
-    </cs:fontRef>
-    <cs:spPr>
-      <a:noFill/>
-      <a:ln w="9525" cap="flat" cmpd="sng" algn="ctr">
-        <a:solidFill>
-          <a:schemeClr val="tx1">
-            <a:lumMod val="15000"/>
-            <a:lumOff val="85000"/>
-          </a:schemeClr>
-        </a:solidFill>
-        <a:round/>
-      </a:ln>
-    </cs:spPr>
-    <cs:defRPr sz="900" kern="1200"/>
-  </cs:dataTable>
-  <cs:downBar>
-    <cs:lnRef idx="0"/>
-    <cs:fillRef idx="0"/>
-    <cs:effectRef idx="0"/>
-    <cs:fontRef idx="minor">
-      <a:schemeClr val="dk1"/>
-    </cs:fontRef>
-    <cs:spPr>
-      <a:solidFill>
-        <a:schemeClr val="dk1">
-          <a:lumMod val="65000"/>
-          <a:lumOff val="35000"/>
-        </a:schemeClr>
-      </a:solidFill>
-      <a:ln w="9525">
-        <a:solidFill>
-          <a:schemeClr val="tx1">
-            <a:lumMod val="65000"/>
-            <a:lumOff val="35000"/>
-          </a:schemeClr>
-        </a:solidFill>
-      </a:ln>
-    </cs:spPr>
-  </cs:downBar>
-  <cs:dropLine>
-    <cs:lnRef idx="0"/>
-    <cs:fillRef idx="0"/>
-    <cs:effectRef idx="0"/>
-    <cs:fontRef idx="minor">
-      <a:schemeClr val="tx1"/>
-    </cs:fontRef>
-    <cs:spPr>
-      <a:ln w="9525" cap="flat" cmpd="sng" algn="ctr">
-        <a:solidFill>
-          <a:schemeClr val="tx1">
-            <a:lumMod val="35000"/>
-            <a:lumOff val="65000"/>
-          </a:schemeClr>
-        </a:solidFill>
-        <a:round/>
-      </a:ln>
-    </cs:spPr>
-  </cs:dropLine>
-  <cs:errorBar>
-    <cs:lnRef idx="0"/>
-    <cs:fillRef idx="0"/>
-    <cs:effectRef idx="0"/>
-    <cs:fontRef idx="minor">
-      <a:schemeClr val="tx1"/>
-    </cs:fontRef>
-    <cs:spPr>
-      <a:ln w="9525" cap="flat" cmpd="sng" algn="ctr">
-        <a:solidFill>
-          <a:schemeClr val="tx1">
-            <a:lumMod val="65000"/>
-            <a:lumOff val="35000"/>
-          </a:schemeClr>
-        </a:solidFill>
-        <a:round/>
-      </a:ln>
-    </cs:spPr>
-  </cs:errorBar>
-  <cs:floor>
-    <cs:lnRef idx="0"/>
-    <cs:fillRef idx="0"/>
-    <cs:effectRef idx="0"/>
-    <cs:fontRef idx="minor">
-      <a:schemeClr val="tx1"/>
-    </cs:fontRef>
-    <cs:spPr>
-      <a:noFill/>
-      <a:ln>
-        <a:noFill/>
-      </a:ln>
-    </cs:spPr>
-  </cs:floor>
-  <cs:gridlineMajor>
-    <cs:lnRef idx="0"/>
-    <cs:fillRef idx="0"/>
-    <cs:effectRef idx="0"/>
-    <cs:fontRef idx="minor">
-      <a:schemeClr val="tx1"/>
-    </cs:fontRef>
-    <cs:spPr>
-      <a:ln w="9525" cap="flat" cmpd="sng" algn="ctr">
-        <a:solidFill>
-          <a:schemeClr val="tx1">
-            <a:lumMod val="15000"/>
-            <a:lumOff val="85000"/>
-          </a:schemeClr>
-        </a:solidFill>
-        <a:round/>
-      </a:ln>
-    </cs:spPr>
-  </cs:gridlineMajor>
-  <cs:gridlineMinor>
-    <cs:lnRef idx="0"/>
-    <cs:fillRef idx="0"/>
-    <cs:effectRef idx="0"/>
-    <cs:fontRef idx="minor">
-      <a:schemeClr val="tx1"/>
-    </cs:fontRef>
-    <cs:spPr>
-      <a:ln w="9525" cap="flat" cmpd="sng" algn="ctr">
-        <a:solidFill>
-          <a:schemeClr val="tx1">
-            <a:lumMod val="5000"/>
-            <a:lumOff val="95000"/>
-          </a:schemeClr>
-        </a:solidFill>
-        <a:round/>
-      </a:ln>
-    </cs:spPr>
-  </cs:gridlineMinor>
-  <cs:hiLoLine>
-    <cs:lnRef idx="0"/>
-    <cs:fillRef idx="0"/>
-    <cs:effectRef idx="0"/>
-    <cs:fontRef idx="minor">
-      <a:schemeClr val="tx1"/>
-    </cs:fontRef>
-    <cs:spPr>
-      <a:ln w="9525" cap="flat" cmpd="sng" algn="ctr">
-        <a:solidFill>
-          <a:schemeClr val="tx1">
-            <a:lumMod val="75000"/>
-            <a:lumOff val="25000"/>
-          </a:schemeClr>
-        </a:solidFill>
-        <a:round/>
-      </a:ln>
-    </cs:spPr>
-  </cs:hiLoLine>
-  <cs:leaderLine>
-    <cs:lnRef idx="0"/>
-    <cs:fillRef idx="0"/>
-    <cs:effectRef idx="0"/>
-    <cs:fontRef idx="minor">
-      <a:schemeClr val="tx1"/>
-    </cs:fontRef>
-    <cs:spPr>
-      <a:ln w="9525" cap="flat" cmpd="sng" algn="ctr">
-        <a:solidFill>
-          <a:schemeClr val="tx1">
-            <a:lumMod val="35000"/>
-            <a:lumOff val="65000"/>
-          </a:schemeClr>
-        </a:solidFill>
-        <a:round/>
-      </a:ln>
-    </cs:spPr>
-  </cs:leaderLine>
-  <cs:legend>
-    <cs:lnRef idx="0"/>
-    <cs:fillRef idx="0"/>
-    <cs:effectRef idx="0"/>
-    <cs:fontRef idx="minor">
-      <a:schemeClr val="tx1">
-        <a:lumMod val="65000"/>
-        <a:lumOff val="35000"/>
-      </a:schemeClr>
-    </cs:fontRef>
-    <cs:defRPr sz="900" kern="1200"/>
-  </cs:legend>
-  <cs:plotArea mods="allowNoFillOverride allowNoLineOverride">
-    <cs:lnRef idx="0"/>
-    <cs:fillRef idx="0"/>
-    <cs:effectRef idx="0"/>
-    <cs:fontRef idx="minor">
-      <a:schemeClr val="tx1"/>
-    </cs:fontRef>
-  </cs:plotArea>
-  <cs:plotArea3D mods="allowNoFillOverride allowNoLineOverride">
-    <cs:lnRef idx="0"/>
-    <cs:fillRef idx="0"/>
-    <cs:effectRef idx="0"/>
-    <cs:fontRef idx="minor">
-      <a:schemeClr val="tx1"/>
-    </cs:fontRef>
-  </cs:plotArea3D>
-  <cs:seriesAxis>
-    <cs:lnRef idx="0"/>
-    <cs:fillRef idx="0"/>
-    <cs:effectRef idx="0"/>
-    <cs:fontRef idx="minor">
-      <a:schemeClr val="tx1">
-        <a:lumMod val="65000"/>
-        <a:lumOff val="35000"/>
-      </a:schemeClr>
-    </cs:fontRef>
-    <cs:defRPr sz="900" kern="1200"/>
-  </cs:seriesAxis>
-  <cs:seriesLine>
-    <cs:lnRef idx="0"/>
-    <cs:fillRef idx="0"/>
-    <cs:effectRef idx="0"/>
-    <cs:fontRef idx="minor">
-      <a:schemeClr val="tx1"/>
-    </cs:fontRef>
-    <cs:spPr>
-      <a:ln w="9525" cap="flat" cmpd="sng" algn="ctr">
-        <a:solidFill>
-          <a:schemeClr val="tx1">
-            <a:lumMod val="35000"/>
-            <a:lumOff val="65000"/>
-          </a:schemeClr>
-        </a:solidFill>
-        <a:round/>
-      </a:ln>
-    </cs:spPr>
-  </cs:seriesLine>
-  <cs:title>
-    <cs:lnRef idx="0"/>
-    <cs:fillRef idx="0"/>
-    <cs:effectRef idx="0"/>
-    <cs:fontRef idx="minor">
-      <a:schemeClr val="tx1">
-        <a:lumMod val="65000"/>
-        <a:lumOff val="35000"/>
-      </a:schemeClr>
-    </cs:fontRef>
-    <cs:defRPr sz="1400" b="0" kern="1200" spc="0" baseline="0"/>
-  </cs:title>
-  <cs:trendline>
-    <cs:lnRef idx="0">
-      <cs:styleClr val="auto"/>
-    </cs:lnRef>
-    <cs:fillRef idx="0"/>
-    <cs:effectRef idx="0"/>
-    <cs:fontRef idx="minor">
-      <a:schemeClr val="tx1"/>
-    </cs:fontRef>
-    <cs:spPr>
-      <a:ln w="19050" cap="rnd">
-        <a:solidFill>
-          <a:schemeClr val="phClr"/>
-        </a:solidFill>
-        <a:prstDash val="sysDot"/>
-      </a:ln>
-    </cs:spPr>
-  </cs:trendline>
-  <cs:trendlineLabel>
-    <cs:lnRef idx="0"/>
-    <cs:fillRef idx="0"/>
-    <cs:effectRef idx="0"/>
-    <cs:fontRef idx="minor">
-      <a:schemeClr val="tx1">
-        <a:lumMod val="65000"/>
-        <a:lumOff val="35000"/>
-      </a:schemeClr>
-    </cs:fontRef>
-    <cs:defRPr sz="900" kern="1200"/>
-  </cs:trendlineLabel>
-  <cs:upBar>
-    <cs:lnRef idx="0"/>
-    <cs:fillRef idx="0"/>
-    <cs:effectRef idx="0"/>
-    <cs:fontRef idx="minor">
-      <a:schemeClr val="dk1"/>
-    </cs:fontRef>
-    <cs:spPr>
-      <a:solidFill>
-        <a:schemeClr val="lt1"/>
-      </a:solidFill>
-      <a:ln w="9525">
-        <a:solidFill>
-          <a:schemeClr val="tx1">
-            <a:lumMod val="15000"/>
-            <a:lumOff val="85000"/>
-          </a:schemeClr>
-        </a:solidFill>
-      </a:ln>
-    </cs:spPr>
-  </cs:upBar>
-  <cs:valueAxis>
-    <cs:lnRef idx="0"/>
-    <cs:fillRef idx="0"/>
-    <cs:effectRef idx="0"/>
-    <cs:fontRef idx="minor">
-      <a:schemeClr val="tx1">
-        <a:lumMod val="65000"/>
-        <a:lumOff val="35000"/>
-      </a:schemeClr>
-    </cs:fontRef>
-    <cs:defRPr sz="900" kern="1200"/>
-  </cs:valueAxis>
-  <cs:wall>
-    <cs:lnRef idx="0"/>
-    <cs:fillRef idx="0"/>
-    <cs:effectRef idx="0"/>
-    <cs:fontRef idx="minor">
-      <a:schemeClr val="tx1"/>
-    </cs:fontRef>
-    <cs:spPr>
-      <a:noFill/>
-      <a:ln>
-        <a:noFill/>
-      </a:ln>
-    </cs:spPr>
-  </cs:wall>
-</cs:chartStyle>
-</file>
-
 <file path=ppt/notesMasters/notesMaster1.xml><?xml version="1.0" encoding="utf-8"?>
 <p:notesMaster xmlns:a="http://schemas.openxmlformats.org/drawingml/2006/main" xmlns:r="http://schemas.openxmlformats.org/officeDocument/2006/relationships" xmlns:p="http://schemas.openxmlformats.org/presentationml/2006/main">
   <p:cSld>
@@ -2776,7 +212,7 @@
           <a:p>
             <a:fld id="{605FCCF6-769D-8E45-B04B-AAA9F0B1D1FF}" type="datetimeFigureOut">
               <a:rPr lang="en-US" smtClean="0"/>
-              <a:t>11/30/17</a:t>
+              <a:t>12/5/17</a:t>
             </a:fld>
             <a:endParaRPr lang="en-US"/>
           </a:p>
@@ -3044,6 +480,222 @@
 </p:notesMaster>
 </file>
 
+<file path=ppt/notesSlides/notesSlide1.xml><?xml version="1.0" encoding="utf-8"?>
+<p:notes xmlns:a="http://schemas.openxmlformats.org/drawingml/2006/main" xmlns:r="http://schemas.openxmlformats.org/officeDocument/2006/relationships" xmlns:p="http://schemas.openxmlformats.org/presentationml/2006/main">
+  <p:cSld>
+    <p:spTree>
+      <p:nvGrpSpPr>
+        <p:cNvPr id="1" name=""/>
+        <p:cNvGrpSpPr/>
+        <p:nvPr/>
+      </p:nvGrpSpPr>
+      <p:grpSpPr>
+        <a:xfrm>
+          <a:off x="0" y="0"/>
+          <a:ext cx="0" cy="0"/>
+          <a:chOff x="0" y="0"/>
+          <a:chExt cx="0" cy="0"/>
+        </a:xfrm>
+      </p:grpSpPr>
+      <p:sp>
+        <p:nvSpPr>
+          <p:cNvPr id="2" name="Slide Image Placeholder 1"/>
+          <p:cNvSpPr>
+            <a:spLocks noGrp="1" noRot="1" noChangeAspect="1"/>
+          </p:cNvSpPr>
+          <p:nvPr>
+            <p:ph type="sldImg"/>
+          </p:nvPr>
+        </p:nvSpPr>
+        <p:spPr/>
+      </p:sp>
+      <p:sp>
+        <p:nvSpPr>
+          <p:cNvPr id="3" name="Notes Placeholder 2"/>
+          <p:cNvSpPr>
+            <a:spLocks noGrp="1"/>
+          </p:cNvSpPr>
+          <p:nvPr>
+            <p:ph type="body" idx="1"/>
+          </p:nvPr>
+        </p:nvSpPr>
+        <p:spPr/>
+        <p:txBody>
+          <a:bodyPr/>
+          <a:lstStyle/>
+          <a:p>
+            <a:r>
+              <a:rPr lang="en-US" sz="1200" b="0" i="0" kern="1200" dirty="0" smtClean="0">
+                <a:solidFill>
+                  <a:schemeClr val="tx1"/>
+                </a:solidFill>
+                <a:effectLst/>
+                <a:latin typeface="+mn-lt"/>
+                <a:ea typeface="+mn-ea"/>
+                <a:cs typeface="+mn-cs"/>
+              </a:rPr>
+              <a:t>Our primary concern is to ensure that the residuals of our model are uncorrelated and normally distributed with zero-mean. If the seasonal ARIMA model does not satisfy these properties, it is a good indication that it can be further improved.</a:t>
+            </a:r>
+          </a:p>
+          <a:p>
+            <a:r>
+              <a:rPr lang="en-US" sz="1200" b="0" i="0" kern="1200" dirty="0" smtClean="0">
+                <a:solidFill>
+                  <a:schemeClr val="tx1"/>
+                </a:solidFill>
+                <a:effectLst/>
+                <a:latin typeface="+mn-lt"/>
+                <a:ea typeface="+mn-ea"/>
+                <a:cs typeface="+mn-cs"/>
+              </a:rPr>
+              <a:t>In this case, our model diagnostics suggests that the model residuals are normally distributed based on the following:</a:t>
+            </a:r>
+          </a:p>
+          <a:p>
+            <a:r>
+              <a:rPr lang="en-US" sz="1200" b="0" i="0" kern="1200" dirty="0" smtClean="0">
+                <a:solidFill>
+                  <a:schemeClr val="tx1"/>
+                </a:solidFill>
+                <a:effectLst/>
+                <a:latin typeface="+mn-lt"/>
+                <a:ea typeface="+mn-ea"/>
+                <a:cs typeface="+mn-cs"/>
+              </a:rPr>
+              <a:t>In the top right plot, we see that the red KDE line follows closely with the N(0,1) line (where N(0,1)) is the standard notation for a normal distribution with mean 0 and standard deviation of 1). This is a good indication that the residuals are normally distributed.</a:t>
+            </a:r>
+          </a:p>
+          <a:p>
+            <a:r>
+              <a:rPr lang="en-US" sz="1200" b="0" i="0" kern="1200" dirty="0" smtClean="0">
+                <a:solidFill>
+                  <a:schemeClr val="tx1"/>
+                </a:solidFill>
+                <a:effectLst/>
+                <a:latin typeface="+mn-lt"/>
+                <a:ea typeface="+mn-ea"/>
+                <a:cs typeface="+mn-cs"/>
+              </a:rPr>
+              <a:t>The </a:t>
+            </a:r>
+            <a:r>
+              <a:rPr lang="en-US" sz="1200" b="0" i="0" kern="1200" dirty="0" err="1" smtClean="0">
+                <a:solidFill>
+                  <a:schemeClr val="tx1"/>
+                </a:solidFill>
+                <a:effectLst/>
+                <a:latin typeface="+mn-lt"/>
+                <a:ea typeface="+mn-ea"/>
+                <a:cs typeface="+mn-cs"/>
+              </a:rPr>
+              <a:t>qq</a:t>
+            </a:r>
+            <a:r>
+              <a:rPr lang="en-US" sz="1200" b="0" i="0" kern="1200" dirty="0" smtClean="0">
+                <a:solidFill>
+                  <a:schemeClr val="tx1"/>
+                </a:solidFill>
+                <a:effectLst/>
+                <a:latin typeface="+mn-lt"/>
+                <a:ea typeface="+mn-ea"/>
+                <a:cs typeface="+mn-cs"/>
+              </a:rPr>
+              <a:t>-plot on the bottom left shows that the ordered distribution of residuals (blue dots) follows the linear trend of the samples taken from a standard normal distribution with N(0, 1). Again, this is a strong indication that the residuals are normally distributed.</a:t>
+            </a:r>
+          </a:p>
+          <a:p>
+            <a:r>
+              <a:rPr lang="en-US" sz="1200" b="0" i="0" kern="1200" dirty="0" smtClean="0">
+                <a:solidFill>
+                  <a:schemeClr val="tx1"/>
+                </a:solidFill>
+                <a:effectLst/>
+                <a:latin typeface="+mn-lt"/>
+                <a:ea typeface="+mn-ea"/>
+                <a:cs typeface="+mn-cs"/>
+              </a:rPr>
+              <a:t>The residuals over time (top left plot) don't display any obvious seasonality and appear to be white noise. This is confirmed by the autocorrelation (i.e. </a:t>
+            </a:r>
+            <a:r>
+              <a:rPr lang="en-US" sz="1200" b="0" i="0" kern="1200" dirty="0" err="1" smtClean="0">
+                <a:solidFill>
+                  <a:schemeClr val="tx1"/>
+                </a:solidFill>
+                <a:effectLst/>
+                <a:latin typeface="+mn-lt"/>
+                <a:ea typeface="+mn-ea"/>
+                <a:cs typeface="+mn-cs"/>
+              </a:rPr>
+              <a:t>correlogram</a:t>
+            </a:r>
+            <a:r>
+              <a:rPr lang="en-US" sz="1200" b="0" i="0" kern="1200" dirty="0" smtClean="0">
+                <a:solidFill>
+                  <a:schemeClr val="tx1"/>
+                </a:solidFill>
+                <a:effectLst/>
+                <a:latin typeface="+mn-lt"/>
+                <a:ea typeface="+mn-ea"/>
+                <a:cs typeface="+mn-cs"/>
+              </a:rPr>
+              <a:t>) plot on the bottom right, which shows that the time series residuals have low correlation with lagged versions of itself.</a:t>
+            </a:r>
+          </a:p>
+          <a:p>
+            <a:r>
+              <a:rPr lang="en-US" sz="1200" b="0" i="0" kern="1200" dirty="0" smtClean="0">
+                <a:solidFill>
+                  <a:schemeClr val="tx1"/>
+                </a:solidFill>
+                <a:effectLst/>
+                <a:latin typeface="+mn-lt"/>
+                <a:ea typeface="+mn-ea"/>
+                <a:cs typeface="+mn-cs"/>
+              </a:rPr>
+              <a:t>Those observations lead us to conclude that our model produces a satisfactory fit that could help us understand our time series data and forecast future values.</a:t>
+            </a:r>
+          </a:p>
+          <a:p>
+            <a:endParaRPr lang="en-US" dirty="0"/>
+          </a:p>
+        </p:txBody>
+      </p:sp>
+      <p:sp>
+        <p:nvSpPr>
+          <p:cNvPr id="4" name="Slide Number Placeholder 3"/>
+          <p:cNvSpPr>
+            <a:spLocks noGrp="1"/>
+          </p:cNvSpPr>
+          <p:nvPr>
+            <p:ph type="sldNum" sz="quarter" idx="10"/>
+          </p:nvPr>
+        </p:nvSpPr>
+        <p:spPr/>
+        <p:txBody>
+          <a:bodyPr/>
+          <a:lstStyle/>
+          <a:p>
+            <a:fld id="{5DEB6A21-A66E-C84C-894B-0499B0667B4A}" type="slidenum">
+              <a:rPr lang="en-US" smtClean="0"/>
+              <a:t>15</a:t>
+            </a:fld>
+            <a:endParaRPr lang="en-US"/>
+          </a:p>
+        </p:txBody>
+      </p:sp>
+    </p:spTree>
+    <p:extLst>
+      <p:ext uri="{BB962C8B-B14F-4D97-AF65-F5344CB8AC3E}">
+        <p14:creationId xmlns:p14="http://schemas.microsoft.com/office/powerpoint/2010/main" val="283595277"/>
+      </p:ext>
+    </p:extLst>
+  </p:cSld>
+  <p:clrMapOvr>
+    <a:masterClrMapping/>
+  </p:clrMapOvr>
+</p:notes>
+</file>
+
 <file path=ppt/slideLayouts/slideLayout1.xml><?xml version="1.0" encoding="utf-8"?>
 <p:sldLayout xmlns:a="http://schemas.openxmlformats.org/drawingml/2006/main" xmlns:r="http://schemas.openxmlformats.org/officeDocument/2006/relationships" xmlns:p="http://schemas.openxmlformats.org/presentationml/2006/main" showMasterSp="0" type="title" preserve="1">
   <p:cSld name="Title Slide">
@@ -3212,7 +864,7 @@
           <a:p>
             <a:fld id="{9E016143-E03C-4CFD-AFDC-14E5BDEA754C}" type="datetimeFigureOut">
               <a:rPr lang="en-US" dirty="0"/>
-              <a:t>11/30/17</a:t>
+              <a:t>12/5/17</a:t>
             </a:fld>
             <a:endParaRPr lang="en-US" dirty="0"/>
           </a:p>
@@ -3436,7 +1088,7 @@
           <a:p>
             <a:fld id="{C033E54A-A8CA-48C1-9504-691B58049D29}" type="datetimeFigureOut">
               <a:rPr lang="en-US" dirty="0"/>
-              <a:t>11/30/17</a:t>
+              <a:t>12/5/17</a:t>
             </a:fld>
             <a:endParaRPr lang="en-US" dirty="0"/>
           </a:p>
@@ -3611,7 +1263,7 @@
           <a:p>
             <a:fld id="{B5F6C806-BBF7-471C-9527-881CE2266695}" type="datetimeFigureOut">
               <a:rPr lang="en-US" dirty="0"/>
-              <a:t>11/30/17</a:t>
+              <a:t>12/5/17</a:t>
             </a:fld>
             <a:endParaRPr lang="en-US" dirty="0"/>
           </a:p>
@@ -3776,7 +1428,7 @@
           <a:p>
             <a:fld id="{78C94063-DF36-4330-A365-08DA1FA5B7D6}" type="datetimeFigureOut">
               <a:rPr lang="en-US" dirty="0"/>
-              <a:t>11/30/17</a:t>
+              <a:t>12/5/17</a:t>
             </a:fld>
             <a:endParaRPr lang="en-US" dirty="0"/>
           </a:p>
@@ -4025,7 +1677,7 @@
           <a:p>
             <a:fld id="{908A7C6C-0F39-4D70-8E8D-FE5B9C95FA73}" type="datetimeFigureOut">
               <a:rPr lang="en-US" dirty="0"/>
-              <a:t>11/30/17</a:t>
+              <a:t>12/5/17</a:t>
             </a:fld>
             <a:endParaRPr lang="en-US" dirty="0"/>
           </a:p>
@@ -4346,7 +1998,7 @@
           <a:p>
             <a:fld id="{DFCFA4AC-08CC-42CE-BD01-C191750A04EC}" type="datetimeFigureOut">
               <a:rPr lang="en-US" dirty="0"/>
-              <a:t>11/30/17</a:t>
+              <a:t>12/5/17</a:t>
             </a:fld>
             <a:endParaRPr lang="en-US" dirty="0"/>
           </a:p>
@@ -4792,7 +2444,7 @@
           <a:p>
             <a:fld id="{1BA7A723-92A7-435B-B681-F25B092FEFEB}" type="datetimeFigureOut">
               <a:rPr lang="en-US" dirty="0"/>
-              <a:t>11/30/17</a:t>
+              <a:t>12/5/17</a:t>
             </a:fld>
             <a:endParaRPr lang="en-US" dirty="0"/>
           </a:p>
@@ -4905,7 +2557,7 @@
           <a:p>
             <a:fld id="{4F170639-886C-4FCF-9EAB-ABB5DA3F3F4A}" type="datetimeFigureOut">
               <a:rPr lang="en-US" dirty="0"/>
-              <a:t>11/30/17</a:t>
+              <a:t>12/5/17</a:t>
             </a:fld>
             <a:endParaRPr lang="en-US" dirty="0"/>
           </a:p>
@@ -4995,7 +2647,7 @@
           <a:p>
             <a:fld id="{22230651-31F4-45D2-98AE-A2108F41BC07}" type="datetimeFigureOut">
               <a:rPr lang="en-US" dirty="0"/>
-              <a:t>11/30/17</a:t>
+              <a:t>12/5/17</a:t>
             </a:fld>
             <a:endParaRPr lang="en-US" dirty="0"/>
           </a:p>
@@ -5277,7 +2929,7 @@
           <a:p>
             <a:fld id="{6F53789A-C914-4DB1-8815-80B5EC7335C5}" type="datetimeFigureOut">
               <a:rPr lang="en-US" dirty="0"/>
-              <a:t>11/30/17</a:t>
+              <a:t>12/5/17</a:t>
             </a:fld>
             <a:endParaRPr lang="en-US" dirty="0"/>
           </a:p>
@@ -5594,7 +3246,7 @@
           <a:p>
             <a:fld id="{5E6440AA-91A0-436F-8FDB-C0F939DCAE21}" type="datetimeFigureOut">
               <a:rPr lang="en-US" dirty="0"/>
-              <a:t>11/30/17</a:t>
+              <a:t>12/5/17</a:t>
             </a:fld>
             <a:endParaRPr lang="en-US" dirty="0"/>
           </a:p>
@@ -5843,7 +3495,7 @@
           <a:p>
             <a:fld id="{0E59FD0C-5451-4CA0-86AF-E70AE3279989}" type="datetimeFigureOut">
               <a:rPr lang="en-US" dirty="0"/>
-              <a:t>11/30/17</a:t>
+              <a:t>12/5/17</a:t>
             </a:fld>
             <a:endParaRPr lang="en-US" dirty="0"/>
           </a:p>
@@ -6421,7 +4073,7 @@
           <p:cNvPr id="10" name="Rectangle 9">
             <a:extLst>
               <a:ext uri="{FF2B5EF4-FFF2-40B4-BE49-F238E27FC236}">
-                <a16:creationId xmlns:a16="http://schemas.microsoft.com/office/drawing/2014/main" xmlns="" id="{323D50B8-1D27-420D-BA4A-249914120C5D}"/>
+                <a16:creationId xmlns="" xmlns:a16="http://schemas.microsoft.com/office/drawing/2014/main" id="{323D50B8-1D27-420D-BA4A-249914120C5D}"/>
               </a:ext>
             </a:extLst>
           </p:cNvPr>
@@ -6473,7 +4125,7 @@
           <p:cNvPr id="12" name="Rectangle 11">
             <a:extLst>
               <a:ext uri="{FF2B5EF4-FFF2-40B4-BE49-F238E27FC236}">
-                <a16:creationId xmlns:a16="http://schemas.microsoft.com/office/drawing/2014/main" xmlns="" id="{918CDC34-0F26-409D-B10F-578D4DCC46DE}"/>
+                <a16:creationId xmlns="" xmlns:a16="http://schemas.microsoft.com/office/drawing/2014/main" id="{918CDC34-0F26-409D-B10F-578D4DCC46DE}"/>
               </a:ext>
             </a:extLst>
           </p:cNvPr>
@@ -6522,7 +4174,442 @@
           <p:cNvPr id="14" name="Rectangle 13">
             <a:extLst>
               <a:ext uri="{FF2B5EF4-FFF2-40B4-BE49-F238E27FC236}">
-                <a16:creationId xmlns:a16="http://schemas.microsoft.com/office/drawing/2014/main" xmlns="" id="{2EFBB176-B6C1-4B5A-AADA-F930947E09CC}"/>
+                <a16:creationId xmlns="" xmlns:a16="http://schemas.microsoft.com/office/drawing/2014/main" id="{2EFBB176-B6C1-4B5A-AADA-F930947E09CC}"/>
+              </a:ext>
+            </a:extLst>
+          </p:cNvPr>
+          <p:cNvSpPr>
+            <a:spLocks noGrp="1" noRot="1" noChangeAspect="1" noMove="1" noResize="1" noEditPoints="1" noAdjustHandles="1" noChangeArrowheads="1" noChangeShapeType="1" noTextEdit="1"/>
+          </p:cNvSpPr>
+          <p:nvPr>
+            <p:extLst>
+              <p:ext uri="{386F3935-93C4-4BCD-93E2-E3B085C9AB24}">
+                <p16:designElem xmlns:p16="http://schemas.microsoft.com/office/powerpoint/2015/main" val="1"/>
+              </p:ext>
+            </p:extLst>
+          </p:nvPr>
+        </p:nvSpPr>
+        <p:spPr>
+          <a:xfrm>
+            <a:off x="457200" y="0"/>
+            <a:ext cx="10820400" cy="4949953"/>
+          </a:xfrm>
+          <a:prstGeom prst="rect">
+            <a:avLst/>
+          </a:prstGeom>
+          <a:solidFill>
+            <a:srgbClr val="FFFFFF"/>
+          </a:solidFill>
+          <a:ln>
+            <a:noFill/>
+          </a:ln>
+        </p:spPr>
+        <p:style>
+          <a:lnRef idx="2">
+            <a:schemeClr val="accent1">
+              <a:shade val="50000"/>
+            </a:schemeClr>
+          </a:lnRef>
+          <a:fillRef idx="1">
+            <a:schemeClr val="accent1"/>
+          </a:fillRef>
+          <a:effectRef idx="0">
+            <a:schemeClr val="accent1"/>
+          </a:effectRef>
+          <a:fontRef idx="minor">
+            <a:schemeClr val="lt1"/>
+          </a:fontRef>
+        </p:style>
+      </p:sp>
+      <p:pic>
+        <p:nvPicPr>
+          <p:cNvPr id="4" name="Content Placeholder 3"/>
+          <p:cNvPicPr>
+            <a:picLocks noGrp="1" noChangeAspect="1"/>
+          </p:cNvPicPr>
+          <p:nvPr>
+            <p:ph idx="1"/>
+          </p:nvPr>
+        </p:nvPicPr>
+        <p:blipFill>
+          <a:blip r:embed="rId2">
+            <a:extLst>
+              <a:ext uri="{28A0092B-C50C-407E-A947-70E740481C1C}">
+                <a14:useLocalDpi xmlns:a14="http://schemas.microsoft.com/office/drawing/2010/main" val="0"/>
+              </a:ext>
+            </a:extLst>
+          </a:blip>
+          <a:stretch>
+            <a:fillRect/>
+          </a:stretch>
+        </p:blipFill>
+        <p:spPr>
+          <a:xfrm>
+            <a:off x="652436" y="146156"/>
+            <a:ext cx="10448181" cy="2435353"/>
+          </a:xfrm>
+          <a:prstGeom prst="rect">
+            <a:avLst/>
+          </a:prstGeom>
+        </p:spPr>
+      </p:pic>
+      <p:pic>
+        <p:nvPicPr>
+          <p:cNvPr id="5" name="Picture 4"/>
+          <p:cNvPicPr>
+            <a:picLocks noChangeAspect="1"/>
+          </p:cNvPicPr>
+          <p:nvPr/>
+        </p:nvPicPr>
+        <p:blipFill>
+          <a:blip r:embed="rId3">
+            <a:extLst>
+              <a:ext uri="{28A0092B-C50C-407E-A947-70E740481C1C}">
+                <a14:useLocalDpi xmlns:a14="http://schemas.microsoft.com/office/drawing/2010/main" val="0"/>
+              </a:ext>
+            </a:extLst>
+          </a:blip>
+          <a:stretch>
+            <a:fillRect/>
+          </a:stretch>
+        </p:blipFill>
+        <p:spPr>
+          <a:xfrm>
+            <a:off x="652435" y="2736956"/>
+            <a:ext cx="10448181" cy="2212997"/>
+          </a:xfrm>
+          <a:prstGeom prst="rect">
+            <a:avLst/>
+          </a:prstGeom>
+        </p:spPr>
+      </p:pic>
+      <p:sp>
+        <p:nvSpPr>
+          <p:cNvPr id="2" name="Title 1"/>
+          <p:cNvSpPr>
+            <a:spLocks noGrp="1"/>
+          </p:cNvSpPr>
+          <p:nvPr>
+            <p:ph type="title"/>
+          </p:nvPr>
+        </p:nvSpPr>
+        <p:spPr>
+          <a:xfrm>
+            <a:off x="789182" y="5518275"/>
+            <a:ext cx="10156435" cy="1076324"/>
+          </a:xfrm>
+        </p:spPr>
+        <p:txBody>
+          <a:bodyPr vert="horz" lIns="91440" tIns="45720" rIns="91440" bIns="45720" rtlCol="0" anchor="b">
+            <a:normAutofit fontScale="90000"/>
+          </a:bodyPr>
+          <a:lstStyle/>
+          <a:p>
+            <a:pPr>
+              <a:lnSpc>
+                <a:spcPct val="85000"/>
+              </a:lnSpc>
+            </a:pPr>
+            <a:r>
+              <a:rPr lang="en-US" sz="5400" dirty="0" smtClean="0"/>
+              <a:t>MLP</a:t>
+            </a:r>
+            <a:br>
+              <a:rPr lang="en-US" sz="5400" dirty="0" smtClean="0"/>
+            </a:br>
+            <a:r>
+              <a:rPr lang="en-US" sz="5400" smtClean="0"/>
+              <a:t>Multi-Layer Perceptron</a:t>
+            </a:r>
+            <a:endParaRPr lang="en-US" sz="5400"/>
+          </a:p>
+        </p:txBody>
+      </p:sp>
+      <p:sp>
+        <p:nvSpPr>
+          <p:cNvPr id="8" name="TextBox 7"/>
+          <p:cNvSpPr txBox="1"/>
+          <p:nvPr/>
+        </p:nvSpPr>
+        <p:spPr>
+          <a:xfrm>
+            <a:off x="914400" y="-44363"/>
+            <a:ext cx="1212350" cy="369332"/>
+          </a:xfrm>
+          <a:prstGeom prst="rect">
+            <a:avLst/>
+          </a:prstGeom>
+          <a:noFill/>
+        </p:spPr>
+        <p:txBody>
+          <a:bodyPr wrap="square" rtlCol="0">
+            <a:spAutoFit/>
+          </a:bodyPr>
+          <a:lstStyle/>
+          <a:p>
+            <a:r>
+              <a:rPr lang="en-US" altLang="zh-CN" dirty="0" smtClean="0"/>
+              <a:t>Fitting</a:t>
+            </a:r>
+            <a:endParaRPr lang="en-US" dirty="0"/>
+          </a:p>
+        </p:txBody>
+      </p:sp>
+      <p:sp>
+        <p:nvSpPr>
+          <p:cNvPr id="9" name="TextBox 8"/>
+          <p:cNvSpPr txBox="1"/>
+          <p:nvPr/>
+        </p:nvSpPr>
+        <p:spPr>
+          <a:xfrm>
+            <a:off x="914400" y="2411987"/>
+            <a:ext cx="1579998" cy="369332"/>
+          </a:xfrm>
+          <a:prstGeom prst="rect">
+            <a:avLst/>
+          </a:prstGeom>
+          <a:noFill/>
+        </p:spPr>
+        <p:txBody>
+          <a:bodyPr wrap="square" rtlCol="0">
+            <a:spAutoFit/>
+          </a:bodyPr>
+          <a:lstStyle/>
+          <a:p>
+            <a:r>
+              <a:rPr lang="en-US" altLang="zh-CN" dirty="0" smtClean="0"/>
+              <a:t>Forecasting</a:t>
+            </a:r>
+            <a:endParaRPr lang="en-US" dirty="0"/>
+          </a:p>
+        </p:txBody>
+      </p:sp>
+      <p:sp>
+        <p:nvSpPr>
+          <p:cNvPr id="3" name="Rectangle 2"/>
+          <p:cNvSpPr/>
+          <p:nvPr/>
+        </p:nvSpPr>
+        <p:spPr>
+          <a:xfrm>
+            <a:off x="7570573" y="5096109"/>
+            <a:ext cx="6096000" cy="1754326"/>
+          </a:xfrm>
+          <a:prstGeom prst="rect">
+            <a:avLst/>
+          </a:prstGeom>
+        </p:spPr>
+        <p:txBody>
+          <a:bodyPr>
+            <a:spAutoFit/>
+          </a:bodyPr>
+          <a:lstStyle/>
+          <a:p>
+            <a:r>
+              <a:rPr lang="en-US" dirty="0"/>
+              <a:t>==Evaluation on Training Data==</a:t>
+            </a:r>
+          </a:p>
+          <a:p>
+            <a:endParaRPr lang="en-US" dirty="0"/>
+          </a:p>
+          <a:p>
+            <a:r>
+              <a:rPr lang="en-US" dirty="0"/>
+              <a:t>MAE: </a:t>
+            </a:r>
+            <a:r>
+              <a:rPr lang="en-US" dirty="0" smtClean="0"/>
+              <a:t>5.2334</a:t>
+            </a:r>
+          </a:p>
+          <a:p>
+            <a:r>
+              <a:rPr lang="en-US" dirty="0" smtClean="0"/>
+              <a:t>RRSE</a:t>
+            </a:r>
+            <a:r>
+              <a:rPr lang="en-US" dirty="0"/>
+              <a:t>: </a:t>
+            </a:r>
+            <a:r>
+              <a:rPr lang="en-US" dirty="0" smtClean="0"/>
+              <a:t>23.0063</a:t>
+            </a:r>
+            <a:endParaRPr lang="en-US" dirty="0"/>
+          </a:p>
+          <a:p>
+            <a:r>
+              <a:rPr lang="en-US" dirty="0"/>
+              <a:t>RMSE: </a:t>
+            </a:r>
+            <a:r>
+              <a:rPr lang="en-US" dirty="0" smtClean="0"/>
+              <a:t>6.8528</a:t>
+            </a:r>
+            <a:endParaRPr lang="en-US" dirty="0"/>
+          </a:p>
+          <a:p>
+            <a:r>
+              <a:rPr lang="en-US" dirty="0"/>
+              <a:t>MSE: </a:t>
+            </a:r>
+            <a:r>
+              <a:rPr lang="en-US" dirty="0" smtClean="0"/>
+              <a:t>46.9604</a:t>
+            </a:r>
+            <a:endParaRPr lang="en-US" dirty="0"/>
+          </a:p>
+        </p:txBody>
+      </p:sp>
+    </p:spTree>
+    <p:extLst>
+      <p:ext uri="{BB962C8B-B14F-4D97-AF65-F5344CB8AC3E}">
+        <p14:creationId xmlns:p14="http://schemas.microsoft.com/office/powerpoint/2010/main" val="2892663886"/>
+      </p:ext>
+    </p:extLst>
+  </p:cSld>
+  <p:clrMapOvr>
+    <a:masterClrMapping/>
+  </p:clrMapOvr>
+</p:sld>
+</file>
+
+<file path=ppt/slides/slide11.xml><?xml version="1.0" encoding="utf-8"?>
+<p:sld xmlns:a="http://schemas.openxmlformats.org/drawingml/2006/main" xmlns:r="http://schemas.openxmlformats.org/officeDocument/2006/relationships" xmlns:p="http://schemas.openxmlformats.org/presentationml/2006/main">
+  <p:cSld>
+    <p:bg>
+      <p:bgPr>
+        <a:solidFill>
+          <a:schemeClr val="bg2">
+            <a:lumMod val="75000"/>
+          </a:schemeClr>
+        </a:solidFill>
+        <a:effectLst/>
+      </p:bgPr>
+    </p:bg>
+    <p:spTree>
+      <p:nvGrpSpPr>
+        <p:cNvPr id="1" name=""/>
+        <p:cNvGrpSpPr/>
+        <p:nvPr/>
+      </p:nvGrpSpPr>
+      <p:grpSpPr>
+        <a:xfrm>
+          <a:off x="0" y="0"/>
+          <a:ext cx="0" cy="0"/>
+          <a:chOff x="0" y="0"/>
+          <a:chExt cx="0" cy="0"/>
+        </a:xfrm>
+      </p:grpSpPr>
+      <p:sp>
+        <p:nvSpPr>
+          <p:cNvPr id="10" name="Rectangle 9">
+            <a:extLst>
+              <a:ext uri="{FF2B5EF4-FFF2-40B4-BE49-F238E27FC236}">
+                <a16:creationId xmlns="" xmlns:a16="http://schemas.microsoft.com/office/drawing/2014/main" id="{323D50B8-1D27-420D-BA4A-249914120C5D}"/>
+              </a:ext>
+            </a:extLst>
+          </p:cNvPr>
+          <p:cNvSpPr>
+            <a:spLocks noGrp="1" noRot="1" noChangeAspect="1" noMove="1" noResize="1" noEditPoints="1" noAdjustHandles="1" noChangeArrowheads="1" noChangeShapeType="1" noTextEdit="1"/>
+          </p:cNvSpPr>
+          <p:nvPr>
+            <p:extLst>
+              <p:ext uri="{386F3935-93C4-4BCD-93E2-E3B085C9AB24}">
+                <p16:designElem xmlns:p16="http://schemas.microsoft.com/office/powerpoint/2015/main" val="1"/>
+              </p:ext>
+            </p:extLst>
+          </p:nvPr>
+        </p:nvSpPr>
+        <p:spPr>
+          <a:xfrm>
+            <a:off x="0" y="0"/>
+            <a:ext cx="457200" cy="6858000"/>
+          </a:xfrm>
+          <a:prstGeom prst="rect">
+            <a:avLst/>
+          </a:prstGeom>
+          <a:solidFill>
+            <a:schemeClr val="accent1"/>
+          </a:solidFill>
+          <a:ln>
+            <a:noFill/>
+          </a:ln>
+        </p:spPr>
+        <p:style>
+          <a:lnRef idx="2">
+            <a:schemeClr val="accent1">
+              <a:shade val="50000"/>
+            </a:schemeClr>
+          </a:lnRef>
+          <a:fillRef idx="1">
+            <a:schemeClr val="accent1"/>
+          </a:fillRef>
+          <a:effectRef idx="0">
+            <a:schemeClr val="accent1"/>
+          </a:effectRef>
+          <a:fontRef idx="minor">
+            <a:schemeClr val="lt1"/>
+          </a:fontRef>
+        </p:style>
+      </p:sp>
+      <p:sp useBgFill="1">
+        <p:nvSpPr>
+          <p:cNvPr id="12" name="Rectangle 11">
+            <a:extLst>
+              <a:ext uri="{FF2B5EF4-FFF2-40B4-BE49-F238E27FC236}">
+                <a16:creationId xmlns="" xmlns:a16="http://schemas.microsoft.com/office/drawing/2014/main" id="{918CDC34-0F26-409D-B10F-578D4DCC46DE}"/>
+              </a:ext>
+            </a:extLst>
+          </p:cNvPr>
+          <p:cNvSpPr>
+            <a:spLocks noGrp="1" noRot="1" noChangeAspect="1" noMove="1" noResize="1" noEditPoints="1" noAdjustHandles="1" noChangeArrowheads="1" noChangeShapeType="1" noTextEdit="1"/>
+          </p:cNvSpPr>
+          <p:nvPr>
+            <p:extLst>
+              <p:ext uri="{386F3935-93C4-4BCD-93E2-E3B085C9AB24}">
+                <p16:designElem xmlns:p16="http://schemas.microsoft.com/office/powerpoint/2015/main" val="1"/>
+              </p:ext>
+            </p:extLst>
+          </p:nvPr>
+        </p:nvSpPr>
+        <p:spPr>
+          <a:xfrm>
+            <a:off x="457200" y="5105400"/>
+            <a:ext cx="10835640" cy="1752600"/>
+          </a:xfrm>
+          <a:prstGeom prst="rect">
+            <a:avLst/>
+          </a:prstGeom>
+          <a:ln>
+            <a:noFill/>
+          </a:ln>
+        </p:spPr>
+        <p:style>
+          <a:lnRef idx="2">
+            <a:schemeClr val="accent1">
+              <a:shade val="50000"/>
+            </a:schemeClr>
+          </a:lnRef>
+          <a:fillRef idx="1">
+            <a:schemeClr val="accent1"/>
+          </a:fillRef>
+          <a:effectRef idx="0">
+            <a:schemeClr val="accent1"/>
+          </a:effectRef>
+          <a:fontRef idx="minor">
+            <a:schemeClr val="lt1"/>
+          </a:fontRef>
+        </p:style>
+      </p:sp>
+      <p:sp>
+        <p:nvSpPr>
+          <p:cNvPr id="14" name="Rectangle 13">
+            <a:extLst>
+              <a:ext uri="{FF2B5EF4-FFF2-40B4-BE49-F238E27FC236}">
+                <a16:creationId xmlns="" xmlns:a16="http://schemas.microsoft.com/office/drawing/2014/main" id="{2EFBB176-B6C1-4B5A-AADA-F930947E09CC}"/>
               </a:ext>
             </a:extLst>
           </p:cNvPr>
@@ -6591,8 +4678,8 @@
         </p:blipFill>
         <p:spPr>
           <a:xfrm>
-            <a:off x="591064" y="2660756"/>
-            <a:ext cx="10509553" cy="2289197"/>
+            <a:off x="635982" y="2736956"/>
+            <a:ext cx="10464635" cy="2212997"/>
           </a:xfrm>
           <a:prstGeom prst="rect">
             <a:avLst/>
@@ -6623,6 +4710,431 @@
         </p:blipFill>
         <p:spPr>
           <a:xfrm>
+            <a:off x="635983" y="146156"/>
+            <a:ext cx="10464634" cy="2435353"/>
+          </a:xfrm>
+          <a:prstGeom prst="rect">
+            <a:avLst/>
+          </a:prstGeom>
+        </p:spPr>
+      </p:pic>
+      <p:sp>
+        <p:nvSpPr>
+          <p:cNvPr id="2" name="Title 1"/>
+          <p:cNvSpPr>
+            <a:spLocks noGrp="1"/>
+          </p:cNvSpPr>
+          <p:nvPr>
+            <p:ph type="title"/>
+          </p:nvPr>
+        </p:nvSpPr>
+        <p:spPr>
+          <a:xfrm>
+            <a:off x="944183" y="5181600"/>
+            <a:ext cx="10156435" cy="1076324"/>
+          </a:xfrm>
+        </p:spPr>
+        <p:txBody>
+          <a:bodyPr vert="horz" lIns="91440" tIns="45720" rIns="91440" bIns="45720" rtlCol="0" anchor="b">
+            <a:normAutofit/>
+          </a:bodyPr>
+          <a:lstStyle/>
+          <a:p>
+            <a:pPr>
+              <a:lnSpc>
+                <a:spcPct val="85000"/>
+              </a:lnSpc>
+            </a:pPr>
+            <a:r>
+              <a:rPr lang="en-US" sz="5400" dirty="0" smtClean="0"/>
+              <a:t>Gaussian Process</a:t>
+            </a:r>
+            <a:endParaRPr lang="en-US" sz="5400" dirty="0"/>
+          </a:p>
+        </p:txBody>
+      </p:sp>
+      <p:sp>
+        <p:nvSpPr>
+          <p:cNvPr id="8" name="TextBox 7"/>
+          <p:cNvSpPr txBox="1"/>
+          <p:nvPr/>
+        </p:nvSpPr>
+        <p:spPr>
+          <a:xfrm>
+            <a:off x="914400" y="-44363"/>
+            <a:ext cx="1212350" cy="369332"/>
+          </a:xfrm>
+          <a:prstGeom prst="rect">
+            <a:avLst/>
+          </a:prstGeom>
+          <a:noFill/>
+        </p:spPr>
+        <p:txBody>
+          <a:bodyPr wrap="square" rtlCol="0">
+            <a:spAutoFit/>
+          </a:bodyPr>
+          <a:lstStyle/>
+          <a:p>
+            <a:r>
+              <a:rPr lang="en-US" altLang="zh-CN" dirty="0" smtClean="0"/>
+              <a:t>Fitting</a:t>
+            </a:r>
+            <a:endParaRPr lang="en-US" dirty="0"/>
+          </a:p>
+        </p:txBody>
+      </p:sp>
+      <p:sp>
+        <p:nvSpPr>
+          <p:cNvPr id="9" name="TextBox 8"/>
+          <p:cNvSpPr txBox="1"/>
+          <p:nvPr/>
+        </p:nvSpPr>
+        <p:spPr>
+          <a:xfrm>
+            <a:off x="914400" y="2411987"/>
+            <a:ext cx="1579998" cy="369332"/>
+          </a:xfrm>
+          <a:prstGeom prst="rect">
+            <a:avLst/>
+          </a:prstGeom>
+          <a:noFill/>
+        </p:spPr>
+        <p:txBody>
+          <a:bodyPr wrap="square" rtlCol="0">
+            <a:spAutoFit/>
+          </a:bodyPr>
+          <a:lstStyle/>
+          <a:p>
+            <a:r>
+              <a:rPr lang="en-US" altLang="zh-CN" dirty="0" smtClean="0"/>
+              <a:t>Forecasting</a:t>
+            </a:r>
+            <a:endParaRPr lang="en-US" dirty="0"/>
+          </a:p>
+        </p:txBody>
+      </p:sp>
+      <p:sp>
+        <p:nvSpPr>
+          <p:cNvPr id="3" name="Rectangle 2"/>
+          <p:cNvSpPr/>
+          <p:nvPr/>
+        </p:nvSpPr>
+        <p:spPr>
+          <a:xfrm>
+            <a:off x="7521146" y="5017976"/>
+            <a:ext cx="6096000" cy="1754326"/>
+          </a:xfrm>
+          <a:prstGeom prst="rect">
+            <a:avLst/>
+          </a:prstGeom>
+        </p:spPr>
+        <p:txBody>
+          <a:bodyPr>
+            <a:spAutoFit/>
+          </a:bodyPr>
+          <a:lstStyle/>
+          <a:p>
+            <a:r>
+              <a:rPr lang="en-US" dirty="0"/>
+              <a:t>==Evaluation on Training Data==</a:t>
+            </a:r>
+          </a:p>
+          <a:p>
+            <a:endParaRPr lang="en-US" dirty="0"/>
+          </a:p>
+          <a:p>
+            <a:r>
+              <a:rPr lang="en-US" dirty="0"/>
+              <a:t>MAE: </a:t>
+            </a:r>
+            <a:r>
+              <a:rPr lang="en-US" dirty="0" smtClean="0"/>
+              <a:t>7.5714</a:t>
+            </a:r>
+            <a:endParaRPr lang="en-US" dirty="0"/>
+          </a:p>
+          <a:p>
+            <a:r>
+              <a:rPr lang="en-US" dirty="0"/>
+              <a:t>RRSE: </a:t>
+            </a:r>
+            <a:r>
+              <a:rPr lang="en-US" dirty="0" smtClean="0"/>
+              <a:t>33.3133</a:t>
+            </a:r>
+            <a:endParaRPr lang="en-US" dirty="0"/>
+          </a:p>
+          <a:p>
+            <a:r>
+              <a:rPr lang="en-US" dirty="0"/>
+              <a:t>RMSE: </a:t>
+            </a:r>
+            <a:r>
+              <a:rPr lang="en-US" dirty="0" smtClean="0"/>
+              <a:t>9.8961</a:t>
+            </a:r>
+            <a:endParaRPr lang="en-US" dirty="0"/>
+          </a:p>
+          <a:p>
+            <a:r>
+              <a:rPr lang="en-US" dirty="0"/>
+              <a:t>MSE: </a:t>
+            </a:r>
+            <a:r>
+              <a:rPr lang="en-US" dirty="0" smtClean="0"/>
+              <a:t>97.9327</a:t>
+            </a:r>
+            <a:endParaRPr lang="en-US" dirty="0"/>
+          </a:p>
+        </p:txBody>
+      </p:sp>
+    </p:spTree>
+    <p:extLst>
+      <p:ext uri="{BB962C8B-B14F-4D97-AF65-F5344CB8AC3E}">
+        <p14:creationId xmlns:p14="http://schemas.microsoft.com/office/powerpoint/2010/main" val="115728706"/>
+      </p:ext>
+    </p:extLst>
+  </p:cSld>
+  <p:clrMapOvr>
+    <a:masterClrMapping/>
+  </p:clrMapOvr>
+</p:sld>
+</file>
+
+<file path=ppt/slides/slide12.xml><?xml version="1.0" encoding="utf-8"?>
+<p:sld xmlns:a="http://schemas.openxmlformats.org/drawingml/2006/main" xmlns:r="http://schemas.openxmlformats.org/officeDocument/2006/relationships" xmlns:p="http://schemas.openxmlformats.org/presentationml/2006/main">
+  <p:cSld>
+    <p:bg>
+      <p:bgPr>
+        <a:solidFill>
+          <a:schemeClr val="bg2">
+            <a:lumMod val="75000"/>
+          </a:schemeClr>
+        </a:solidFill>
+        <a:effectLst/>
+      </p:bgPr>
+    </p:bg>
+    <p:spTree>
+      <p:nvGrpSpPr>
+        <p:cNvPr id="1" name=""/>
+        <p:cNvGrpSpPr/>
+        <p:nvPr/>
+      </p:nvGrpSpPr>
+      <p:grpSpPr>
+        <a:xfrm>
+          <a:off x="0" y="0"/>
+          <a:ext cx="0" cy="0"/>
+          <a:chOff x="0" y="0"/>
+          <a:chExt cx="0" cy="0"/>
+        </a:xfrm>
+      </p:grpSpPr>
+      <p:sp>
+        <p:nvSpPr>
+          <p:cNvPr id="10" name="Rectangle 9">
+            <a:extLst>
+              <a:ext uri="{FF2B5EF4-FFF2-40B4-BE49-F238E27FC236}">
+                <a16:creationId xmlns="" xmlns:a16="http://schemas.microsoft.com/office/drawing/2014/main" id="{323D50B8-1D27-420D-BA4A-249914120C5D}"/>
+              </a:ext>
+            </a:extLst>
+          </p:cNvPr>
+          <p:cNvSpPr>
+            <a:spLocks noGrp="1" noRot="1" noChangeAspect="1" noMove="1" noResize="1" noEditPoints="1" noAdjustHandles="1" noChangeArrowheads="1" noChangeShapeType="1" noTextEdit="1"/>
+          </p:cNvSpPr>
+          <p:nvPr>
+            <p:extLst>
+              <p:ext uri="{386F3935-93C4-4BCD-93E2-E3B085C9AB24}">
+                <p16:designElem xmlns:p16="http://schemas.microsoft.com/office/powerpoint/2015/main" val="1"/>
+              </p:ext>
+            </p:extLst>
+          </p:nvPr>
+        </p:nvSpPr>
+        <p:spPr>
+          <a:xfrm>
+            <a:off x="0" y="0"/>
+            <a:ext cx="457200" cy="6858000"/>
+          </a:xfrm>
+          <a:prstGeom prst="rect">
+            <a:avLst/>
+          </a:prstGeom>
+          <a:solidFill>
+            <a:schemeClr val="accent1"/>
+          </a:solidFill>
+          <a:ln>
+            <a:noFill/>
+          </a:ln>
+        </p:spPr>
+        <p:style>
+          <a:lnRef idx="2">
+            <a:schemeClr val="accent1">
+              <a:shade val="50000"/>
+            </a:schemeClr>
+          </a:lnRef>
+          <a:fillRef idx="1">
+            <a:schemeClr val="accent1"/>
+          </a:fillRef>
+          <a:effectRef idx="0">
+            <a:schemeClr val="accent1"/>
+          </a:effectRef>
+          <a:fontRef idx="minor">
+            <a:schemeClr val="lt1"/>
+          </a:fontRef>
+        </p:style>
+      </p:sp>
+      <p:sp useBgFill="1">
+        <p:nvSpPr>
+          <p:cNvPr id="12" name="Rectangle 11">
+            <a:extLst>
+              <a:ext uri="{FF2B5EF4-FFF2-40B4-BE49-F238E27FC236}">
+                <a16:creationId xmlns="" xmlns:a16="http://schemas.microsoft.com/office/drawing/2014/main" id="{918CDC34-0F26-409D-B10F-578D4DCC46DE}"/>
+              </a:ext>
+            </a:extLst>
+          </p:cNvPr>
+          <p:cNvSpPr>
+            <a:spLocks noGrp="1" noRot="1" noChangeAspect="1" noMove="1" noResize="1" noEditPoints="1" noAdjustHandles="1" noChangeArrowheads="1" noChangeShapeType="1" noTextEdit="1"/>
+          </p:cNvSpPr>
+          <p:nvPr>
+            <p:extLst>
+              <p:ext uri="{386F3935-93C4-4BCD-93E2-E3B085C9AB24}">
+                <p16:designElem xmlns:p16="http://schemas.microsoft.com/office/powerpoint/2015/main" val="1"/>
+              </p:ext>
+            </p:extLst>
+          </p:nvPr>
+        </p:nvSpPr>
+        <p:spPr>
+          <a:xfrm>
+            <a:off x="457200" y="5105400"/>
+            <a:ext cx="10835640" cy="1752600"/>
+          </a:xfrm>
+          <a:prstGeom prst="rect">
+            <a:avLst/>
+          </a:prstGeom>
+          <a:ln>
+            <a:noFill/>
+          </a:ln>
+        </p:spPr>
+        <p:style>
+          <a:lnRef idx="2">
+            <a:schemeClr val="accent1">
+              <a:shade val="50000"/>
+            </a:schemeClr>
+          </a:lnRef>
+          <a:fillRef idx="1">
+            <a:schemeClr val="accent1"/>
+          </a:fillRef>
+          <a:effectRef idx="0">
+            <a:schemeClr val="accent1"/>
+          </a:effectRef>
+          <a:fontRef idx="minor">
+            <a:schemeClr val="lt1"/>
+          </a:fontRef>
+        </p:style>
+      </p:sp>
+      <p:sp>
+        <p:nvSpPr>
+          <p:cNvPr id="14" name="Rectangle 13">
+            <a:extLst>
+              <a:ext uri="{FF2B5EF4-FFF2-40B4-BE49-F238E27FC236}">
+                <a16:creationId xmlns="" xmlns:a16="http://schemas.microsoft.com/office/drawing/2014/main" id="{2EFBB176-B6C1-4B5A-AADA-F930947E09CC}"/>
+              </a:ext>
+            </a:extLst>
+          </p:cNvPr>
+          <p:cNvSpPr>
+            <a:spLocks noGrp="1" noRot="1" noChangeAspect="1" noMove="1" noResize="1" noEditPoints="1" noAdjustHandles="1" noChangeArrowheads="1" noChangeShapeType="1" noTextEdit="1"/>
+          </p:cNvSpPr>
+          <p:nvPr>
+            <p:extLst>
+              <p:ext uri="{386F3935-93C4-4BCD-93E2-E3B085C9AB24}">
+                <p16:designElem xmlns:p16="http://schemas.microsoft.com/office/powerpoint/2015/main" val="1"/>
+              </p:ext>
+            </p:extLst>
+          </p:nvPr>
+        </p:nvSpPr>
+        <p:spPr>
+          <a:xfrm>
+            <a:off x="457200" y="0"/>
+            <a:ext cx="10820400" cy="4949953"/>
+          </a:xfrm>
+          <a:prstGeom prst="rect">
+            <a:avLst/>
+          </a:prstGeom>
+          <a:solidFill>
+            <a:srgbClr val="FFFFFF"/>
+          </a:solidFill>
+          <a:ln>
+            <a:noFill/>
+          </a:ln>
+        </p:spPr>
+        <p:style>
+          <a:lnRef idx="2">
+            <a:schemeClr val="accent1">
+              <a:shade val="50000"/>
+            </a:schemeClr>
+          </a:lnRef>
+          <a:fillRef idx="1">
+            <a:schemeClr val="accent1"/>
+          </a:fillRef>
+          <a:effectRef idx="0">
+            <a:schemeClr val="accent1"/>
+          </a:effectRef>
+          <a:fontRef idx="minor">
+            <a:schemeClr val="lt1"/>
+          </a:fontRef>
+        </p:style>
+      </p:sp>
+      <p:pic>
+        <p:nvPicPr>
+          <p:cNvPr id="5" name="Picture 4"/>
+          <p:cNvPicPr>
+            <a:picLocks noChangeAspect="1"/>
+          </p:cNvPicPr>
+          <p:nvPr/>
+        </p:nvPicPr>
+        <p:blipFill>
+          <a:blip r:embed="rId2">
+            <a:extLst>
+              <a:ext uri="{28A0092B-C50C-407E-A947-70E740481C1C}">
+                <a14:useLocalDpi xmlns:a14="http://schemas.microsoft.com/office/drawing/2010/main" val="0"/>
+              </a:ext>
+            </a:extLst>
+          </a:blip>
+          <a:stretch>
+            <a:fillRect/>
+          </a:stretch>
+        </p:blipFill>
+        <p:spPr>
+          <a:xfrm>
+            <a:off x="591064" y="2660756"/>
+            <a:ext cx="10509553" cy="2289197"/>
+          </a:xfrm>
+          <a:prstGeom prst="rect">
+            <a:avLst/>
+          </a:prstGeom>
+        </p:spPr>
+      </p:pic>
+      <p:pic>
+        <p:nvPicPr>
+          <p:cNvPr id="4" name="Content Placeholder 3"/>
+          <p:cNvPicPr>
+            <a:picLocks noGrp="1" noChangeAspect="1"/>
+          </p:cNvPicPr>
+          <p:nvPr>
+            <p:ph idx="1"/>
+          </p:nvPr>
+        </p:nvPicPr>
+        <p:blipFill>
+          <a:blip r:embed="rId3">
+            <a:extLst>
+              <a:ext uri="{28A0092B-C50C-407E-A947-70E740481C1C}">
+                <a14:useLocalDpi xmlns:a14="http://schemas.microsoft.com/office/drawing/2010/main" val="0"/>
+              </a:ext>
+            </a:extLst>
+          </a:blip>
+          <a:stretch>
+            <a:fillRect/>
+          </a:stretch>
+        </p:blipFill>
+        <p:spPr>
+          <a:xfrm>
             <a:off x="591065" y="146156"/>
             <a:ext cx="10552670" cy="2238698"/>
           </a:xfrm>
@@ -6794,7 +5306,7 @@
 </p:sld>
 </file>
 
-<file path=ppt/slides/slide11.xml><?xml version="1.0" encoding="utf-8"?>
+<file path=ppt/slides/slide13.xml><?xml version="1.0" encoding="utf-8"?>
 <p:sld xmlns:a="http://schemas.openxmlformats.org/drawingml/2006/main" xmlns:r="http://schemas.openxmlformats.org/officeDocument/2006/relationships" xmlns:p="http://schemas.openxmlformats.org/presentationml/2006/main">
   <p:cSld>
     <p:spTree>
@@ -6901,6 +5413,448 @@
     <p:extLst>
       <p:ext uri="{BB962C8B-B14F-4D97-AF65-F5344CB8AC3E}">
         <p14:creationId xmlns:p14="http://schemas.microsoft.com/office/powerpoint/2010/main" val="1818289910"/>
+      </p:ext>
+    </p:extLst>
+  </p:cSld>
+  <p:clrMapOvr>
+    <a:masterClrMapping/>
+  </p:clrMapOvr>
+</p:sld>
+</file>
+
+<file path=ppt/slides/slide14.xml><?xml version="1.0" encoding="utf-8"?>
+<p:sld xmlns:a="http://schemas.openxmlformats.org/drawingml/2006/main" xmlns:r="http://schemas.openxmlformats.org/officeDocument/2006/relationships" xmlns:p="http://schemas.openxmlformats.org/presentationml/2006/main">
+  <p:cSld>
+    <p:spTree>
+      <p:nvGrpSpPr>
+        <p:cNvPr id="1" name=""/>
+        <p:cNvGrpSpPr/>
+        <p:nvPr/>
+      </p:nvGrpSpPr>
+      <p:grpSpPr>
+        <a:xfrm>
+          <a:off x="0" y="0"/>
+          <a:ext cx="0" cy="0"/>
+          <a:chOff x="0" y="0"/>
+          <a:chExt cx="0" cy="0"/>
+        </a:xfrm>
+      </p:grpSpPr>
+      <p:sp>
+        <p:nvSpPr>
+          <p:cNvPr id="2" name="Title 1"/>
+          <p:cNvSpPr>
+            <a:spLocks noGrp="1"/>
+          </p:cNvSpPr>
+          <p:nvPr>
+            <p:ph type="title"/>
+          </p:nvPr>
+        </p:nvSpPr>
+        <p:spPr/>
+        <p:txBody>
+          <a:bodyPr/>
+          <a:lstStyle/>
+          <a:p>
+            <a:r>
+              <a:rPr lang="en-US" dirty="0" smtClean="0"/>
+              <a:t>5. Evaluation </a:t>
+            </a:r>
+            <a:r>
+              <a:rPr lang="en-US" dirty="0" smtClean="0"/>
+              <a:t>and Model Diagnostics</a:t>
+            </a:r>
+            <a:endParaRPr lang="en-US" dirty="0"/>
+          </a:p>
+        </p:txBody>
+      </p:sp>
+      <p:sp>
+        <p:nvSpPr>
+          <p:cNvPr id="3" name="Content Placeholder 2"/>
+          <p:cNvSpPr>
+            <a:spLocks noGrp="1"/>
+          </p:cNvSpPr>
+          <p:nvPr>
+            <p:ph idx="1"/>
+          </p:nvPr>
+        </p:nvSpPr>
+        <p:spPr/>
+        <p:txBody>
+          <a:bodyPr>
+            <a:normAutofit/>
+          </a:bodyPr>
+          <a:lstStyle/>
+          <a:p>
+            <a:pPr marL="0" indent="0">
+              <a:buNone/>
+            </a:pPr>
+            <a:r>
+              <a:rPr lang="en-US" b="1" dirty="0" smtClean="0"/>
+              <a:t>5.1 Evaluation: Accuracy </a:t>
+            </a:r>
+            <a:r>
+              <a:rPr lang="en-US" b="1" dirty="0"/>
+              <a:t>Measurement</a:t>
+            </a:r>
+            <a:endParaRPr lang="en-GB" b="1" dirty="0" smtClean="0">
+              <a:latin typeface="Cambria Math" charset="0"/>
+            </a:endParaRPr>
+          </a:p>
+          <a:p>
+            <a:r>
+              <a:rPr lang="en-GB" b="0" dirty="0" smtClean="0">
+                <a:latin typeface="Cambria Math" charset="0"/>
+              </a:rPr>
+              <a:t>In </a:t>
+            </a:r>
+            <a:r>
+              <a:rPr lang="en-GB" b="0" dirty="0" smtClean="0">
+                <a:latin typeface="Cambria Math" charset="0"/>
+              </a:rPr>
+              <a:t>TSF, the accuracy measure is obtained by the </a:t>
+            </a:r>
+            <a:r>
+              <a:rPr lang="en-GB" dirty="0" smtClean="0">
+                <a:latin typeface="Cambria Math" charset="0"/>
+              </a:rPr>
+              <a:t>difference between the predicted value and actual value at time </a:t>
+            </a:r>
+            <a:r>
+              <a:rPr lang="en-GB" i="1" dirty="0" smtClean="0">
+                <a:latin typeface="Cambria Math" charset="0"/>
+              </a:rPr>
+              <a:t>t.</a:t>
+            </a:r>
+          </a:p>
+          <a:p>
+            <a:r>
+              <a:rPr lang="en-US" b="1" dirty="0" smtClean="0"/>
+              <a:t>Mean Absolute Error (MAE)</a:t>
+            </a:r>
+          </a:p>
+          <a:p>
+            <a:r>
+              <a:rPr lang="en-US" b="1" dirty="0" smtClean="0"/>
+              <a:t>Mean Squared Error (MSE)</a:t>
+            </a:r>
+          </a:p>
+          <a:p>
+            <a:r>
+              <a:rPr lang="en-US" b="1" dirty="0" smtClean="0"/>
+              <a:t>Root Relative Squared Error (RRSE)</a:t>
+            </a:r>
+          </a:p>
+          <a:p>
+            <a:r>
+              <a:rPr lang="en-US" b="1" dirty="0" smtClean="0"/>
+              <a:t>Root Mean Squared Error (RMSE)</a:t>
+            </a:r>
+          </a:p>
+          <a:p>
+            <a:r>
+              <a:rPr lang="en-US" b="1" dirty="0" smtClean="0">
+                <a:solidFill>
+                  <a:srgbClr val="C00000"/>
+                </a:solidFill>
+              </a:rPr>
+              <a:t>Normalized Mean Squared </a:t>
+            </a:r>
+            <a:r>
+              <a:rPr lang="en-US" b="1" dirty="0" smtClean="0">
+                <a:solidFill>
+                  <a:srgbClr val="C00000"/>
+                </a:solidFill>
+              </a:rPr>
+              <a:t>Error</a:t>
+            </a:r>
+            <a:endParaRPr lang="en-US" b="1" dirty="0" smtClean="0">
+              <a:solidFill>
+                <a:srgbClr val="C00000"/>
+              </a:solidFill>
+            </a:endParaRPr>
+          </a:p>
+        </p:txBody>
+      </p:sp>
+    </p:spTree>
+    <p:extLst>
+      <p:ext uri="{BB962C8B-B14F-4D97-AF65-F5344CB8AC3E}">
+        <p14:creationId xmlns:p14="http://schemas.microsoft.com/office/powerpoint/2010/main" val="899351031"/>
+      </p:ext>
+    </p:extLst>
+  </p:cSld>
+  <p:clrMapOvr>
+    <a:masterClrMapping/>
+  </p:clrMapOvr>
+  <p:timing>
+    <p:tnLst>
+      <p:par>
+        <p:cTn id="1" dur="indefinite" restart="never" nodeType="tmRoot"/>
+      </p:par>
+    </p:tnLst>
+  </p:timing>
+</p:sld>
+</file>
+
+<file path=ppt/slides/slide15.xml><?xml version="1.0" encoding="utf-8"?>
+<p:sld xmlns:a="http://schemas.openxmlformats.org/drawingml/2006/main" xmlns:r="http://schemas.openxmlformats.org/officeDocument/2006/relationships" xmlns:p="http://schemas.openxmlformats.org/presentationml/2006/main">
+  <p:cSld>
+    <p:bg>
+      <p:bgPr>
+        <a:solidFill>
+          <a:schemeClr val="bg1"/>
+        </a:solidFill>
+        <a:effectLst/>
+      </p:bgPr>
+    </p:bg>
+    <p:spTree>
+      <p:nvGrpSpPr>
+        <p:cNvPr id="1" name=""/>
+        <p:cNvGrpSpPr/>
+        <p:nvPr/>
+      </p:nvGrpSpPr>
+      <p:grpSpPr>
+        <a:xfrm>
+          <a:off x="0" y="0"/>
+          <a:ext cx="0" cy="0"/>
+          <a:chOff x="0" y="0"/>
+          <a:chExt cx="0" cy="0"/>
+        </a:xfrm>
+      </p:grpSpPr>
+      <p:sp>
+        <p:nvSpPr>
+          <p:cNvPr id="10" name="Rectangle 9">
+            <a:extLst>
+              <a:ext uri="{FF2B5EF4-FFF2-40B4-BE49-F238E27FC236}">
+                <a16:creationId xmlns:a16="http://schemas.microsoft.com/office/drawing/2014/main" xmlns="" id="{60694156-B30C-4AE1-9886-0D236EC0195B}"/>
+              </a:ext>
+            </a:extLst>
+          </p:cNvPr>
+          <p:cNvSpPr>
+            <a:spLocks noGrp="1" noRot="1" noChangeAspect="1" noMove="1" noResize="1" noEditPoints="1" noAdjustHandles="1" noChangeArrowheads="1" noChangeShapeType="1" noTextEdit="1"/>
+          </p:cNvSpPr>
+          <p:nvPr>
+            <p:extLst>
+              <p:ext uri="{386F3935-93C4-4BCD-93E2-E3B085C9AB24}">
+                <p16:designElem xmlns:p16="http://schemas.microsoft.com/office/powerpoint/2015/main" val="1"/>
+              </p:ext>
+            </p:extLst>
+          </p:nvPr>
+        </p:nvSpPr>
+        <p:spPr>
+          <a:xfrm>
+            <a:off x="11292840" y="0"/>
+            <a:ext cx="914400" cy="6858000"/>
+          </a:xfrm>
+          <a:prstGeom prst="rect">
+            <a:avLst/>
+          </a:prstGeom>
+          <a:solidFill>
+            <a:schemeClr val="tx2">
+              <a:lumMod val="75000"/>
+              <a:alpha val="90000"/>
+            </a:schemeClr>
+          </a:solidFill>
+          <a:ln>
+            <a:noFill/>
+          </a:ln>
+        </p:spPr>
+        <p:style>
+          <a:lnRef idx="2">
+            <a:schemeClr val="accent1">
+              <a:shade val="50000"/>
+            </a:schemeClr>
+          </a:lnRef>
+          <a:fillRef idx="1">
+            <a:schemeClr val="accent1"/>
+          </a:fillRef>
+          <a:effectRef idx="0">
+            <a:schemeClr val="accent1"/>
+          </a:effectRef>
+          <a:fontRef idx="minor">
+            <a:schemeClr val="lt1"/>
+          </a:fontRef>
+        </p:style>
+      </p:sp>
+      <p:pic>
+        <p:nvPicPr>
+          <p:cNvPr id="5" name="Picture 4"/>
+          <p:cNvPicPr>
+            <a:picLocks noChangeAspect="1"/>
+          </p:cNvPicPr>
+          <p:nvPr/>
+        </p:nvPicPr>
+        <p:blipFill>
+          <a:blip r:embed="rId3">
+            <a:extLst>
+              <a:ext uri="{28A0092B-C50C-407E-A947-70E740481C1C}">
+                <a14:useLocalDpi xmlns:a14="http://schemas.microsoft.com/office/drawing/2010/main" val="0"/>
+              </a:ext>
+            </a:extLst>
+          </a:blip>
+          <a:stretch>
+            <a:fillRect/>
+          </a:stretch>
+        </p:blipFill>
+        <p:spPr>
+          <a:xfrm>
+            <a:off x="4654296" y="1048783"/>
+            <a:ext cx="6155736" cy="4770695"/>
+          </a:xfrm>
+          <a:prstGeom prst="rect">
+            <a:avLst/>
+          </a:prstGeom>
+        </p:spPr>
+      </p:pic>
+      <p:sp>
+        <p:nvSpPr>
+          <p:cNvPr id="2" name="Title 1"/>
+          <p:cNvSpPr>
+            <a:spLocks noGrp="1"/>
+          </p:cNvSpPr>
+          <p:nvPr>
+            <p:ph type="title"/>
+          </p:nvPr>
+        </p:nvSpPr>
+        <p:spPr>
+          <a:xfrm>
+            <a:off x="643831" y="640080"/>
+            <a:ext cx="3690425" cy="1325562"/>
+          </a:xfrm>
+        </p:spPr>
+        <p:txBody>
+          <a:bodyPr>
+            <a:normAutofit/>
+          </a:bodyPr>
+          <a:lstStyle/>
+          <a:p>
+            <a:r>
+              <a:rPr lang="en-US" sz="3200"/>
+              <a:t>5.2 Model Diagnostics</a:t>
+            </a:r>
+          </a:p>
+        </p:txBody>
+      </p:sp>
+      <p:sp>
+        <p:nvSpPr>
+          <p:cNvPr id="3" name="Content Placeholder 2"/>
+          <p:cNvSpPr>
+            <a:spLocks noGrp="1"/>
+          </p:cNvSpPr>
+          <p:nvPr>
+            <p:ph idx="1"/>
+          </p:nvPr>
+        </p:nvSpPr>
+        <p:spPr>
+          <a:xfrm>
+            <a:off x="643831" y="1936955"/>
+            <a:ext cx="3690425" cy="4243182"/>
+          </a:xfrm>
+        </p:spPr>
+        <p:txBody>
+          <a:bodyPr>
+            <a:normAutofit/>
+          </a:bodyPr>
+          <a:lstStyle/>
+          <a:p>
+            <a:r>
+              <a:rPr lang="en-US" sz="1600"/>
+              <a:t>the series of errors from a time series forecast model should ideally be </a:t>
+            </a:r>
+            <a:r>
+              <a:rPr lang="en-US" sz="1600" b="1"/>
+              <a:t>white noise</a:t>
+            </a:r>
+            <a:r>
+              <a:rPr lang="en-US" sz="1600"/>
+              <a:t>.</a:t>
+            </a:r>
+          </a:p>
+          <a:p>
+            <a:r>
+              <a:rPr lang="en-US" sz="1600"/>
+              <a:t>When forecast errors are white noise, it means that all of the signal information in the time series has been harnessed by the model in order to make predictions. All that is left is the random fluctuations that cannot be modeled.</a:t>
+            </a:r>
+          </a:p>
+        </p:txBody>
+      </p:sp>
+    </p:spTree>
+    <p:extLst>
+      <p:ext uri="{BB962C8B-B14F-4D97-AF65-F5344CB8AC3E}">
+        <p14:creationId xmlns:p14="http://schemas.microsoft.com/office/powerpoint/2010/main" val="1679575440"/>
+      </p:ext>
+    </p:extLst>
+  </p:cSld>
+  <p:clrMapOvr>
+    <a:masterClrMapping/>
+  </p:clrMapOvr>
+</p:sld>
+</file>
+
+<file path=ppt/slides/slide16.xml><?xml version="1.0" encoding="utf-8"?>
+<p:sld xmlns:a="http://schemas.openxmlformats.org/drawingml/2006/main" xmlns:r="http://schemas.openxmlformats.org/officeDocument/2006/relationships" xmlns:p="http://schemas.openxmlformats.org/presentationml/2006/main">
+  <p:cSld>
+    <p:spTree>
+      <p:nvGrpSpPr>
+        <p:cNvPr id="1" name=""/>
+        <p:cNvGrpSpPr/>
+        <p:nvPr/>
+      </p:nvGrpSpPr>
+      <p:grpSpPr>
+        <a:xfrm>
+          <a:off x="0" y="0"/>
+          <a:ext cx="0" cy="0"/>
+          <a:chOff x="0" y="0"/>
+          <a:chExt cx="0" cy="0"/>
+        </a:xfrm>
+      </p:grpSpPr>
+      <p:sp>
+        <p:nvSpPr>
+          <p:cNvPr id="2" name="Title 1"/>
+          <p:cNvSpPr>
+            <a:spLocks noGrp="1"/>
+          </p:cNvSpPr>
+          <p:nvPr>
+            <p:ph type="title"/>
+          </p:nvPr>
+        </p:nvSpPr>
+        <p:spPr/>
+        <p:txBody>
+          <a:bodyPr/>
+          <a:lstStyle/>
+          <a:p>
+            <a:r>
+              <a:rPr lang="en-US" dirty="0" smtClean="0"/>
+              <a:t>6. Deployment</a:t>
+            </a:r>
+            <a:endParaRPr lang="en-US" dirty="0"/>
+          </a:p>
+        </p:txBody>
+      </p:sp>
+      <p:sp>
+        <p:nvSpPr>
+          <p:cNvPr id="3" name="Content Placeholder 2"/>
+          <p:cNvSpPr>
+            <a:spLocks noGrp="1"/>
+          </p:cNvSpPr>
+          <p:nvPr>
+            <p:ph idx="1"/>
+          </p:nvPr>
+        </p:nvSpPr>
+        <p:spPr/>
+        <p:txBody>
+          <a:bodyPr/>
+          <a:lstStyle/>
+          <a:p>
+            <a:r>
+              <a:rPr lang="en-US" dirty="0" smtClean="0"/>
+              <a:t>Future Work</a:t>
+            </a:r>
+            <a:endParaRPr lang="en-US" dirty="0"/>
+          </a:p>
+        </p:txBody>
+      </p:sp>
+    </p:spTree>
+    <p:extLst>
+      <p:ext uri="{BB962C8B-B14F-4D97-AF65-F5344CB8AC3E}">
+        <p14:creationId xmlns:p14="http://schemas.microsoft.com/office/powerpoint/2010/main" val="1119607846"/>
       </p:ext>
     </p:extLst>
   </p:cSld>
@@ -6965,16 +5919,130 @@
           <a:bodyPr/>
           <a:lstStyle/>
           <a:p>
+            <a:endParaRPr lang="en-US" dirty="0" smtClean="0"/>
+          </a:p>
+          <a:p>
+            <a:pPr marL="342900" indent="-342900">
+              <a:buFont typeface="+mj-lt"/>
+              <a:buAutoNum type="arabicPeriod"/>
+            </a:pPr>
             <a:r>
               <a:rPr lang="en-US" dirty="0" smtClean="0"/>
-              <a:t>Artificial Intelligence has become a perfect candidate for time series prediction in situations where manual data analysis is not applicable and relationships among different entities are not obvious.</a:t>
-            </a:r>
-          </a:p>
-          <a:p>
+              <a:t>Problem Definition</a:t>
+            </a:r>
+          </a:p>
+          <a:p>
+            <a:pPr marL="342900" indent="-342900">
+              <a:buFont typeface="+mj-lt"/>
+              <a:buAutoNum type="arabicPeriod"/>
+            </a:pPr>
             <a:r>
               <a:rPr lang="en-US" dirty="0" smtClean="0"/>
-              <a:t>Machine learning develops algorithms automatically improve themselves with experience. </a:t>
-            </a:r>
+              <a:t>Data Preparation</a:t>
+            </a:r>
+          </a:p>
+          <a:p>
+            <a:pPr marL="342900" indent="-342900">
+              <a:buFont typeface="+mj-lt"/>
+              <a:buAutoNum type="arabicPeriod"/>
+            </a:pPr>
+            <a:r>
+              <a:rPr lang="en-US" dirty="0" smtClean="0"/>
+              <a:t>Data Exploration</a:t>
+            </a:r>
+          </a:p>
+          <a:p>
+            <a:pPr marL="342900" indent="-342900">
+              <a:buFont typeface="+mj-lt"/>
+              <a:buAutoNum type="arabicPeriod"/>
+            </a:pPr>
+            <a:r>
+              <a:rPr lang="en-US" dirty="0" smtClean="0"/>
+              <a:t>Modeling</a:t>
+            </a:r>
+          </a:p>
+          <a:p>
+            <a:pPr marL="342900" indent="-342900">
+              <a:buFont typeface="+mj-lt"/>
+              <a:buAutoNum type="arabicPeriod"/>
+            </a:pPr>
+            <a:r>
+              <a:rPr lang="en-US" dirty="0" smtClean="0"/>
+              <a:t>Evaluation</a:t>
+            </a:r>
+          </a:p>
+          <a:p>
+            <a:pPr marL="342900" indent="-342900">
+              <a:buFont typeface="+mj-lt"/>
+              <a:buAutoNum type="arabicPeriod"/>
+            </a:pPr>
+            <a:r>
+              <a:rPr lang="en-US" dirty="0" smtClean="0">
+                <a:solidFill>
+                  <a:srgbClr val="FF0000"/>
+                </a:solidFill>
+              </a:rPr>
+              <a:t>Deployment</a:t>
+            </a:r>
+            <a:endParaRPr lang="en-US" dirty="0">
+              <a:solidFill>
+                <a:srgbClr val="FF0000"/>
+              </a:solidFill>
+            </a:endParaRPr>
+          </a:p>
+          <a:p>
+            <a:pPr marL="274320" lvl="1" indent="0" algn="r">
+              <a:buNone/>
+            </a:pPr>
+            <a:endParaRPr lang="en-US" dirty="0" smtClean="0"/>
+          </a:p>
+          <a:p>
+            <a:pPr marL="274320" lvl="1" indent="0" algn="r">
+              <a:buNone/>
+            </a:pPr>
+            <a:endParaRPr lang="en-US" dirty="0"/>
+          </a:p>
+          <a:p>
+            <a:pPr marL="274320" lvl="1" indent="0" algn="r">
+              <a:buNone/>
+            </a:pPr>
+            <a:r>
+              <a:rPr lang="en-US" dirty="0" smtClean="0"/>
+              <a:t>All the documentations and codes in my </a:t>
+            </a:r>
+            <a:r>
+              <a:rPr lang="en-US" dirty="0" smtClean="0"/>
+              <a:t>G</a:t>
+            </a:r>
+            <a:r>
+              <a:rPr lang="en-US" dirty="0" smtClean="0"/>
+              <a:t>itHub repository:</a:t>
+            </a:r>
+            <a:r>
+              <a:rPr lang="en-US" dirty="0"/>
+              <a:t> </a:t>
+            </a:r>
+            <a:endParaRPr lang="en-US" dirty="0" smtClean="0"/>
+          </a:p>
+          <a:p>
+            <a:pPr marL="548640" lvl="2" indent="0" algn="r">
+              <a:buNone/>
+            </a:pPr>
+            <a:r>
+              <a:rPr lang="en-US" dirty="0">
+                <a:hlinkClick r:id="rId2"/>
+              </a:rPr>
+              <a:t>https://</a:t>
+            </a:r>
+            <a:r>
+              <a:rPr lang="en-US" dirty="0" smtClean="0">
+                <a:hlinkClick r:id="rId2"/>
+              </a:rPr>
+              <a:t>github.com/OranginaGaoZhao/Time-Series-Forecasting</a:t>
+            </a:r>
+            <a:endParaRPr lang="en-US" dirty="0" smtClean="0"/>
+          </a:p>
+          <a:p>
             <a:endParaRPr lang="en-US" dirty="0"/>
           </a:p>
         </p:txBody>
@@ -7026,7 +6094,7 @@
           <a:p>
             <a:r>
               <a:rPr lang="en-US" dirty="0" smtClean="0"/>
-              <a:t>TSF Algorithms</a:t>
+              <a:t>1. Problem Definition</a:t>
             </a:r>
             <a:endParaRPr lang="en-US" dirty="0"/>
           </a:p>
@@ -7044,109 +6112,88 @@
         </p:nvSpPr>
         <p:spPr/>
         <p:txBody>
-          <a:bodyPr>
-            <a:normAutofit lnSpcReduction="10000"/>
-          </a:bodyPr>
-          <a:lstStyle/>
-          <a:p>
-            <a:pPr marL="0" indent="0">
-              <a:buNone/>
-            </a:pPr>
-            <a:r>
-              <a:rPr lang="en-US" u="sng" dirty="0" smtClean="0"/>
-              <a:t>Machine Learning:</a:t>
-            </a:r>
-          </a:p>
-          <a:p>
+          <a:bodyPr/>
+          <a:lstStyle/>
+          <a:p>
+            <a:r>
+              <a:rPr lang="en-US" dirty="0"/>
+              <a:t>Understanding the project </a:t>
+            </a:r>
             <a:r>
               <a:rPr lang="en-US" dirty="0" smtClean="0"/>
-              <a:t>Linear </a:t>
+              <a:t>objectives and requirements </a:t>
+            </a:r>
+            <a:r>
+              <a:rPr lang="en-US" dirty="0"/>
+              <a:t>from a business </a:t>
             </a:r>
             <a:r>
               <a:rPr lang="en-US" dirty="0" smtClean="0"/>
-              <a:t>Regression</a:t>
-            </a:r>
-          </a:p>
-          <a:p>
-            <a:r>
-              <a:rPr lang="en-US" dirty="0" err="1" smtClean="0"/>
-              <a:t>SMOreg</a:t>
-            </a:r>
+              <a:t>perspective</a:t>
+            </a:r>
+          </a:p>
+          <a:p>
+            <a:r>
+              <a:rPr lang="en-US" dirty="0" smtClean="0"/>
+              <a:t>Convert </a:t>
+            </a:r>
+            <a:r>
+              <a:rPr lang="en-US" dirty="0"/>
+              <a:t>this knowledge into a data mining problem definition with a preliminary plan designed to achieve the objectives</a:t>
+            </a:r>
+            <a:r>
+              <a:rPr lang="en-US" dirty="0" smtClean="0"/>
+              <a:t>.</a:t>
+            </a:r>
+          </a:p>
+          <a:p>
             <a:endParaRPr lang="en-US" dirty="0" smtClean="0"/>
           </a:p>
           <a:p>
+            <a:pPr lvl="1"/>
             <a:r>
               <a:rPr lang="en-US" dirty="0" smtClean="0"/>
-              <a:t>MLP</a:t>
-            </a:r>
-          </a:p>
-          <a:p>
+              <a:t>For Bentley’s Stock Forecasting, it is a </a:t>
+            </a:r>
+            <a:r>
+              <a:rPr lang="en-US" b="1" dirty="0" smtClean="0"/>
+              <a:t>time series forecasting </a:t>
+            </a:r>
             <a:r>
               <a:rPr lang="en-US" dirty="0" smtClean="0"/>
-              <a:t>Gaussian Process</a:t>
-            </a:r>
-          </a:p>
-          <a:p>
-            <a:r>
-              <a:rPr lang="en-US" dirty="0" smtClean="0"/>
-              <a:t>Random Forest</a:t>
-            </a:r>
-          </a:p>
-          <a:p>
+              <a:t>problem. </a:t>
+            </a:r>
+          </a:p>
+          <a:p>
+            <a:pPr lvl="1"/>
             <a:endParaRPr lang="en-US" dirty="0" smtClean="0"/>
-          </a:p>
-          <a:p>
-            <a:pPr marL="0" indent="0">
-              <a:buNone/>
-            </a:pPr>
-            <a:r>
-              <a:rPr lang="en-US" u="sng" dirty="0" err="1" smtClean="0"/>
-              <a:t>Mannual</a:t>
-            </a:r>
-            <a:r>
-              <a:rPr lang="en-US" u="sng" dirty="0" smtClean="0"/>
-              <a:t>:</a:t>
-            </a:r>
-            <a:endParaRPr lang="en-US" u="sng" dirty="0"/>
-          </a:p>
-          <a:p>
-            <a:r>
-              <a:rPr lang="en-US" dirty="0" smtClean="0"/>
-              <a:t>ARIMA (Autoregressive Integrated Moving Average) Model</a:t>
-            </a:r>
-          </a:p>
-          <a:p>
-            <a:r>
-              <a:rPr lang="en-US" dirty="0" smtClean="0"/>
-              <a:t>Random Walk </a:t>
-            </a:r>
-            <a:endParaRPr lang="en-US" dirty="0"/>
           </a:p>
         </p:txBody>
       </p:sp>
     </p:spTree>
     <p:extLst>
       <p:ext uri="{BB962C8B-B14F-4D97-AF65-F5344CB8AC3E}">
-        <p14:creationId xmlns:p14="http://schemas.microsoft.com/office/powerpoint/2010/main" val="118792672"/>
+        <p14:creationId xmlns:p14="http://schemas.microsoft.com/office/powerpoint/2010/main" val="105988"/>
       </p:ext>
     </p:extLst>
   </p:cSld>
   <p:clrMapOvr>
     <a:masterClrMapping/>
   </p:clrMapOvr>
-  <p:timing>
-    <p:tnLst>
-      <p:par>
-        <p:cTn id="1" dur="indefinite" restart="never" nodeType="tmRoot"/>
-      </p:par>
-    </p:tnLst>
-  </p:timing>
 </p:sld>
 </file>
 
 <file path=ppt/slides/slide4.xml><?xml version="1.0" encoding="utf-8"?>
 <p:sld xmlns:a="http://schemas.openxmlformats.org/drawingml/2006/main" xmlns:r="http://schemas.openxmlformats.org/officeDocument/2006/relationships" xmlns:p="http://schemas.openxmlformats.org/presentationml/2006/main">
   <p:cSld>
+    <p:bg>
+      <p:bgPr>
+        <a:solidFill>
+          <a:schemeClr val="bg1"/>
+        </a:solidFill>
+        <a:effectLst/>
+      </p:bgPr>
+    </p:bg>
     <p:spTree>
       <p:nvGrpSpPr>
         <p:cNvPr id="1" name=""/>
@@ -7163,6 +6210,119 @@
       </p:grpSpPr>
       <p:sp>
         <p:nvSpPr>
+          <p:cNvPr id="10" name="Rectangle 9">
+            <a:extLst>
+              <a:ext uri="{FF2B5EF4-FFF2-40B4-BE49-F238E27FC236}">
+                <a16:creationId xmlns:a16="http://schemas.microsoft.com/office/drawing/2014/main" xmlns="" id="{4A738E54-A6CC-407D-8D33-D6BEE9A4AF25}"/>
+              </a:ext>
+            </a:extLst>
+          </p:cNvPr>
+          <p:cNvSpPr>
+            <a:spLocks noGrp="1" noRot="1" noChangeAspect="1" noMove="1" noResize="1" noEditPoints="1" noAdjustHandles="1" noChangeArrowheads="1" noChangeShapeType="1" noTextEdit="1"/>
+          </p:cNvSpPr>
+          <p:nvPr>
+            <p:extLst>
+              <p:ext uri="{386F3935-93C4-4BCD-93E2-E3B085C9AB24}">
+                <p16:designElem xmlns:p16="http://schemas.microsoft.com/office/powerpoint/2015/main" val="1"/>
+              </p:ext>
+            </p:extLst>
+          </p:nvPr>
+        </p:nvSpPr>
+        <p:spPr>
+          <a:xfrm>
+            <a:off x="11292840" y="0"/>
+            <a:ext cx="914400" cy="6858000"/>
+          </a:xfrm>
+          <a:prstGeom prst="rect">
+            <a:avLst/>
+          </a:prstGeom>
+          <a:solidFill>
+            <a:schemeClr val="tx2">
+              <a:lumMod val="75000"/>
+              <a:alpha val="90000"/>
+            </a:schemeClr>
+          </a:solidFill>
+          <a:ln>
+            <a:noFill/>
+          </a:ln>
+        </p:spPr>
+        <p:style>
+          <a:lnRef idx="2">
+            <a:schemeClr val="accent1">
+              <a:shade val="50000"/>
+            </a:schemeClr>
+          </a:lnRef>
+          <a:fillRef idx="1">
+            <a:schemeClr val="accent1"/>
+          </a:fillRef>
+          <a:effectRef idx="0">
+            <a:schemeClr val="accent1"/>
+          </a:effectRef>
+          <a:fontRef idx="minor">
+            <a:schemeClr val="lt1"/>
+          </a:fontRef>
+        </p:style>
+      </p:sp>
+      <p:pic>
+        <p:nvPicPr>
+          <p:cNvPr id="5" name="Picture 4"/>
+          <p:cNvPicPr>
+            <a:picLocks noChangeAspect="1"/>
+          </p:cNvPicPr>
+          <p:nvPr/>
+        </p:nvPicPr>
+        <p:blipFill rotWithShape="1">
+          <a:blip r:embed="rId2">
+            <a:extLst>
+              <a:ext uri="{28A0092B-C50C-407E-A947-70E740481C1C}">
+                <a14:useLocalDpi xmlns:a14="http://schemas.microsoft.com/office/drawing/2010/main" val="0"/>
+              </a:ext>
+            </a:extLst>
+          </a:blip>
+          <a:srcRect t="3365" r="2" b="1792"/>
+          <a:stretch/>
+        </p:blipFill>
+        <p:spPr>
+          <a:xfrm>
+            <a:off x="6623261" y="3731701"/>
+            <a:ext cx="3973908" cy="2628899"/>
+          </a:xfrm>
+          <a:prstGeom prst="rect">
+            <a:avLst/>
+          </a:prstGeom>
+        </p:spPr>
+      </p:pic>
+      <p:pic>
+        <p:nvPicPr>
+          <p:cNvPr id="4" name="Picture 3"/>
+          <p:cNvPicPr>
+            <a:picLocks noChangeAspect="1"/>
+          </p:cNvPicPr>
+          <p:nvPr/>
+        </p:nvPicPr>
+        <p:blipFill rotWithShape="1">
+          <a:blip r:embed="rId3">
+            <a:extLst>
+              <a:ext uri="{28A0092B-C50C-407E-A947-70E740481C1C}">
+                <a14:useLocalDpi xmlns:a14="http://schemas.microsoft.com/office/drawing/2010/main" val="0"/>
+              </a:ext>
+            </a:extLst>
+          </a:blip>
+          <a:srcRect t="10194" r="2" b="6069"/>
+          <a:stretch/>
+        </p:blipFill>
+        <p:spPr>
+          <a:xfrm>
+            <a:off x="6623261" y="923924"/>
+            <a:ext cx="3973908" cy="2628899"/>
+          </a:xfrm>
+          <a:prstGeom prst="rect">
+            <a:avLst/>
+          </a:prstGeom>
+        </p:spPr>
+      </p:pic>
+      <p:sp>
+        <p:nvSpPr>
           <p:cNvPr id="2" name="Title 1"/>
           <p:cNvSpPr>
             <a:spLocks noGrp="1"/>
@@ -7171,30 +6331,12 @@
             <p:ph type="title"/>
           </p:nvPr>
         </p:nvSpPr>
-        <p:spPr/>
-        <p:txBody>
-          <a:bodyPr/>
-          <a:lstStyle/>
-          <a:p>
-            <a:r>
-              <a:rPr lang="en-US" dirty="0" smtClean="0"/>
-              <a:t>Accuracy Measurement</a:t>
-            </a:r>
-            <a:endParaRPr lang="en-US" dirty="0"/>
-          </a:p>
-        </p:txBody>
-      </p:sp>
-      <p:sp>
-        <p:nvSpPr>
-          <p:cNvPr id="3" name="Content Placeholder 2"/>
-          <p:cNvSpPr>
-            <a:spLocks noGrp="1"/>
-          </p:cNvSpPr>
-          <p:nvPr>
-            <p:ph idx="1"/>
-          </p:nvPr>
-        </p:nvSpPr>
-        <p:spPr/>
+        <p:spPr>
+          <a:xfrm>
+            <a:off x="1261871" y="470535"/>
+            <a:ext cx="5361390" cy="1606948"/>
+          </a:xfrm>
+        </p:spPr>
         <p:txBody>
           <a:bodyPr>
             <a:normAutofit/>
@@ -7202,89 +6344,82 @@
           <a:lstStyle/>
           <a:p>
             <a:r>
-              <a:rPr lang="en-GB" b="0" dirty="0" smtClean="0">
-                <a:latin typeface="Cambria Math" charset="0"/>
-              </a:rPr>
-              <a:t>In TSF, the accuracy measure is obtained by the </a:t>
-            </a:r>
-            <a:r>
-              <a:rPr lang="en-GB" dirty="0" smtClean="0">
-                <a:latin typeface="Cambria Math" charset="0"/>
-              </a:rPr>
-              <a:t>difference between the predicted value and actual value at time </a:t>
-            </a:r>
-            <a:r>
-              <a:rPr lang="en-GB" i="1" dirty="0" smtClean="0">
-                <a:latin typeface="Cambria Math" charset="0"/>
-              </a:rPr>
-              <a:t>t.</a:t>
-            </a:r>
-          </a:p>
-          <a:p>
-            <a:r>
-              <a:rPr lang="en-US" b="1" dirty="0" smtClean="0"/>
-              <a:t>Mean Absolute Error (MAE)</a:t>
-            </a:r>
-          </a:p>
-          <a:p>
-            <a:r>
-              <a:rPr lang="en-US" b="1" dirty="0" smtClean="0"/>
-              <a:t>Mean Squared Error (MSE)</a:t>
-            </a:r>
-          </a:p>
-          <a:p>
-            <a:r>
-              <a:rPr lang="en-US" b="1" dirty="0" smtClean="0"/>
-              <a:t>Root Relative Squared Error (RRSE)</a:t>
-            </a:r>
-          </a:p>
-          <a:p>
-            <a:r>
-              <a:rPr lang="en-US" b="1" dirty="0" smtClean="0"/>
-              <a:t>Root Mean Squared Error (RMSE)</a:t>
-            </a:r>
-          </a:p>
-          <a:p>
-            <a:r>
-              <a:rPr lang="en-US" b="1" dirty="0" smtClean="0">
-                <a:solidFill>
-                  <a:srgbClr val="C00000"/>
-                </a:solidFill>
-              </a:rPr>
-              <a:t>Normalized Mean Squared Error</a:t>
-            </a:r>
-          </a:p>
-          <a:p>
-            <a:endParaRPr lang="en-US" b="1" dirty="0"/>
-          </a:p>
-          <a:p>
-            <a:r>
-              <a:rPr lang="en-US" b="1" dirty="0" smtClean="0">
-                <a:hlinkClick r:id="rId2" action="ppaction://hlinkfile"/>
-              </a:rPr>
-              <a:t>Document in details</a:t>
-            </a:r>
-            <a:endParaRPr lang="en-US" b="1" dirty="0"/>
+              <a:rPr lang="en-US" dirty="0"/>
+              <a:t>2. </a:t>
+            </a:r>
+            <a:r>
+              <a:rPr lang="en-US" dirty="0" smtClean="0"/>
+              <a:t>Data Preparation</a:t>
+            </a:r>
+            <a:endParaRPr lang="en-US" dirty="0"/>
+          </a:p>
+        </p:txBody>
+      </p:sp>
+      <p:sp>
+        <p:nvSpPr>
+          <p:cNvPr id="3" name="Content Placeholder 2"/>
+          <p:cNvSpPr>
+            <a:spLocks noGrp="1"/>
+          </p:cNvSpPr>
+          <p:nvPr>
+            <p:ph idx="1"/>
+          </p:nvPr>
+        </p:nvSpPr>
+        <p:spPr>
+          <a:xfrm>
+            <a:off x="1261872" y="2238374"/>
+            <a:ext cx="4954920" cy="4046538"/>
+          </a:xfrm>
+        </p:spPr>
+        <p:txBody>
+          <a:bodyPr>
+            <a:normAutofit/>
+          </a:bodyPr>
+          <a:lstStyle/>
+          <a:p>
+            <a:r>
+              <a:rPr lang="en-US" dirty="0"/>
+              <a:t>Cleaning, aggregation and transformation and taking care of missing values, invalid values and outliers</a:t>
+            </a:r>
+          </a:p>
+          <a:p>
+            <a:endParaRPr lang="en-US" dirty="0"/>
+          </a:p>
+          <a:p>
+            <a:r>
+              <a:rPr lang="en-US" dirty="0"/>
+              <a:t>Train/Validation/Test Split</a:t>
+            </a:r>
+          </a:p>
+          <a:p>
+            <a:endParaRPr lang="en-US" dirty="0"/>
+          </a:p>
+          <a:p>
+            <a:r>
+              <a:rPr lang="en-US" dirty="0"/>
+              <a:t>The important step for this project is </a:t>
+            </a:r>
+            <a:r>
+              <a:rPr lang="en-US" b="1" dirty="0"/>
+              <a:t>to check data’s predictability</a:t>
+            </a:r>
+            <a:r>
+              <a:rPr lang="en-US" dirty="0"/>
+              <a:t>.</a:t>
+            </a:r>
           </a:p>
         </p:txBody>
       </p:sp>
     </p:spTree>
     <p:extLst>
       <p:ext uri="{BB962C8B-B14F-4D97-AF65-F5344CB8AC3E}">
-        <p14:creationId xmlns:p14="http://schemas.microsoft.com/office/powerpoint/2010/main" val="899351031"/>
+        <p14:creationId xmlns:p14="http://schemas.microsoft.com/office/powerpoint/2010/main" val="1381704302"/>
       </p:ext>
     </p:extLst>
   </p:cSld>
   <p:clrMapOvr>
     <a:masterClrMapping/>
   </p:clrMapOvr>
-  <p:timing>
-    <p:tnLst>
-      <p:par>
-        <p:cTn id="1" dur="indefinite" restart="never" nodeType="tmRoot"/>
-      </p:par>
-    </p:tnLst>
-  </p:timing>
 </p:sld>
 </file>
 
@@ -7317,59 +6452,142 @@
         </p:nvSpPr>
         <p:spPr/>
         <p:txBody>
+          <a:bodyPr>
+            <a:normAutofit/>
+          </a:bodyPr>
+          <a:lstStyle/>
+          <a:p>
+            <a:r>
+              <a:rPr lang="en-US" sz="4000" dirty="0" smtClean="0"/>
+              <a:t>2.1 White Noise</a:t>
+            </a:r>
+            <a:br>
+              <a:rPr lang="en-US" sz="4000" dirty="0" smtClean="0"/>
+            </a:br>
+            <a:r>
+              <a:rPr lang="en-US" sz="4000" dirty="0" smtClean="0"/>
+              <a:t>-- Check the Predictability</a:t>
+            </a:r>
+            <a:endParaRPr lang="en-US" sz="4000" dirty="0"/>
+          </a:p>
+        </p:txBody>
+      </p:sp>
+      <p:sp>
+        <p:nvSpPr>
+          <p:cNvPr id="3" name="Content Placeholder 2"/>
+          <p:cNvSpPr>
+            <a:spLocks noGrp="1"/>
+          </p:cNvSpPr>
+          <p:nvPr>
+            <p:ph idx="1"/>
+          </p:nvPr>
+        </p:nvSpPr>
+        <p:spPr/>
+        <p:txBody>
           <a:bodyPr/>
           <a:lstStyle/>
           <a:p>
             <a:r>
-              <a:rPr lang="en-US" altLang="zh-CN" dirty="0" smtClean="0"/>
-              <a:t>Input Dataset</a:t>
-            </a:r>
-            <a:endParaRPr lang="en-US" dirty="0"/>
-          </a:p>
-        </p:txBody>
-      </p:sp>
-      <p:graphicFrame>
-        <p:nvGraphicFramePr>
-          <p:cNvPr id="4" name="Content Placeholder 3"/>
-          <p:cNvGraphicFramePr>
-            <a:graphicFrameLocks noGrp="1"/>
-          </p:cNvGraphicFramePr>
-          <p:nvPr>
-            <p:ph idx="1"/>
-            <p:extLst>
-              <p:ext uri="{D42A27DB-BD31-4B8C-83A1-F6EECF244321}">
-                <p14:modId xmlns:p14="http://schemas.microsoft.com/office/powerpoint/2010/main" val="2059832785"/>
-              </p:ext>
-            </p:extLst>
-          </p:nvPr>
-        </p:nvGraphicFramePr>
-        <p:xfrm>
-          <a:off x="1262063" y="1828800"/>
-          <a:ext cx="8594725" cy="4351338"/>
-        </p:xfrm>
-        <a:graphic>
-          <a:graphicData uri="http://schemas.openxmlformats.org/drawingml/2006/chart">
-            <c:chart xmlns:c="http://schemas.openxmlformats.org/drawingml/2006/chart" xmlns:r="http://schemas.openxmlformats.org/officeDocument/2006/relationships" r:id="rId2"/>
-          </a:graphicData>
-        </a:graphic>
-      </p:graphicFrame>
+              <a:rPr lang="en-US" dirty="0" smtClean="0"/>
+              <a:t>If your </a:t>
+            </a:r>
+            <a:r>
+              <a:rPr lang="en-US" dirty="0"/>
+              <a:t>time series is </a:t>
+            </a:r>
+            <a:r>
+              <a:rPr lang="en-US" b="1" dirty="0"/>
+              <a:t>white noise</a:t>
+            </a:r>
+            <a:r>
+              <a:rPr lang="en-US" dirty="0"/>
+              <a:t>, then, by definition, it is random. You cannot reasonably model it and make predictions</a:t>
+            </a:r>
+            <a:r>
+              <a:rPr lang="en-US" dirty="0" smtClean="0"/>
+              <a:t>.</a:t>
+            </a:r>
+          </a:p>
+          <a:p>
+            <a:endParaRPr lang="en-US" dirty="0"/>
+          </a:p>
+          <a:p>
+            <a:r>
+              <a:rPr lang="en-US" dirty="0" smtClean="0"/>
+              <a:t>Some tools that can use to check if time series is white noises:</a:t>
+            </a:r>
+          </a:p>
+          <a:p>
+            <a:pPr lvl="1"/>
+            <a:r>
+              <a:rPr lang="en-US" u="sng" dirty="0"/>
+              <a:t>Create a line plot. </a:t>
+            </a:r>
+            <a:r>
+              <a:rPr lang="en-US" dirty="0"/>
+              <a:t>Check for gross features like a changing mean, variance, or obvious relationship between lagged variables.</a:t>
+            </a:r>
+          </a:p>
+          <a:p>
+            <a:pPr lvl="1"/>
+            <a:r>
+              <a:rPr lang="en-US" u="sng" dirty="0"/>
+              <a:t>Calculate summary statistics. </a:t>
+            </a:r>
+            <a:r>
+              <a:rPr lang="en-US" dirty="0"/>
+              <a:t>Check the mean and variance of the whole series against the mean and variance of meaningful contiguous blocks of values in the series (e.g. days, months, or years).</a:t>
+            </a:r>
+          </a:p>
+          <a:p>
+            <a:pPr lvl="1"/>
+            <a:r>
+              <a:rPr lang="en-US" u="sng" dirty="0"/>
+              <a:t>Create an autocorrelation plot. </a:t>
+            </a:r>
+            <a:r>
+              <a:rPr lang="en-US" dirty="0"/>
+              <a:t>Check for gross correlation between lagged variables</a:t>
+            </a:r>
+            <a:r>
+              <a:rPr lang="en-US" dirty="0" smtClean="0"/>
+              <a:t>.</a:t>
+            </a:r>
+          </a:p>
+          <a:p>
+            <a:pPr lvl="1"/>
+            <a:endParaRPr lang="en-US" dirty="0"/>
+          </a:p>
+          <a:p>
+            <a:pPr lvl="1"/>
+            <a:r>
+              <a:rPr lang="en-US" dirty="0" smtClean="0"/>
+              <a:t>Details in the document: </a:t>
+            </a:r>
+            <a:r>
+              <a:rPr lang="en-US" dirty="0" smtClean="0">
+                <a:hlinkClick r:id="rId2" invalidUrl="https://github.com/OranginaGaoZhao/Time-Series-Forecasting/blob/master/White Noise Time Series .ipynb"/>
+              </a:rPr>
+              <a:t>white noise with explanation</a:t>
+            </a:r>
+            <a:endParaRPr lang="en-US" dirty="0"/>
+          </a:p>
+          <a:p>
+            <a:pPr lvl="1"/>
+            <a:endParaRPr lang="en-US" dirty="0"/>
+          </a:p>
+        </p:txBody>
+      </p:sp>
     </p:spTree>
     <p:extLst>
       <p:ext uri="{BB962C8B-B14F-4D97-AF65-F5344CB8AC3E}">
-        <p14:creationId xmlns:p14="http://schemas.microsoft.com/office/powerpoint/2010/main" val="2144728954"/>
+        <p14:creationId xmlns:p14="http://schemas.microsoft.com/office/powerpoint/2010/main" val="918519683"/>
       </p:ext>
     </p:extLst>
   </p:cSld>
   <p:clrMapOvr>
     <a:masterClrMapping/>
   </p:clrMapOvr>
-  <p:timing>
-    <p:tnLst>
-      <p:par>
-        <p:cTn id="1" dur="indefinite" restart="never" nodeType="tmRoot"/>
-      </p:par>
-    </p:tnLst>
-  </p:timing>
 </p:sld>
 </file>
 
@@ -7379,9 +6597,7 @@
     <p:bg>
       <p:bgPr>
         <a:solidFill>
-          <a:schemeClr val="bg2">
-            <a:lumMod val="75000"/>
-          </a:schemeClr>
+          <a:schemeClr val="bg1"/>
         </a:solidFill>
         <a:effectLst/>
       </p:bgPr>
@@ -7402,10 +6618,10 @@
       </p:grpSpPr>
       <p:sp>
         <p:nvSpPr>
-          <p:cNvPr id="19" name="Rectangle 18">
+          <p:cNvPr id="13" name="Rectangle 12">
             <a:extLst>
               <a:ext uri="{FF2B5EF4-FFF2-40B4-BE49-F238E27FC236}">
-                <a16:creationId xmlns:a16="http://schemas.microsoft.com/office/drawing/2014/main" xmlns="" id="{323D50B8-1D27-420D-BA4A-249914120C5D}"/>
+                <a16:creationId xmlns:a16="http://schemas.microsoft.com/office/drawing/2014/main" xmlns="" id="{4A738E54-A6CC-407D-8D33-D6BEE9A4AF25}"/>
               </a:ext>
             </a:extLst>
           </p:cNvPr>
@@ -7422,14 +6638,17 @@
         </p:nvSpPr>
         <p:spPr>
           <a:xfrm>
-            <a:off x="0" y="0"/>
-            <a:ext cx="457200" cy="6858000"/>
+            <a:off x="11292840" y="0"/>
+            <a:ext cx="914400" cy="6858000"/>
           </a:xfrm>
           <a:prstGeom prst="rect">
             <a:avLst/>
           </a:prstGeom>
           <a:solidFill>
-            <a:schemeClr val="accent1"/>
+            <a:schemeClr val="tx2">
+              <a:lumMod val="75000"/>
+              <a:alpha val="90000"/>
+            </a:schemeClr>
           </a:solidFill>
           <a:ln>
             <a:noFill/>
@@ -7452,37 +6671,107 @@
           </a:fontRef>
         </p:style>
       </p:sp>
-      <p:sp useBgFill="1">
-        <p:nvSpPr>
-          <p:cNvPr id="21" name="Rectangle 20">
+      <p:pic>
+        <p:nvPicPr>
+          <p:cNvPr id="8" name="Content Placeholder 3"/>
+          <p:cNvPicPr>
+            <a:picLocks noChangeAspect="1"/>
+          </p:cNvPicPr>
+          <p:nvPr/>
+        </p:nvPicPr>
+        <p:blipFill rotWithShape="1">
+          <a:blip r:embed="rId2">
             <a:extLst>
-              <a:ext uri="{FF2B5EF4-FFF2-40B4-BE49-F238E27FC236}">
-                <a16:creationId xmlns:a16="http://schemas.microsoft.com/office/drawing/2014/main" xmlns="" id="{918CDC34-0F26-409D-B10F-578D4DCC46DE}"/>
+              <a:ext uri="{28A0092B-C50C-407E-A947-70E740481C1C}">
+                <a14:useLocalDpi xmlns:a14="http://schemas.microsoft.com/office/drawing/2010/main" val="0"/>
               </a:ext>
             </a:extLst>
-          </p:cNvPr>
-          <p:cNvSpPr>
-            <a:spLocks noGrp="1" noRot="1" noChangeAspect="1" noMove="1" noResize="1" noEditPoints="1" noAdjustHandles="1" noChangeArrowheads="1" noChangeShapeType="1" noTextEdit="1"/>
-          </p:cNvSpPr>
-          <p:nvPr>
-            <p:extLst>
-              <p:ext uri="{386F3935-93C4-4BCD-93E2-E3B085C9AB24}">
-                <p16:designElem xmlns:p16="http://schemas.microsoft.com/office/powerpoint/2015/main" val="1"/>
-              </p:ext>
-            </p:extLst>
-          </p:nvPr>
-        </p:nvSpPr>
-        <p:spPr>
-          <a:xfrm>
-            <a:off x="457200" y="5105400"/>
-            <a:ext cx="10835640" cy="1752600"/>
+          </a:blip>
+          <a:srcRect l="18536" r="16463" b="-2"/>
+          <a:stretch/>
+        </p:blipFill>
+        <p:spPr>
+          <a:xfrm>
+            <a:off x="804672" y="2394741"/>
+            <a:ext cx="3973908" cy="2016621"/>
           </a:xfrm>
           <a:prstGeom prst="rect">
             <a:avLst/>
           </a:prstGeom>
-          <a:ln>
-            <a:noFill/>
-          </a:ln>
+        </p:spPr>
+      </p:pic>
+      <p:sp>
+        <p:nvSpPr>
+          <p:cNvPr id="2" name="Title 1"/>
+          <p:cNvSpPr>
+            <a:spLocks noGrp="1"/>
+          </p:cNvSpPr>
+          <p:nvPr>
+            <p:ph type="title"/>
+          </p:nvPr>
+        </p:nvSpPr>
+        <p:spPr>
+          <a:xfrm>
+            <a:off x="804672" y="-110232"/>
+            <a:ext cx="6485814" cy="1606948"/>
+          </a:xfrm>
+        </p:spPr>
+        <p:txBody>
+          <a:bodyPr>
+            <a:normAutofit/>
+          </a:bodyPr>
+          <a:lstStyle/>
+          <a:p>
+            <a:r>
+              <a:rPr lang="en-US" dirty="0"/>
+              <a:t>3. Data Exploration</a:t>
+            </a:r>
+          </a:p>
+        </p:txBody>
+      </p:sp>
+      <p:pic>
+        <p:nvPicPr>
+          <p:cNvPr id="3" name="Content Placeholder 2"/>
+          <p:cNvPicPr>
+            <a:picLocks noGrp="1" noChangeAspect="1"/>
+          </p:cNvPicPr>
+          <p:nvPr>
+            <p:ph idx="1"/>
+          </p:nvPr>
+        </p:nvPicPr>
+        <p:blipFill>
+          <a:blip r:embed="rId3">
+            <a:extLst>
+              <a:ext uri="{28A0092B-C50C-407E-A947-70E740481C1C}">
+                <a14:useLocalDpi xmlns:a14="http://schemas.microsoft.com/office/drawing/2010/main" val="0"/>
+              </a:ext>
+            </a:extLst>
+          </a:blip>
+          <a:stretch>
+            <a:fillRect/>
+          </a:stretch>
+        </p:blipFill>
+        <p:spPr>
+          <a:xfrm>
+            <a:off x="6054671" y="601159"/>
+            <a:ext cx="5112488" cy="5603784"/>
+          </a:xfrm>
+        </p:spPr>
+      </p:pic>
+      <p:sp>
+        <p:nvSpPr>
+          <p:cNvPr id="6" name="Right Arrow 5"/>
+          <p:cNvSpPr/>
+          <p:nvPr/>
+        </p:nvSpPr>
+        <p:spPr>
+          <a:xfrm>
+            <a:off x="5082715" y="3280024"/>
+            <a:ext cx="667820" cy="297951"/>
+          </a:xfrm>
+          <a:prstGeom prst="rightArrow">
+            <a:avLst/>
+          </a:prstGeom>
         </p:spPr>
         <p:style>
           <a:lnRef idx="2">
@@ -7500,165 +6789,25 @@
             <a:schemeClr val="lt1"/>
           </a:fontRef>
         </p:style>
-      </p:sp>
-      <p:sp>
-        <p:nvSpPr>
-          <p:cNvPr id="23" name="Rectangle 22">
-            <a:extLst>
-              <a:ext uri="{FF2B5EF4-FFF2-40B4-BE49-F238E27FC236}">
-                <a16:creationId xmlns:a16="http://schemas.microsoft.com/office/drawing/2014/main" xmlns="" id="{2EFBB176-B6C1-4B5A-AADA-F930947E09CC}"/>
-              </a:ext>
-            </a:extLst>
-          </p:cNvPr>
-          <p:cNvSpPr>
-            <a:spLocks noGrp="1" noRot="1" noChangeAspect="1" noMove="1" noResize="1" noEditPoints="1" noAdjustHandles="1" noChangeArrowheads="1" noChangeShapeType="1" noTextEdit="1"/>
-          </p:cNvSpPr>
-          <p:nvPr>
-            <p:extLst>
-              <p:ext uri="{386F3935-93C4-4BCD-93E2-E3B085C9AB24}">
-                <p16:designElem xmlns:p16="http://schemas.microsoft.com/office/powerpoint/2015/main" val="1"/>
-              </p:ext>
-            </p:extLst>
-          </p:nvPr>
-        </p:nvSpPr>
-        <p:spPr>
-          <a:xfrm>
-            <a:off x="457200" y="0"/>
-            <a:ext cx="10820400" cy="4949953"/>
-          </a:xfrm>
-          <a:prstGeom prst="rect">
-            <a:avLst/>
-          </a:prstGeom>
-          <a:solidFill>
-            <a:srgbClr val="FFFFFF"/>
-          </a:solidFill>
-          <a:ln>
-            <a:noFill/>
-          </a:ln>
-        </p:spPr>
-        <p:style>
-          <a:lnRef idx="2">
-            <a:schemeClr val="accent1">
-              <a:shade val="50000"/>
-            </a:schemeClr>
-          </a:lnRef>
-          <a:fillRef idx="1">
-            <a:schemeClr val="accent1"/>
-          </a:fillRef>
-          <a:effectRef idx="0">
-            <a:schemeClr val="accent1"/>
-          </a:effectRef>
-          <a:fontRef idx="minor">
-            <a:schemeClr val="lt1"/>
-          </a:fontRef>
-        </p:style>
-      </p:sp>
-      <p:pic>
-        <p:nvPicPr>
-          <p:cNvPr id="5" name="Picture 4"/>
-          <p:cNvPicPr>
-            <a:picLocks noChangeAspect="1"/>
-          </p:cNvPicPr>
+        <p:txBody>
+          <a:bodyPr rtlCol="0" anchor="ctr"/>
+          <a:lstStyle/>
+          <a:p>
+            <a:pPr algn="ctr"/>
+            <a:endParaRPr lang="en-US"/>
+          </a:p>
+        </p:txBody>
+      </p:sp>
+      <p:sp>
+        <p:nvSpPr>
+          <p:cNvPr id="7" name="Rectangle 6"/>
+          <p:cNvSpPr/>
           <p:nvPr/>
-        </p:nvPicPr>
-        <p:blipFill>
-          <a:blip r:embed="rId2">
-            <a:extLst>
-              <a:ext uri="{28A0092B-C50C-407E-A947-70E740481C1C}">
-                <a14:useLocalDpi xmlns:a14="http://schemas.microsoft.com/office/drawing/2010/main" val="0"/>
-              </a:ext>
-            </a:extLst>
-          </a:blip>
-          <a:stretch>
-            <a:fillRect/>
-          </a:stretch>
-        </p:blipFill>
-        <p:spPr>
-          <a:xfrm>
-            <a:off x="727667" y="2776693"/>
-            <a:ext cx="10294706" cy="2125415"/>
-          </a:xfrm>
-          <a:prstGeom prst="rect">
-            <a:avLst/>
-          </a:prstGeom>
-        </p:spPr>
-      </p:pic>
-      <p:pic>
-        <p:nvPicPr>
-          <p:cNvPr id="4" name="Content Placeholder 3"/>
-          <p:cNvPicPr>
-            <a:picLocks noGrp="1" noChangeAspect="1"/>
-          </p:cNvPicPr>
-          <p:nvPr>
-            <p:ph idx="1"/>
-          </p:nvPr>
-        </p:nvPicPr>
-        <p:blipFill>
-          <a:blip r:embed="rId3">
-            <a:extLst>
-              <a:ext uri="{28A0092B-C50C-407E-A947-70E740481C1C}">
-                <a14:useLocalDpi xmlns:a14="http://schemas.microsoft.com/office/drawing/2010/main" val="0"/>
-              </a:ext>
-            </a:extLst>
-          </a:blip>
-          <a:stretch>
-            <a:fillRect/>
-          </a:stretch>
-        </p:blipFill>
-        <p:spPr>
-          <a:xfrm>
-            <a:off x="720047" y="291366"/>
-            <a:ext cx="10294706" cy="2193961"/>
-          </a:xfrm>
-          <a:prstGeom prst="rect">
-            <a:avLst/>
-          </a:prstGeom>
-        </p:spPr>
-      </p:pic>
-      <p:sp>
-        <p:nvSpPr>
-          <p:cNvPr id="2" name="Title 1"/>
-          <p:cNvSpPr>
-            <a:spLocks noGrp="1"/>
-          </p:cNvSpPr>
-          <p:nvPr>
-            <p:ph type="title"/>
-          </p:nvPr>
-        </p:nvSpPr>
-        <p:spPr>
-          <a:xfrm>
-            <a:off x="944183" y="5181600"/>
-            <a:ext cx="10156435" cy="1076324"/>
-          </a:xfrm>
-        </p:spPr>
-        <p:txBody>
-          <a:bodyPr vert="horz" lIns="91440" tIns="45720" rIns="91440" bIns="45720" rtlCol="0" anchor="b">
-            <a:normAutofit/>
-          </a:bodyPr>
-          <a:lstStyle/>
-          <a:p>
-            <a:pPr>
-              <a:lnSpc>
-                <a:spcPct val="85000"/>
-              </a:lnSpc>
-            </a:pPr>
-            <a:r>
-              <a:rPr lang="en-US" sz="5400" dirty="0"/>
-              <a:t>Linear Regression</a:t>
-            </a:r>
-          </a:p>
-        </p:txBody>
-      </p:sp>
-      <p:sp>
-        <p:nvSpPr>
-          <p:cNvPr id="3" name="TextBox 2"/>
-          <p:cNvSpPr txBox="1"/>
-          <p:nvPr/>
-        </p:nvSpPr>
-        <p:spPr>
-          <a:xfrm>
-            <a:off x="1089061" y="28977"/>
-            <a:ext cx="1212350" cy="369332"/>
+        </p:nvSpPr>
+        <p:spPr>
+          <a:xfrm>
+            <a:off x="1139784" y="4976562"/>
+            <a:ext cx="4610751" cy="769441"/>
           </a:xfrm>
           <a:prstGeom prst="rect">
             <a:avLst/>
@@ -7666,110 +6815,52 @@
           <a:noFill/>
         </p:spPr>
         <p:txBody>
-          <a:bodyPr wrap="square" rtlCol="0">
+          <a:bodyPr wrap="square" lIns="91440" tIns="45720" rIns="91440" bIns="45720">
             <a:spAutoFit/>
           </a:bodyPr>
           <a:lstStyle/>
           <a:p>
-            <a:r>
-              <a:rPr lang="en-US" altLang="zh-CN" dirty="0" smtClean="0"/>
-              <a:t>Fitting</a:t>
-            </a:r>
-            <a:endParaRPr lang="en-US" dirty="0"/>
-          </a:p>
-        </p:txBody>
-      </p:sp>
-      <p:sp>
-        <p:nvSpPr>
-          <p:cNvPr id="9" name="TextBox 8"/>
-          <p:cNvSpPr txBox="1"/>
-          <p:nvPr/>
-        </p:nvSpPr>
-        <p:spPr>
-          <a:xfrm>
-            <a:off x="1089061" y="2485327"/>
-            <a:ext cx="1579998" cy="369332"/>
-          </a:xfrm>
-          <a:prstGeom prst="rect">
-            <a:avLst/>
-          </a:prstGeom>
-          <a:noFill/>
-        </p:spPr>
-        <p:txBody>
-          <a:bodyPr wrap="square" rtlCol="0">
-            <a:spAutoFit/>
-          </a:bodyPr>
-          <a:lstStyle/>
-          <a:p>
-            <a:r>
-              <a:rPr lang="en-US" altLang="zh-CN" dirty="0" smtClean="0"/>
-              <a:t>Forecasting</a:t>
-            </a:r>
-            <a:endParaRPr lang="en-US" dirty="0"/>
-          </a:p>
-        </p:txBody>
-      </p:sp>
-      <p:sp>
-        <p:nvSpPr>
-          <p:cNvPr id="7" name="TextBox 6"/>
-          <p:cNvSpPr txBox="1"/>
-          <p:nvPr/>
-        </p:nvSpPr>
-        <p:spPr>
-          <a:xfrm>
-            <a:off x="7516595" y="5103674"/>
-            <a:ext cx="4263228" cy="1754326"/>
-          </a:xfrm>
-          <a:prstGeom prst="rect">
-            <a:avLst/>
-          </a:prstGeom>
-          <a:noFill/>
-        </p:spPr>
-        <p:txBody>
-          <a:bodyPr wrap="square" rtlCol="0">
-            <a:spAutoFit/>
-          </a:bodyPr>
-          <a:lstStyle/>
-          <a:p>
-            <a:r>
-              <a:rPr lang="en-US" dirty="0" smtClean="0"/>
-              <a:t>==Evaluation on Training Data==</a:t>
-            </a:r>
-          </a:p>
-          <a:p>
-            <a:endParaRPr lang="en-US" dirty="0"/>
-          </a:p>
-          <a:p>
-            <a:r>
-              <a:rPr lang="en-US" dirty="0" smtClean="0"/>
-              <a:t>MAE: 15.8418</a:t>
-            </a:r>
-          </a:p>
-          <a:p>
-            <a:r>
-              <a:rPr lang="en-US" dirty="0" smtClean="0"/>
-              <a:t>RRSE: 68.1458</a:t>
-            </a:r>
-          </a:p>
-          <a:p>
-            <a:r>
-              <a:rPr lang="en-US" dirty="0" smtClean="0"/>
-              <a:t>RMSE: 20.2104</a:t>
-            </a:r>
-          </a:p>
-          <a:p>
-            <a:r>
-              <a:rPr lang="en-US" dirty="0" smtClean="0"/>
-              <a:t>MSE: 408.4618</a:t>
-            </a:r>
-            <a:endParaRPr lang="en-US" dirty="0"/>
+            <a:pPr algn="ctr"/>
+            <a:r>
+              <a:rPr lang="en-GB" sz="4400" b="1" cap="none" spc="0" dirty="0" smtClean="0">
+                <a:ln w="22225">
+                  <a:solidFill>
+                    <a:schemeClr val="accent2"/>
+                  </a:solidFill>
+                  <a:prstDash val="solid"/>
+                </a:ln>
+                <a:solidFill>
+                  <a:schemeClr val="accent2">
+                    <a:lumMod val="40000"/>
+                    <a:lumOff val="60000"/>
+                  </a:schemeClr>
+                </a:solidFill>
+                <a:effectLst/>
+              </a:rPr>
+              <a:t>Decomposition</a:t>
+            </a:r>
+            <a:endParaRPr lang="en-GB" sz="4400" b="1" cap="none" spc="0" dirty="0">
+              <a:ln w="22225">
+                <a:solidFill>
+                  <a:schemeClr val="accent2"/>
+                </a:solidFill>
+                <a:prstDash val="solid"/>
+              </a:ln>
+              <a:solidFill>
+                <a:schemeClr val="accent2">
+                  <a:lumMod val="40000"/>
+                  <a:lumOff val="60000"/>
+                </a:schemeClr>
+              </a:solidFill>
+              <a:effectLst/>
+            </a:endParaRPr>
           </a:p>
         </p:txBody>
       </p:sp>
     </p:spTree>
     <p:extLst>
       <p:ext uri="{BB962C8B-B14F-4D97-AF65-F5344CB8AC3E}">
-        <p14:creationId xmlns:p14="http://schemas.microsoft.com/office/powerpoint/2010/main" val="783895083"/>
+        <p14:creationId xmlns:p14="http://schemas.microsoft.com/office/powerpoint/2010/main" val="3541936766"/>
       </p:ext>
     </p:extLst>
   </p:cSld>
@@ -7782,16 +6873,6 @@
 <file path=ppt/slides/slide7.xml><?xml version="1.0" encoding="utf-8"?>
 <p:sld xmlns:a="http://schemas.openxmlformats.org/drawingml/2006/main" xmlns:r="http://schemas.openxmlformats.org/officeDocument/2006/relationships" xmlns:p="http://schemas.openxmlformats.org/presentationml/2006/main">
   <p:cSld>
-    <p:bg>
-      <p:bgPr>
-        <a:solidFill>
-          <a:schemeClr val="bg2">
-            <a:lumMod val="75000"/>
-          </a:schemeClr>
-        </a:solidFill>
-        <a:effectLst/>
-      </p:bgPr>
-    </p:bg>
     <p:spTree>
       <p:nvGrpSpPr>
         <p:cNvPr id="1" name=""/>
@@ -7808,394 +6889,114 @@
       </p:grpSpPr>
       <p:sp>
         <p:nvSpPr>
-          <p:cNvPr id="10" name="Rectangle 9">
-            <a:extLst>
-              <a:ext uri="{FF2B5EF4-FFF2-40B4-BE49-F238E27FC236}">
-                <a16:creationId xmlns:a16="http://schemas.microsoft.com/office/drawing/2014/main" xmlns="" id="{323D50B8-1D27-420D-BA4A-249914120C5D}"/>
-              </a:ext>
-            </a:extLst>
-          </p:cNvPr>
-          <p:cNvSpPr>
-            <a:spLocks noGrp="1" noRot="1" noChangeAspect="1" noMove="1" noResize="1" noEditPoints="1" noAdjustHandles="1" noChangeArrowheads="1" noChangeShapeType="1" noTextEdit="1"/>
-          </p:cNvSpPr>
-          <p:nvPr>
-            <p:extLst>
-              <p:ext uri="{386F3935-93C4-4BCD-93E2-E3B085C9AB24}">
-                <p16:designElem xmlns:p16="http://schemas.microsoft.com/office/powerpoint/2015/main" val="1"/>
-              </p:ext>
-            </p:extLst>
-          </p:nvPr>
-        </p:nvSpPr>
-        <p:spPr>
-          <a:xfrm>
-            <a:off x="0" y="0"/>
-            <a:ext cx="457200" cy="6858000"/>
-          </a:xfrm>
-          <a:prstGeom prst="rect">
-            <a:avLst/>
-          </a:prstGeom>
-          <a:solidFill>
-            <a:schemeClr val="accent1"/>
-          </a:solidFill>
-          <a:ln>
-            <a:noFill/>
-          </a:ln>
-        </p:spPr>
-        <p:style>
-          <a:lnRef idx="2">
-            <a:schemeClr val="accent1">
-              <a:shade val="50000"/>
-            </a:schemeClr>
-          </a:lnRef>
-          <a:fillRef idx="1">
-            <a:schemeClr val="accent1"/>
-          </a:fillRef>
-          <a:effectRef idx="0">
-            <a:schemeClr val="accent1"/>
-          </a:effectRef>
-          <a:fontRef idx="minor">
-            <a:schemeClr val="lt1"/>
-          </a:fontRef>
-        </p:style>
-      </p:sp>
-      <p:sp useBgFill="1">
-        <p:nvSpPr>
-          <p:cNvPr id="12" name="Rectangle 11">
-            <a:extLst>
-              <a:ext uri="{FF2B5EF4-FFF2-40B4-BE49-F238E27FC236}">
-                <a16:creationId xmlns:a16="http://schemas.microsoft.com/office/drawing/2014/main" xmlns="" id="{918CDC34-0F26-409D-B10F-578D4DCC46DE}"/>
-              </a:ext>
-            </a:extLst>
-          </p:cNvPr>
-          <p:cNvSpPr>
-            <a:spLocks noGrp="1" noRot="1" noChangeAspect="1" noMove="1" noResize="1" noEditPoints="1" noAdjustHandles="1" noChangeArrowheads="1" noChangeShapeType="1" noTextEdit="1"/>
-          </p:cNvSpPr>
-          <p:nvPr>
-            <p:extLst>
-              <p:ext uri="{386F3935-93C4-4BCD-93E2-E3B085C9AB24}">
-                <p16:designElem xmlns:p16="http://schemas.microsoft.com/office/powerpoint/2015/main" val="1"/>
-              </p:ext>
-            </p:extLst>
-          </p:nvPr>
-        </p:nvSpPr>
-        <p:spPr>
-          <a:xfrm>
-            <a:off x="457200" y="5105400"/>
-            <a:ext cx="10835640" cy="1752600"/>
-          </a:xfrm>
-          <a:prstGeom prst="rect">
-            <a:avLst/>
-          </a:prstGeom>
-          <a:ln>
-            <a:noFill/>
-          </a:ln>
-        </p:spPr>
-        <p:style>
-          <a:lnRef idx="2">
-            <a:schemeClr val="accent1">
-              <a:shade val="50000"/>
-            </a:schemeClr>
-          </a:lnRef>
-          <a:fillRef idx="1">
-            <a:schemeClr val="accent1"/>
-          </a:fillRef>
-          <a:effectRef idx="0">
-            <a:schemeClr val="accent1"/>
-          </a:effectRef>
-          <a:fontRef idx="minor">
-            <a:schemeClr val="lt1"/>
-          </a:fontRef>
-        </p:style>
-      </p:sp>
-      <p:sp>
-        <p:nvSpPr>
-          <p:cNvPr id="14" name="Rectangle 13">
-            <a:extLst>
-              <a:ext uri="{FF2B5EF4-FFF2-40B4-BE49-F238E27FC236}">
-                <a16:creationId xmlns:a16="http://schemas.microsoft.com/office/drawing/2014/main" xmlns="" id="{2EFBB176-B6C1-4B5A-AADA-F930947E09CC}"/>
-              </a:ext>
-            </a:extLst>
-          </p:cNvPr>
-          <p:cNvSpPr>
-            <a:spLocks noGrp="1" noRot="1" noChangeAspect="1" noMove="1" noResize="1" noEditPoints="1" noAdjustHandles="1" noChangeArrowheads="1" noChangeShapeType="1" noTextEdit="1"/>
-          </p:cNvSpPr>
-          <p:nvPr>
-            <p:extLst>
-              <p:ext uri="{386F3935-93C4-4BCD-93E2-E3B085C9AB24}">
-                <p16:designElem xmlns:p16="http://schemas.microsoft.com/office/powerpoint/2015/main" val="1"/>
-              </p:ext>
-            </p:extLst>
-          </p:nvPr>
-        </p:nvSpPr>
-        <p:spPr>
-          <a:xfrm>
-            <a:off x="457200" y="0"/>
-            <a:ext cx="10820400" cy="4949953"/>
-          </a:xfrm>
-          <a:prstGeom prst="rect">
-            <a:avLst/>
-          </a:prstGeom>
-          <a:solidFill>
-            <a:srgbClr val="FFFFFF"/>
-          </a:solidFill>
-          <a:ln>
-            <a:noFill/>
-          </a:ln>
-        </p:spPr>
-        <p:style>
-          <a:lnRef idx="2">
-            <a:schemeClr val="accent1">
-              <a:shade val="50000"/>
-            </a:schemeClr>
-          </a:lnRef>
-          <a:fillRef idx="1">
-            <a:schemeClr val="accent1"/>
-          </a:fillRef>
-          <a:effectRef idx="0">
-            <a:schemeClr val="accent1"/>
-          </a:effectRef>
-          <a:fontRef idx="minor">
-            <a:schemeClr val="lt1"/>
-          </a:fontRef>
-        </p:style>
-      </p:sp>
-      <p:pic>
-        <p:nvPicPr>
-          <p:cNvPr id="5" name="Picture 4"/>
-          <p:cNvPicPr>
-            <a:picLocks noChangeAspect="1"/>
-          </p:cNvPicPr>
-          <p:nvPr/>
-        </p:nvPicPr>
-        <p:blipFill>
-          <a:blip r:embed="rId2">
-            <a:extLst>
-              <a:ext uri="{28A0092B-C50C-407E-A947-70E740481C1C}">
-                <a14:useLocalDpi xmlns:a14="http://schemas.microsoft.com/office/drawing/2010/main" val="0"/>
-              </a:ext>
-            </a:extLst>
-          </a:blip>
-          <a:stretch>
-            <a:fillRect/>
-          </a:stretch>
-        </p:blipFill>
-        <p:spPr>
-          <a:xfrm>
-            <a:off x="697765" y="2626818"/>
-            <a:ext cx="10402851" cy="2179960"/>
-          </a:xfrm>
-          <a:prstGeom prst="rect">
-            <a:avLst/>
-          </a:prstGeom>
-        </p:spPr>
-      </p:pic>
-      <p:pic>
-        <p:nvPicPr>
-          <p:cNvPr id="4" name="Content Placeholder 3"/>
-          <p:cNvPicPr>
-            <a:picLocks noGrp="1" noChangeAspect="1"/>
-          </p:cNvPicPr>
+          <p:cNvPr id="2" name="Title 1"/>
+          <p:cNvSpPr>
+            <a:spLocks noGrp="1"/>
+          </p:cNvSpPr>
+          <p:nvPr>
+            <p:ph type="title"/>
+          </p:nvPr>
+        </p:nvSpPr>
+        <p:spPr/>
+        <p:txBody>
+          <a:bodyPr/>
+          <a:lstStyle/>
+          <a:p>
+            <a:r>
+              <a:rPr lang="en-US" dirty="0" smtClean="0"/>
+              <a:t>4. Modeling - TSF </a:t>
+            </a:r>
+            <a:r>
+              <a:rPr lang="en-US" dirty="0" smtClean="0"/>
+              <a:t>Algorithms</a:t>
+            </a:r>
+            <a:endParaRPr lang="en-US" dirty="0"/>
+          </a:p>
+        </p:txBody>
+      </p:sp>
+      <p:sp>
+        <p:nvSpPr>
+          <p:cNvPr id="3" name="Content Placeholder 2"/>
+          <p:cNvSpPr>
+            <a:spLocks noGrp="1"/>
+          </p:cNvSpPr>
           <p:nvPr>
             <p:ph idx="1"/>
           </p:nvPr>
-        </p:nvPicPr>
-        <p:blipFill>
-          <a:blip r:embed="rId3">
-            <a:extLst>
-              <a:ext uri="{28A0092B-C50C-407E-A947-70E740481C1C}">
-                <a14:useLocalDpi xmlns:a14="http://schemas.microsoft.com/office/drawing/2010/main" val="0"/>
-              </a:ext>
-            </a:extLst>
-          </a:blip>
-          <a:stretch>
-            <a:fillRect/>
-          </a:stretch>
-        </p:blipFill>
-        <p:spPr>
-          <a:xfrm>
-            <a:off x="697765" y="198706"/>
-            <a:ext cx="10402851" cy="2229406"/>
-          </a:xfrm>
-          <a:prstGeom prst="rect">
-            <a:avLst/>
-          </a:prstGeom>
-        </p:spPr>
-      </p:pic>
-      <p:sp>
-        <p:nvSpPr>
-          <p:cNvPr id="2" name="Title 1"/>
-          <p:cNvSpPr>
-            <a:spLocks noGrp="1"/>
-          </p:cNvSpPr>
-          <p:nvPr>
-            <p:ph type="title"/>
-          </p:nvPr>
-        </p:nvSpPr>
-        <p:spPr>
-          <a:xfrm>
-            <a:off x="944181" y="5317524"/>
-            <a:ext cx="10156435" cy="1076324"/>
-          </a:xfrm>
-        </p:spPr>
-        <p:txBody>
-          <a:bodyPr vert="horz" lIns="91440" tIns="45720" rIns="91440" bIns="45720" rtlCol="0" anchor="b">
-            <a:normAutofit fontScale="90000"/>
+        </p:nvSpPr>
+        <p:spPr/>
+        <p:txBody>
+          <a:bodyPr>
+            <a:normAutofit lnSpcReduction="10000"/>
           </a:bodyPr>
           <a:lstStyle/>
           <a:p>
-            <a:pPr>
-              <a:lnSpc>
-                <a:spcPct val="85000"/>
-              </a:lnSpc>
+            <a:pPr marL="0" indent="0">
+              <a:buNone/>
             </a:pPr>
             <a:r>
-              <a:rPr lang="en-US" sz="5400" smtClean="0"/>
+              <a:rPr lang="en-US" u="sng" dirty="0" smtClean="0"/>
+              <a:t>Machine Learning:</a:t>
+            </a:r>
+          </a:p>
+          <a:p>
+            <a:r>
+              <a:rPr lang="en-US" dirty="0" smtClean="0"/>
+              <a:t>Linear Regression</a:t>
+            </a:r>
+          </a:p>
+          <a:p>
+            <a:r>
+              <a:rPr lang="en-US" dirty="0" err="1" smtClean="0"/>
               <a:t>SMOreg</a:t>
             </a:r>
-            <a:r>
-              <a:rPr lang="en-US" sz="5400" dirty="0" smtClean="0"/>
-              <a:t> </a:t>
-            </a:r>
-            <a:br>
-              <a:rPr lang="en-US" sz="5400" dirty="0" smtClean="0"/>
-            </a:br>
-            <a:r>
-              <a:rPr lang="en-US" sz="5400" dirty="0" smtClean="0"/>
-              <a:t>(SVM for Regression)</a:t>
-            </a:r>
-            <a:endParaRPr lang="en-US" sz="5400" dirty="0"/>
-          </a:p>
-        </p:txBody>
-      </p:sp>
-      <p:sp>
-        <p:nvSpPr>
-          <p:cNvPr id="8" name="TextBox 7"/>
-          <p:cNvSpPr txBox="1"/>
-          <p:nvPr/>
-        </p:nvSpPr>
-        <p:spPr>
-          <a:xfrm>
-            <a:off x="976930" y="-24060"/>
-            <a:ext cx="1212350" cy="369332"/>
-          </a:xfrm>
-          <a:prstGeom prst="rect">
-            <a:avLst/>
-          </a:prstGeom>
-          <a:noFill/>
-        </p:spPr>
-        <p:txBody>
-          <a:bodyPr wrap="square" rtlCol="0">
-            <a:spAutoFit/>
-          </a:bodyPr>
-          <a:lstStyle/>
-          <a:p>
-            <a:r>
-              <a:rPr lang="en-US" altLang="zh-CN" smtClean="0"/>
-              <a:t>Fitting</a:t>
-            </a:r>
-            <a:endParaRPr lang="en-US"/>
-          </a:p>
-        </p:txBody>
-      </p:sp>
-      <p:sp>
-        <p:nvSpPr>
-          <p:cNvPr id="3" name="Rectangle 2"/>
-          <p:cNvSpPr/>
-          <p:nvPr/>
-        </p:nvSpPr>
-        <p:spPr>
-          <a:xfrm>
-            <a:off x="976930" y="2342799"/>
-            <a:ext cx="1436612" cy="369332"/>
-          </a:xfrm>
-          <a:prstGeom prst="rect">
-            <a:avLst/>
-          </a:prstGeom>
-        </p:spPr>
-        <p:txBody>
-          <a:bodyPr wrap="none">
-            <a:spAutoFit/>
-          </a:bodyPr>
-          <a:lstStyle/>
-          <a:p>
-            <a:r>
-              <a:rPr lang="en-US" altLang="zh-CN" dirty="0"/>
-              <a:t>Forecasting</a:t>
-            </a:r>
-            <a:endParaRPr lang="en-US" dirty="0"/>
-          </a:p>
-        </p:txBody>
-      </p:sp>
-      <p:sp>
-        <p:nvSpPr>
-          <p:cNvPr id="9" name="Rectangle 8"/>
-          <p:cNvSpPr/>
-          <p:nvPr/>
-        </p:nvSpPr>
-        <p:spPr>
-          <a:xfrm>
-            <a:off x="7434648" y="5006481"/>
-            <a:ext cx="6096000" cy="1754326"/>
-          </a:xfrm>
-          <a:prstGeom prst="rect">
-            <a:avLst/>
-          </a:prstGeom>
-        </p:spPr>
-        <p:txBody>
-          <a:bodyPr>
-            <a:spAutoFit/>
-          </a:bodyPr>
-          <a:lstStyle/>
-          <a:p>
-            <a:r>
-              <a:rPr lang="en-US" dirty="0"/>
-              <a:t>==Evaluation on Training Data==</a:t>
-            </a:r>
-          </a:p>
-          <a:p>
-            <a:endParaRPr lang="en-US" dirty="0"/>
-          </a:p>
-          <a:p>
-            <a:r>
-              <a:rPr lang="en-US" dirty="0"/>
-              <a:t>MAE: </a:t>
-            </a:r>
+            <a:endParaRPr lang="en-US" dirty="0" smtClean="0"/>
+          </a:p>
+          <a:p>
             <a:r>
               <a:rPr lang="en-US" dirty="0" smtClean="0"/>
-              <a:t>13.7704</a:t>
-            </a:r>
-            <a:endParaRPr lang="en-US" dirty="0"/>
-          </a:p>
-          <a:p>
-            <a:r>
-              <a:rPr lang="en-US" dirty="0"/>
-              <a:t>RRSE: </a:t>
-            </a:r>
+              <a:t>MLP</a:t>
+            </a:r>
+          </a:p>
+          <a:p>
             <a:r>
               <a:rPr lang="en-US" dirty="0" smtClean="0"/>
-              <a:t>74.8349</a:t>
-            </a:r>
-            <a:endParaRPr lang="en-US" dirty="0"/>
-          </a:p>
-          <a:p>
-            <a:r>
-              <a:rPr lang="en-US" dirty="0"/>
-              <a:t>RMSE: </a:t>
-            </a:r>
+              <a:t>Gaussian Process</a:t>
+            </a:r>
+          </a:p>
+          <a:p>
             <a:r>
               <a:rPr lang="en-US" dirty="0" smtClean="0"/>
-              <a:t>22.1776</a:t>
-            </a:r>
-            <a:endParaRPr lang="en-US" dirty="0"/>
-          </a:p>
-          <a:p>
-            <a:r>
-              <a:rPr lang="en-US" dirty="0"/>
-              <a:t>MSE: </a:t>
-            </a:r>
+              <a:t>Random Forest</a:t>
+            </a:r>
+          </a:p>
+          <a:p>
+            <a:endParaRPr lang="en-US" dirty="0" smtClean="0"/>
+          </a:p>
+          <a:p>
+            <a:pPr marL="0" indent="0">
+              <a:buNone/>
+            </a:pPr>
+            <a:r>
+              <a:rPr lang="en-US" u="sng" dirty="0" err="1" smtClean="0"/>
+              <a:t>Mannual</a:t>
+            </a:r>
+            <a:r>
+              <a:rPr lang="en-US" u="sng" dirty="0" smtClean="0"/>
+              <a:t>:</a:t>
+            </a:r>
+            <a:endParaRPr lang="en-US" u="sng" dirty="0"/>
+          </a:p>
+          <a:p>
             <a:r>
               <a:rPr lang="en-US" dirty="0" smtClean="0"/>
-              <a:t>491.8438</a:t>
+              <a:t>ARIMA (Autoregressive Integrated Moving Average) Model</a:t>
+            </a:r>
+          </a:p>
+          <a:p>
+            <a:r>
+              <a:rPr lang="en-US" dirty="0" smtClean="0"/>
+              <a:t>Random Walk </a:t>
             </a:r>
             <a:endParaRPr lang="en-US" dirty="0"/>
           </a:p>
@@ -8204,13 +7005,20 @@
     </p:spTree>
     <p:extLst>
       <p:ext uri="{BB962C8B-B14F-4D97-AF65-F5344CB8AC3E}">
-        <p14:creationId xmlns:p14="http://schemas.microsoft.com/office/powerpoint/2010/main" val="3106655012"/>
+        <p14:creationId xmlns:p14="http://schemas.microsoft.com/office/powerpoint/2010/main" val="118792672"/>
       </p:ext>
     </p:extLst>
   </p:cSld>
   <p:clrMapOvr>
     <a:masterClrMapping/>
   </p:clrMapOvr>
+  <p:timing>
+    <p:tnLst>
+      <p:par>
+        <p:cTn id="1" dur="indefinite" restart="never" nodeType="tmRoot"/>
+      </p:par>
+    </p:tnLst>
+  </p:timing>
 </p:sld>
 </file>
 
@@ -8243,10 +7051,10 @@
       </p:grpSpPr>
       <p:sp>
         <p:nvSpPr>
-          <p:cNvPr id="10" name="Rectangle 9">
+          <p:cNvPr id="19" name="Rectangle 18">
             <a:extLst>
               <a:ext uri="{FF2B5EF4-FFF2-40B4-BE49-F238E27FC236}">
-                <a16:creationId xmlns:a16="http://schemas.microsoft.com/office/drawing/2014/main" xmlns="" id="{323D50B8-1D27-420D-BA4A-249914120C5D}"/>
+                <a16:creationId xmlns="" xmlns:a16="http://schemas.microsoft.com/office/drawing/2014/main" id="{323D50B8-1D27-420D-BA4A-249914120C5D}"/>
               </a:ext>
             </a:extLst>
           </p:cNvPr>
@@ -8295,10 +7103,10 @@
       </p:sp>
       <p:sp useBgFill="1">
         <p:nvSpPr>
-          <p:cNvPr id="12" name="Rectangle 11">
+          <p:cNvPr id="21" name="Rectangle 20">
             <a:extLst>
               <a:ext uri="{FF2B5EF4-FFF2-40B4-BE49-F238E27FC236}">
-                <a16:creationId xmlns:a16="http://schemas.microsoft.com/office/drawing/2014/main" xmlns="" id="{918CDC34-0F26-409D-B10F-578D4DCC46DE}"/>
+                <a16:creationId xmlns="" xmlns:a16="http://schemas.microsoft.com/office/drawing/2014/main" id="{918CDC34-0F26-409D-B10F-578D4DCC46DE}"/>
               </a:ext>
             </a:extLst>
           </p:cNvPr>
@@ -8344,10 +7152,10 @@
       </p:sp>
       <p:sp>
         <p:nvSpPr>
-          <p:cNvPr id="14" name="Rectangle 13">
+          <p:cNvPr id="23" name="Rectangle 22">
             <a:extLst>
               <a:ext uri="{FF2B5EF4-FFF2-40B4-BE49-F238E27FC236}">
-                <a16:creationId xmlns:a16="http://schemas.microsoft.com/office/drawing/2014/main" xmlns="" id="{2EFBB176-B6C1-4B5A-AADA-F930947E09CC}"/>
+                <a16:creationId xmlns="" xmlns:a16="http://schemas.microsoft.com/office/drawing/2014/main" id="{2EFBB176-B6C1-4B5A-AADA-F930947E09CC}"/>
               </a:ext>
             </a:extLst>
           </p:cNvPr>
@@ -8396,13 +7204,11 @@
       </p:sp>
       <p:pic>
         <p:nvPicPr>
-          <p:cNvPr id="4" name="Content Placeholder 3"/>
+          <p:cNvPr id="5" name="Picture 4"/>
           <p:cNvPicPr>
-            <a:picLocks noGrp="1" noChangeAspect="1"/>
+            <a:picLocks noChangeAspect="1"/>
           </p:cNvPicPr>
-          <p:nvPr>
-            <p:ph idx="1"/>
-          </p:nvPr>
+          <p:nvPr/>
         </p:nvPicPr>
         <p:blipFill>
           <a:blip r:embed="rId2">
@@ -8418,8 +7224,8 @@
         </p:blipFill>
         <p:spPr>
           <a:xfrm>
-            <a:off x="652436" y="146156"/>
-            <a:ext cx="10448181" cy="2435353"/>
+            <a:off x="727667" y="2776693"/>
+            <a:ext cx="10294706" cy="2125415"/>
           </a:xfrm>
           <a:prstGeom prst="rect">
             <a:avLst/>
@@ -8428,11 +7234,13 @@
       </p:pic>
       <p:pic>
         <p:nvPicPr>
-          <p:cNvPr id="5" name="Picture 4"/>
+          <p:cNvPr id="4" name="Content Placeholder 3"/>
           <p:cNvPicPr>
-            <a:picLocks noChangeAspect="1"/>
+            <a:picLocks noGrp="1" noChangeAspect="1"/>
           </p:cNvPicPr>
-          <p:nvPr/>
+          <p:nvPr>
+            <p:ph idx="1"/>
+          </p:nvPr>
         </p:nvPicPr>
         <p:blipFill>
           <a:blip r:embed="rId3">
@@ -8448,8 +7256,8 @@
         </p:blipFill>
         <p:spPr>
           <a:xfrm>
-            <a:off x="652435" y="2736956"/>
-            <a:ext cx="10448181" cy="2212997"/>
+            <a:off x="720047" y="291366"/>
+            <a:ext cx="10294706" cy="2193961"/>
           </a:xfrm>
           <a:prstGeom prst="rect">
             <a:avLst/>
@@ -8468,13 +7276,13 @@
         </p:nvSpPr>
         <p:spPr>
           <a:xfrm>
-            <a:off x="789182" y="5518275"/>
+            <a:off x="944183" y="5181600"/>
             <a:ext cx="10156435" cy="1076324"/>
           </a:xfrm>
         </p:spPr>
         <p:txBody>
           <a:bodyPr vert="horz" lIns="91440" tIns="45720" rIns="91440" bIns="45720" rtlCol="0" anchor="b">
-            <a:normAutofit fontScale="90000"/>
+            <a:normAutofit/>
           </a:bodyPr>
           <a:lstStyle/>
           <a:p>
@@ -8484,29 +7292,21 @@
               </a:lnSpc>
             </a:pPr>
             <a:r>
-              <a:rPr lang="en-US" sz="5400" dirty="0" smtClean="0"/>
-              <a:t>MLP</a:t>
-            </a:r>
-            <a:br>
-              <a:rPr lang="en-US" sz="5400" dirty="0" smtClean="0"/>
-            </a:br>
-            <a:r>
-              <a:rPr lang="en-US" sz="5400" smtClean="0"/>
-              <a:t>Multi-Layer Perceptron</a:t>
-            </a:r>
-            <a:endParaRPr lang="en-US" sz="5400"/>
-          </a:p>
-        </p:txBody>
-      </p:sp>
-      <p:sp>
-        <p:nvSpPr>
-          <p:cNvPr id="8" name="TextBox 7"/>
+              <a:rPr lang="en-US" sz="5400" dirty="0"/>
+              <a:t>Linear Regression</a:t>
+            </a:r>
+          </a:p>
+        </p:txBody>
+      </p:sp>
+      <p:sp>
+        <p:nvSpPr>
+          <p:cNvPr id="3" name="TextBox 2"/>
           <p:cNvSpPr txBox="1"/>
           <p:nvPr/>
         </p:nvSpPr>
         <p:spPr>
           <a:xfrm>
-            <a:off x="914400" y="-44363"/>
+            <a:off x="1089061" y="28977"/>
             <a:ext cx="1212350" cy="369332"/>
           </a:xfrm>
           <a:prstGeom prst="rect">
@@ -8536,7 +7336,7 @@
         </p:nvSpPr>
         <p:spPr>
           <a:xfrm>
-            <a:off x="914400" y="2411987"/>
+            <a:off x="1089061" y="2485327"/>
             <a:ext cx="1579998" cy="369332"/>
           </a:xfrm>
           <a:prstGeom prst="rect">
@@ -8560,27 +7360,28 @@
       </p:sp>
       <p:sp>
         <p:nvSpPr>
-          <p:cNvPr id="3" name="Rectangle 2"/>
-          <p:cNvSpPr/>
+          <p:cNvPr id="7" name="TextBox 6"/>
+          <p:cNvSpPr txBox="1"/>
           <p:nvPr/>
         </p:nvSpPr>
         <p:spPr>
           <a:xfrm>
-            <a:off x="7570573" y="5096109"/>
-            <a:ext cx="6096000" cy="1754326"/>
+            <a:off x="7516595" y="5103674"/>
+            <a:ext cx="4263228" cy="1754326"/>
           </a:xfrm>
           <a:prstGeom prst="rect">
             <a:avLst/>
           </a:prstGeom>
-        </p:spPr>
-        <p:txBody>
-          <a:bodyPr>
+          <a:noFill/>
+        </p:spPr>
+        <p:txBody>
+          <a:bodyPr wrap="square" rtlCol="0">
             <a:spAutoFit/>
           </a:bodyPr>
           <a:lstStyle/>
           <a:p>
             <a:r>
-              <a:rPr lang="en-US" dirty="0"/>
+              <a:rPr lang="en-US" dirty="0" smtClean="0"/>
               <a:t>==Evaluation on Training Data==</a:t>
             </a:r>
           </a:p>
@@ -8589,48 +7390,26 @@
           </a:p>
           <a:p>
             <a:r>
-              <a:rPr lang="en-US" dirty="0"/>
-              <a:t>MAE: </a:t>
-            </a:r>
-            <a:r>
               <a:rPr lang="en-US" dirty="0" smtClean="0"/>
-              <a:t>5.2334</a:t>
+              <a:t>MAE: 15.8418</a:t>
             </a:r>
           </a:p>
           <a:p>
             <a:r>
               <a:rPr lang="en-US" dirty="0" smtClean="0"/>
-              <a:t>RRSE</a:t>
-            </a:r>
-            <a:r>
-              <a:rPr lang="en-US" dirty="0"/>
-              <a:t>: </a:t>
-            </a:r>
+              <a:t>RRSE: 68.1458</a:t>
+            </a:r>
+          </a:p>
+          <a:p>
             <a:r>
               <a:rPr lang="en-US" dirty="0" smtClean="0"/>
-              <a:t>23.0063</a:t>
-            </a:r>
-            <a:endParaRPr lang="en-US" dirty="0"/>
-          </a:p>
-          <a:p>
-            <a:r>
-              <a:rPr lang="en-US" dirty="0"/>
-              <a:t>RMSE: </a:t>
-            </a:r>
+              <a:t>RMSE: 20.2104</a:t>
+            </a:r>
+          </a:p>
+          <a:p>
             <a:r>
               <a:rPr lang="en-US" dirty="0" smtClean="0"/>
-              <a:t>6.8528</a:t>
-            </a:r>
-            <a:endParaRPr lang="en-US" dirty="0"/>
-          </a:p>
-          <a:p>
-            <a:r>
-              <a:rPr lang="en-US" dirty="0"/>
-              <a:t>MSE: </a:t>
-            </a:r>
-            <a:r>
-              <a:rPr lang="en-US" dirty="0" smtClean="0"/>
-              <a:t>46.9604</a:t>
+              <a:t>MSE: 408.4618</a:t>
             </a:r>
             <a:endParaRPr lang="en-US" dirty="0"/>
           </a:p>
@@ -8639,7 +7418,7 @@
     </p:spTree>
     <p:extLst>
       <p:ext uri="{BB962C8B-B14F-4D97-AF65-F5344CB8AC3E}">
-        <p14:creationId xmlns:p14="http://schemas.microsoft.com/office/powerpoint/2010/main" val="2892663886"/>
+        <p14:creationId xmlns:p14="http://schemas.microsoft.com/office/powerpoint/2010/main" val="783895083"/>
       </p:ext>
     </p:extLst>
   </p:cSld>
@@ -8681,7 +7460,7 @@
           <p:cNvPr id="10" name="Rectangle 9">
             <a:extLst>
               <a:ext uri="{FF2B5EF4-FFF2-40B4-BE49-F238E27FC236}">
-                <a16:creationId xmlns:a16="http://schemas.microsoft.com/office/drawing/2014/main" xmlns="" id="{323D50B8-1D27-420D-BA4A-249914120C5D}"/>
+                <a16:creationId xmlns="" xmlns:a16="http://schemas.microsoft.com/office/drawing/2014/main" id="{323D50B8-1D27-420D-BA4A-249914120C5D}"/>
               </a:ext>
             </a:extLst>
           </p:cNvPr>
@@ -8733,7 +7512,7 @@
           <p:cNvPr id="12" name="Rectangle 11">
             <a:extLst>
               <a:ext uri="{FF2B5EF4-FFF2-40B4-BE49-F238E27FC236}">
-                <a16:creationId xmlns:a16="http://schemas.microsoft.com/office/drawing/2014/main" xmlns="" id="{918CDC34-0F26-409D-B10F-578D4DCC46DE}"/>
+                <a16:creationId xmlns="" xmlns:a16="http://schemas.microsoft.com/office/drawing/2014/main" id="{918CDC34-0F26-409D-B10F-578D4DCC46DE}"/>
               </a:ext>
             </a:extLst>
           </p:cNvPr>
@@ -8782,7 +7561,7 @@
           <p:cNvPr id="14" name="Rectangle 13">
             <a:extLst>
               <a:ext uri="{FF2B5EF4-FFF2-40B4-BE49-F238E27FC236}">
-                <a16:creationId xmlns:a16="http://schemas.microsoft.com/office/drawing/2014/main" xmlns="" id="{2EFBB176-B6C1-4B5A-AADA-F930947E09CC}"/>
+                <a16:creationId xmlns="" xmlns:a16="http://schemas.microsoft.com/office/drawing/2014/main" id="{2EFBB176-B6C1-4B5A-AADA-F930947E09CC}"/>
               </a:ext>
             </a:extLst>
           </p:cNvPr>
@@ -8851,8 +7630,8 @@
         </p:blipFill>
         <p:spPr>
           <a:xfrm>
-            <a:off x="635982" y="2736956"/>
-            <a:ext cx="10464635" cy="2212997"/>
+            <a:off x="697765" y="2626818"/>
+            <a:ext cx="10402851" cy="2179960"/>
           </a:xfrm>
           <a:prstGeom prst="rect">
             <a:avLst/>
@@ -8883,8 +7662,8 @@
         </p:blipFill>
         <p:spPr>
           <a:xfrm>
-            <a:off x="635983" y="146156"/>
-            <a:ext cx="10464634" cy="2435353"/>
+            <a:off x="697765" y="198706"/>
+            <a:ext cx="10402851" cy="2229406"/>
           </a:xfrm>
           <a:prstGeom prst="rect">
             <a:avLst/>
@@ -8903,13 +7682,13 @@
         </p:nvSpPr>
         <p:spPr>
           <a:xfrm>
-            <a:off x="944183" y="5181600"/>
+            <a:off x="944181" y="5317524"/>
             <a:ext cx="10156435" cy="1076324"/>
           </a:xfrm>
         </p:spPr>
         <p:txBody>
           <a:bodyPr vert="horz" lIns="91440" tIns="45720" rIns="91440" bIns="45720" rtlCol="0" anchor="b">
-            <a:normAutofit/>
+            <a:normAutofit fontScale="90000"/>
           </a:bodyPr>
           <a:lstStyle/>
           <a:p>
@@ -8919,8 +7698,19 @@
               </a:lnSpc>
             </a:pPr>
             <a:r>
+              <a:rPr lang="en-US" sz="5400" smtClean="0"/>
+              <a:t>SMOreg</a:t>
+            </a:r>
+            <a:r>
               <a:rPr lang="en-US" sz="5400" dirty="0" smtClean="0"/>
-              <a:t>Gaussian Process</a:t>
+              <a:t> </a:t>
+            </a:r>
+            <a:br>
+              <a:rPr lang="en-US" sz="5400" dirty="0" smtClean="0"/>
+            </a:br>
+            <a:r>
+              <a:rPr lang="en-US" sz="5400" dirty="0" smtClean="0"/>
+              <a:t>(SVM for Regression)</a:t>
             </a:r>
             <a:endParaRPr lang="en-US" sz="5400" dirty="0"/>
           </a:p>
@@ -8934,7 +7724,7 @@
         </p:nvSpPr>
         <p:spPr>
           <a:xfrm>
-            <a:off x="914400" y="-44363"/>
+            <a:off x="976930" y="-24060"/>
             <a:ext cx="1212350" cy="369332"/>
           </a:xfrm>
           <a:prstGeom prst="rect">
@@ -8949,37 +7739,36 @@
           <a:lstStyle/>
           <a:p>
             <a:r>
-              <a:rPr lang="en-US" altLang="zh-CN" dirty="0" smtClean="0"/>
+              <a:rPr lang="en-US" altLang="zh-CN" smtClean="0"/>
               <a:t>Fitting</a:t>
             </a:r>
-            <a:endParaRPr lang="en-US" dirty="0"/>
-          </a:p>
-        </p:txBody>
-      </p:sp>
-      <p:sp>
-        <p:nvSpPr>
-          <p:cNvPr id="9" name="TextBox 8"/>
-          <p:cNvSpPr txBox="1"/>
+            <a:endParaRPr lang="en-US"/>
+          </a:p>
+        </p:txBody>
+      </p:sp>
+      <p:sp>
+        <p:nvSpPr>
+          <p:cNvPr id="3" name="Rectangle 2"/>
+          <p:cNvSpPr/>
           <p:nvPr/>
         </p:nvSpPr>
         <p:spPr>
           <a:xfrm>
-            <a:off x="914400" y="2411987"/>
-            <a:ext cx="1579998" cy="369332"/>
+            <a:off x="976930" y="2342799"/>
+            <a:ext cx="1436612" cy="369332"/>
           </a:xfrm>
           <a:prstGeom prst="rect">
             <a:avLst/>
           </a:prstGeom>
-          <a:noFill/>
-        </p:spPr>
-        <p:txBody>
-          <a:bodyPr wrap="square" rtlCol="0">
+        </p:spPr>
+        <p:txBody>
+          <a:bodyPr wrap="none">
             <a:spAutoFit/>
           </a:bodyPr>
           <a:lstStyle/>
           <a:p>
             <a:r>
-              <a:rPr lang="en-US" altLang="zh-CN" dirty="0" smtClean="0"/>
+              <a:rPr lang="en-US" altLang="zh-CN" dirty="0"/>
               <a:t>Forecasting</a:t>
             </a:r>
             <a:endParaRPr lang="en-US" dirty="0"/>
@@ -8988,13 +7777,13 @@
       </p:sp>
       <p:sp>
         <p:nvSpPr>
-          <p:cNvPr id="3" name="Rectangle 2"/>
+          <p:cNvPr id="9" name="Rectangle 8"/>
           <p:cNvSpPr/>
           <p:nvPr/>
         </p:nvSpPr>
         <p:spPr>
           <a:xfrm>
-            <a:off x="7521146" y="5017976"/>
+            <a:off x="7434648" y="5006481"/>
             <a:ext cx="6096000" cy="1754326"/>
           </a:xfrm>
           <a:prstGeom prst="rect">
@@ -9022,7 +7811,7 @@
             </a:r>
             <a:r>
               <a:rPr lang="en-US" dirty="0" smtClean="0"/>
-              <a:t>7.5714</a:t>
+              <a:t>13.7704</a:t>
             </a:r>
             <a:endParaRPr lang="en-US" dirty="0"/>
           </a:p>
@@ -9033,7 +7822,7 @@
             </a:r>
             <a:r>
               <a:rPr lang="en-US" dirty="0" smtClean="0"/>
-              <a:t>33.3133</a:t>
+              <a:t>74.8349</a:t>
             </a:r>
             <a:endParaRPr lang="en-US" dirty="0"/>
           </a:p>
@@ -9044,7 +7833,7 @@
             </a:r>
             <a:r>
               <a:rPr lang="en-US" dirty="0" smtClean="0"/>
-              <a:t>9.8961</a:t>
+              <a:t>22.1776</a:t>
             </a:r>
             <a:endParaRPr lang="en-US" dirty="0"/>
           </a:p>
@@ -9055,7 +7844,7 @@
             </a:r>
             <a:r>
               <a:rPr lang="en-US" dirty="0" smtClean="0"/>
-              <a:t>97.9327</a:t>
+              <a:t>491.8438</a:t>
             </a:r>
             <a:endParaRPr lang="en-US" dirty="0"/>
           </a:p>
@@ -9064,7 +7853,7 @@
     </p:spTree>
     <p:extLst>
       <p:ext uri="{BB962C8B-B14F-4D97-AF65-F5344CB8AC3E}">
-        <p14:creationId xmlns:p14="http://schemas.microsoft.com/office/powerpoint/2010/main" val="115728706"/>
+        <p14:creationId xmlns:p14="http://schemas.microsoft.com/office/powerpoint/2010/main" val="3106655012"/>
       </p:ext>
     </p:extLst>
   </p:cSld>
